--- a/Endergebnis.pptx
+++ b/Endergebnis.pptx
@@ -11,8 +11,8 @@
     <p:sldId id="276" r:id="rId2"/>
     <p:sldId id="286" r:id="rId3"/>
     <p:sldId id="291" r:id="rId4"/>
-    <p:sldId id="292" r:id="rId5"/>
-    <p:sldId id="256" r:id="rId6"/>
+    <p:sldId id="302" r:id="rId5"/>
+    <p:sldId id="292" r:id="rId6"/>
     <p:sldId id="296" r:id="rId7"/>
     <p:sldId id="297" r:id="rId8"/>
     <p:sldId id="299" r:id="rId9"/>
@@ -9808,12 +9808,310 @@
           <a:lstStyle/>
           <a:p>
             <a:r>
-              <a:rPr lang="de-DE"/>
-              <a:t>Wird größer wenn man nochmal drückt</a:t>
-            </a:r>
-          </a:p>
-          <a:p>
-            <a:endParaRPr lang="de-DE"/>
+              <a:rPr lang="es-ES" sz="1200" dirty="0">
+                <a:ea typeface="+mn-lt"/>
+                <a:cs typeface="+mn-lt"/>
+              </a:rPr>
+              <a:t>Die HHN-</a:t>
+            </a:r>
+            <a:r>
+              <a:rPr lang="es-ES" sz="1200" dirty="0" err="1">
+                <a:ea typeface="+mn-lt"/>
+                <a:cs typeface="+mn-lt"/>
+              </a:rPr>
+              <a:t>Website</a:t>
+            </a:r>
+            <a:r>
+              <a:rPr lang="es-ES" sz="1200" dirty="0">
+                <a:ea typeface="+mn-lt"/>
+                <a:cs typeface="+mn-lt"/>
+              </a:rPr>
+              <a:t> </a:t>
+            </a:r>
+            <a:r>
+              <a:rPr lang="es-ES" sz="1200" dirty="0" err="1">
+                <a:ea typeface="+mn-lt"/>
+                <a:cs typeface="+mn-lt"/>
+              </a:rPr>
+              <a:t>enthält</a:t>
+            </a:r>
+            <a:r>
+              <a:rPr lang="es-ES" sz="1200" dirty="0">
+                <a:ea typeface="+mn-lt"/>
+                <a:cs typeface="+mn-lt"/>
+              </a:rPr>
+              <a:t> </a:t>
+            </a:r>
+            <a:r>
+              <a:rPr lang="es-ES" sz="1200" dirty="0" err="1">
+                <a:ea typeface="+mn-lt"/>
+                <a:cs typeface="+mn-lt"/>
+              </a:rPr>
+              <a:t>sehr</a:t>
+            </a:r>
+            <a:r>
+              <a:rPr lang="es-ES" sz="1200" dirty="0">
+                <a:ea typeface="+mn-lt"/>
+                <a:cs typeface="+mn-lt"/>
+              </a:rPr>
+              <a:t> </a:t>
+            </a:r>
+            <a:r>
+              <a:rPr lang="es-ES" sz="1200" dirty="0" err="1">
+                <a:ea typeface="+mn-lt"/>
+                <a:cs typeface="+mn-lt"/>
+              </a:rPr>
+              <a:t>viele</a:t>
+            </a:r>
+            <a:r>
+              <a:rPr lang="es-ES" sz="1200" dirty="0">
+                <a:ea typeface="+mn-lt"/>
+                <a:cs typeface="+mn-lt"/>
+              </a:rPr>
+              <a:t> </a:t>
+            </a:r>
+            <a:r>
+              <a:rPr lang="es-ES" sz="1200" dirty="0" err="1">
+                <a:ea typeface="+mn-lt"/>
+                <a:cs typeface="+mn-lt"/>
+              </a:rPr>
+              <a:t>Informationen</a:t>
+            </a:r>
+            <a:r>
+              <a:rPr lang="es-ES" sz="1200" dirty="0">
+                <a:ea typeface="+mn-lt"/>
+                <a:cs typeface="+mn-lt"/>
+              </a:rPr>
+              <a:t> (</a:t>
+            </a:r>
+            <a:r>
+              <a:rPr lang="es-ES" sz="1200" dirty="0" err="1">
+                <a:ea typeface="+mn-lt"/>
+                <a:cs typeface="+mn-lt"/>
+              </a:rPr>
+              <a:t>Studiengänge</a:t>
+            </a:r>
+            <a:r>
+              <a:rPr lang="es-ES" sz="1200" dirty="0">
+                <a:ea typeface="+mn-lt"/>
+                <a:cs typeface="+mn-lt"/>
+              </a:rPr>
+              <a:t>, </a:t>
+            </a:r>
+            <a:r>
+              <a:rPr lang="es-ES" sz="1200" dirty="0" err="1">
+                <a:ea typeface="+mn-lt"/>
+                <a:cs typeface="+mn-lt"/>
+              </a:rPr>
+              <a:t>Fristen</a:t>
+            </a:r>
+            <a:r>
+              <a:rPr lang="es-ES" sz="1200" dirty="0">
+                <a:ea typeface="+mn-lt"/>
+                <a:cs typeface="+mn-lt"/>
+              </a:rPr>
+              <a:t>, </a:t>
+            </a:r>
+            <a:r>
+              <a:rPr lang="es-ES" sz="1200" dirty="0" err="1">
+                <a:ea typeface="+mn-lt"/>
+                <a:cs typeface="+mn-lt"/>
+              </a:rPr>
+              <a:t>Prüfungen</a:t>
+            </a:r>
+            <a:r>
+              <a:rPr lang="es-ES" sz="1200" dirty="0">
+                <a:ea typeface="+mn-lt"/>
+                <a:cs typeface="+mn-lt"/>
+              </a:rPr>
+              <a:t>, </a:t>
+            </a:r>
+            <a:r>
+              <a:rPr lang="es-ES" sz="1200" dirty="0" err="1">
+                <a:ea typeface="+mn-lt"/>
+                <a:cs typeface="+mn-lt"/>
+              </a:rPr>
+              <a:t>Veranstaltungen</a:t>
+            </a:r>
+            <a:r>
+              <a:rPr lang="es-ES" sz="1200" dirty="0">
+                <a:ea typeface="+mn-lt"/>
+                <a:cs typeface="+mn-lt"/>
+              </a:rPr>
+              <a:t>).</a:t>
+            </a:r>
+          </a:p>
+          <a:p>
+            <a:r>
+              <a:rPr lang="es-ES" sz="1200" dirty="0" err="1">
+                <a:ea typeface="+mn-lt"/>
+                <a:cs typeface="+mn-lt"/>
+              </a:rPr>
+              <a:t>Studierende</a:t>
+            </a:r>
+            <a:r>
+              <a:rPr lang="es-ES" sz="1200" dirty="0">
+                <a:ea typeface="+mn-lt"/>
+                <a:cs typeface="+mn-lt"/>
+              </a:rPr>
+              <a:t>, </a:t>
+            </a:r>
+            <a:r>
+              <a:rPr lang="es-ES" sz="1200" dirty="0" err="1">
+                <a:ea typeface="+mn-lt"/>
+                <a:cs typeface="+mn-lt"/>
+              </a:rPr>
+              <a:t>Bewerber</a:t>
+            </a:r>
+            <a:r>
+              <a:rPr lang="es-ES" sz="1200" dirty="0">
+                <a:ea typeface="+mn-lt"/>
+                <a:cs typeface="+mn-lt"/>
+              </a:rPr>
+              <a:t> &amp; </a:t>
+            </a:r>
+            <a:r>
+              <a:rPr lang="es-ES" sz="1200" dirty="0" err="1">
+                <a:ea typeface="+mn-lt"/>
+                <a:cs typeface="+mn-lt"/>
+              </a:rPr>
+              <a:t>Mitarbeiter</a:t>
+            </a:r>
+            <a:r>
+              <a:rPr lang="es-ES" sz="1200" dirty="0">
+                <a:ea typeface="+mn-lt"/>
+                <a:cs typeface="+mn-lt"/>
+              </a:rPr>
+              <a:t> </a:t>
+            </a:r>
+            <a:r>
+              <a:rPr lang="es-ES" sz="1200" dirty="0" err="1">
+                <a:ea typeface="+mn-lt"/>
+                <a:cs typeface="+mn-lt"/>
+              </a:rPr>
+              <a:t>müssen</a:t>
+            </a:r>
+            <a:r>
+              <a:rPr lang="es-ES" sz="1200" dirty="0">
+                <a:ea typeface="+mn-lt"/>
+                <a:cs typeface="+mn-lt"/>
+              </a:rPr>
+              <a:t> </a:t>
+            </a:r>
+            <a:r>
+              <a:rPr lang="es-ES" sz="1200" dirty="0" err="1">
+                <a:ea typeface="+mn-lt"/>
+                <a:cs typeface="+mn-lt"/>
+              </a:rPr>
+              <a:t>oft</a:t>
+            </a:r>
+            <a:r>
+              <a:rPr lang="es-ES" sz="1200" dirty="0">
+                <a:ea typeface="+mn-lt"/>
+                <a:cs typeface="+mn-lt"/>
+              </a:rPr>
+              <a:t> </a:t>
+            </a:r>
+            <a:r>
+              <a:rPr lang="es-ES" sz="1200" dirty="0" err="1">
+                <a:ea typeface="+mn-lt"/>
+                <a:cs typeface="+mn-lt"/>
+              </a:rPr>
+              <a:t>lange</a:t>
+            </a:r>
+            <a:r>
+              <a:rPr lang="es-ES" sz="1200" dirty="0">
+                <a:ea typeface="+mn-lt"/>
+                <a:cs typeface="+mn-lt"/>
+              </a:rPr>
+              <a:t> </a:t>
+            </a:r>
+            <a:r>
+              <a:rPr lang="es-ES" sz="1200" dirty="0" err="1">
+                <a:ea typeface="+mn-lt"/>
+                <a:cs typeface="+mn-lt"/>
+              </a:rPr>
+              <a:t>suchen</a:t>
+            </a:r>
+            <a:r>
+              <a:rPr lang="es-ES" sz="1200" dirty="0">
+                <a:ea typeface="+mn-lt"/>
+                <a:cs typeface="+mn-lt"/>
+              </a:rPr>
+              <a:t>.</a:t>
+            </a:r>
+          </a:p>
+          <a:p>
+            <a:r>
+              <a:rPr lang="es-ES" sz="1200" dirty="0" err="1">
+                <a:ea typeface="+mn-lt"/>
+                <a:cs typeface="+mn-lt"/>
+              </a:rPr>
+              <a:t>Suchfunktion</a:t>
+            </a:r>
+            <a:r>
+              <a:rPr lang="es-ES" sz="1200" dirty="0">
+                <a:ea typeface="+mn-lt"/>
+                <a:cs typeface="+mn-lt"/>
+              </a:rPr>
+              <a:t> </a:t>
+            </a:r>
+            <a:r>
+              <a:rPr lang="es-ES" sz="1200" dirty="0" err="1">
+                <a:ea typeface="+mn-lt"/>
+                <a:cs typeface="+mn-lt"/>
+              </a:rPr>
+              <a:t>liefert</a:t>
+            </a:r>
+            <a:r>
+              <a:rPr lang="es-ES" sz="1200" dirty="0">
+                <a:ea typeface="+mn-lt"/>
+                <a:cs typeface="+mn-lt"/>
+              </a:rPr>
+              <a:t> </a:t>
+            </a:r>
+            <a:r>
+              <a:rPr lang="es-ES" sz="1200" dirty="0" err="1">
+                <a:ea typeface="+mn-lt"/>
+                <a:cs typeface="+mn-lt"/>
+              </a:rPr>
+              <a:t>oft</a:t>
+            </a:r>
+            <a:r>
+              <a:rPr lang="es-ES" sz="1200" dirty="0">
+                <a:ea typeface="+mn-lt"/>
+                <a:cs typeface="+mn-lt"/>
+              </a:rPr>
+              <a:t> </a:t>
+            </a:r>
+            <a:r>
+              <a:rPr lang="es-ES" sz="1200" dirty="0" err="1">
+                <a:ea typeface="+mn-lt"/>
+                <a:cs typeface="+mn-lt"/>
+              </a:rPr>
+              <a:t>unpräzise</a:t>
+            </a:r>
+            <a:r>
+              <a:rPr lang="es-ES" sz="1200" dirty="0">
+                <a:ea typeface="+mn-lt"/>
+                <a:cs typeface="+mn-lt"/>
+              </a:rPr>
+              <a:t> </a:t>
+            </a:r>
+            <a:r>
+              <a:rPr lang="es-ES" sz="1200" dirty="0" err="1">
+                <a:ea typeface="+mn-lt"/>
+                <a:cs typeface="+mn-lt"/>
+              </a:rPr>
+              <a:t>Ergebnisse</a:t>
+            </a:r>
+            <a:r>
+              <a:rPr lang="es-ES" sz="1200" dirty="0">
+                <a:ea typeface="+mn-lt"/>
+                <a:cs typeface="+mn-lt"/>
+              </a:rPr>
+              <a:t>.</a:t>
+            </a:r>
           </a:p>
         </p:txBody>
       </p:sp>
@@ -9834,7 +10132,7 @@
           <a:p>
             <a:fld id="{9B1C6027-2443-4A49-A1FF-69A5017AD78C}" type="slidenum">
               <a:rPr lang="de-DE" smtClean="0"/>
-              <a:t>3</a:t>
+              <a:t>2</a:t>
             </a:fld>
             <a:endParaRPr lang="de-DE"/>
           </a:p>
@@ -9843,7 +10141,7 @@
     </p:spTree>
     <p:extLst>
       <p:ext uri="{BB962C8B-B14F-4D97-AF65-F5344CB8AC3E}">
-        <p14:creationId xmlns:p14="http://schemas.microsoft.com/office/powerpoint/2010/main" val="3297636060"/>
+        <p14:creationId xmlns:p14="http://schemas.microsoft.com/office/powerpoint/2010/main" val="301497045"/>
       </p:ext>
     </p:extLst>
   </p:cSld>
@@ -9897,501 +10195,32 @@
           <a:bodyPr/>
           <a:lstStyle/>
           <a:p>
-            <a:r>
-              <a:rPr lang="en-US">
-                <a:latin typeface="Calibri"/>
-                <a:ea typeface="Calibri"/>
-                <a:cs typeface="Calibri"/>
-              </a:rPr>
-              <a:t>Inversion of Control -&gt; </a:t>
-            </a:r>
-            <a:r>
-              <a:rPr lang="en-US" err="1">
-                <a:latin typeface="Calibri"/>
-                <a:ea typeface="Calibri"/>
-                <a:cs typeface="Calibri"/>
-              </a:rPr>
-              <a:t>Komponent</a:t>
-            </a:r>
-            <a:r>
-              <a:rPr lang="en-US">
-                <a:latin typeface="Calibri"/>
-                <a:ea typeface="Calibri"/>
-                <a:cs typeface="Calibri"/>
-              </a:rPr>
-              <a:t>/</a:t>
-            </a:r>
-            <a:r>
-              <a:rPr lang="en-US" err="1">
-                <a:latin typeface="Calibri"/>
-                <a:ea typeface="Calibri"/>
-                <a:cs typeface="Calibri"/>
-              </a:rPr>
-              <a:t>Anwendung</a:t>
-            </a:r>
-            <a:r>
-              <a:rPr lang="en-US">
-                <a:latin typeface="Calibri"/>
-                <a:ea typeface="Calibri"/>
-                <a:cs typeface="Calibri"/>
-              </a:rPr>
-              <a:t> </a:t>
-            </a:r>
-            <a:r>
-              <a:rPr lang="en-US" err="1">
-                <a:latin typeface="Calibri"/>
-                <a:ea typeface="Calibri"/>
-                <a:cs typeface="Calibri"/>
-              </a:rPr>
-              <a:t>kontrolliert</a:t>
-            </a:r>
-            <a:r>
-              <a:rPr lang="en-US">
-                <a:latin typeface="Calibri"/>
-                <a:ea typeface="Calibri"/>
-                <a:cs typeface="Calibri"/>
-              </a:rPr>
-              <a:t> </a:t>
-            </a:r>
-            <a:r>
-              <a:rPr lang="en-US" err="1">
-                <a:latin typeface="Calibri"/>
-                <a:ea typeface="Calibri"/>
-                <a:cs typeface="Calibri"/>
-              </a:rPr>
-              <a:t>sich</a:t>
-            </a:r>
-            <a:r>
-              <a:rPr lang="en-US">
-                <a:latin typeface="Calibri"/>
-                <a:ea typeface="Calibri"/>
-                <a:cs typeface="Calibri"/>
-              </a:rPr>
-              <a:t> </a:t>
-            </a:r>
-            <a:r>
-              <a:rPr lang="en-US" err="1">
-                <a:latin typeface="Calibri"/>
-                <a:ea typeface="Calibri"/>
-                <a:cs typeface="Calibri"/>
-              </a:rPr>
-              <a:t>nicht</a:t>
-            </a:r>
-            <a:r>
-              <a:rPr lang="en-US">
-                <a:latin typeface="Calibri"/>
-                <a:ea typeface="Calibri"/>
-                <a:cs typeface="Calibri"/>
-              </a:rPr>
-              <a:t> </a:t>
-            </a:r>
-            <a:r>
-              <a:rPr lang="en-US" err="1">
-                <a:latin typeface="Calibri"/>
-                <a:ea typeface="Calibri"/>
-                <a:cs typeface="Calibri"/>
-              </a:rPr>
-              <a:t>selber</a:t>
-            </a:r>
-            <a:r>
-              <a:rPr lang="en-US">
-                <a:latin typeface="Calibri"/>
-                <a:ea typeface="Calibri"/>
-                <a:cs typeface="Calibri"/>
-              </a:rPr>
-              <a:t>, </a:t>
-            </a:r>
-            <a:r>
-              <a:rPr lang="en-US" err="1">
-                <a:latin typeface="Calibri"/>
-                <a:ea typeface="Calibri"/>
-                <a:cs typeface="Calibri"/>
-              </a:rPr>
-              <a:t>sondern</a:t>
-            </a:r>
-            <a:r>
-              <a:rPr lang="en-US">
-                <a:latin typeface="Calibri"/>
-                <a:ea typeface="Calibri"/>
-                <a:cs typeface="Calibri"/>
-              </a:rPr>
-              <a:t> </a:t>
-            </a:r>
-            <a:r>
-              <a:rPr lang="en-US" err="1">
-                <a:latin typeface="Calibri"/>
-                <a:ea typeface="Calibri"/>
-                <a:cs typeface="Calibri"/>
-              </a:rPr>
-              <a:t>wird</a:t>
-            </a:r>
-            <a:r>
-              <a:rPr lang="en-US">
-                <a:latin typeface="Calibri"/>
-                <a:ea typeface="Calibri"/>
-                <a:cs typeface="Calibri"/>
-              </a:rPr>
-              <a:t> von dem Framework (also Spring boot) </a:t>
-            </a:r>
-            <a:r>
-              <a:rPr lang="en-US" err="1">
-                <a:latin typeface="Calibri"/>
-                <a:ea typeface="Calibri"/>
-                <a:cs typeface="Calibri"/>
-              </a:rPr>
-              <a:t>gemanaged</a:t>
-            </a:r>
-            <a:r>
-              <a:rPr lang="en-US">
-                <a:latin typeface="Calibri"/>
-                <a:ea typeface="Calibri"/>
-                <a:cs typeface="Calibri"/>
-              </a:rPr>
-              <a:t> aka </a:t>
-            </a:r>
-            <a:r>
-              <a:rPr lang="en-US" err="1">
-                <a:latin typeface="Calibri"/>
-                <a:ea typeface="Calibri"/>
-                <a:cs typeface="Calibri"/>
-              </a:rPr>
-              <a:t>gestartet</a:t>
-            </a:r>
-            <a:r>
-              <a:rPr lang="en-US">
-                <a:latin typeface="Calibri"/>
-                <a:ea typeface="Calibri"/>
-                <a:cs typeface="Calibri"/>
-              </a:rPr>
-              <a:t>, </a:t>
-            </a:r>
-            <a:r>
-              <a:rPr lang="en-US" err="1">
-                <a:latin typeface="Calibri"/>
-                <a:ea typeface="Calibri"/>
-                <a:cs typeface="Calibri"/>
-              </a:rPr>
-              <a:t>gestoppt</a:t>
-            </a:r>
-            <a:r>
-              <a:rPr lang="en-US">
-                <a:latin typeface="Calibri"/>
-                <a:ea typeface="Calibri"/>
-                <a:cs typeface="Calibri"/>
-              </a:rPr>
-              <a:t>, </a:t>
-            </a:r>
-            <a:r>
-              <a:rPr lang="en-US" err="1">
-                <a:latin typeface="Calibri"/>
-                <a:ea typeface="Calibri"/>
-                <a:cs typeface="Calibri"/>
-              </a:rPr>
-              <a:t>aufgebaut</a:t>
-            </a:r>
-            <a:r>
-              <a:rPr lang="en-US">
-                <a:latin typeface="Calibri"/>
-                <a:ea typeface="Calibri"/>
-                <a:cs typeface="Calibri"/>
-              </a:rPr>
-              <a:t> </a:t>
-            </a:r>
-            <a:r>
-              <a:rPr lang="en-US" err="1">
-                <a:latin typeface="Calibri"/>
-                <a:ea typeface="Calibri"/>
-                <a:cs typeface="Calibri"/>
-              </a:rPr>
-              <a:t>etc</a:t>
-            </a:r>
-            <a:br>
-              <a:rPr lang="en-US">
-                <a:latin typeface="Calibri"/>
-                <a:ea typeface="Calibri"/>
-                <a:cs typeface="Calibri"/>
-              </a:rPr>
-            </a:br>
-            <a:r>
-              <a:rPr lang="en-US" err="1">
-                <a:latin typeface="Calibri"/>
-                <a:ea typeface="Calibri"/>
-                <a:cs typeface="Calibri"/>
-              </a:rPr>
-              <a:t>mit</a:t>
-            </a:r>
-            <a:r>
-              <a:rPr lang="en-US">
-                <a:latin typeface="Calibri"/>
-                <a:ea typeface="Calibri"/>
-                <a:cs typeface="Calibri"/>
-              </a:rPr>
-              <a:t> dependency injection </a:t>
-            </a:r>
-            <a:r>
-              <a:rPr lang="en-US" err="1">
-                <a:latin typeface="Calibri"/>
-                <a:ea typeface="Calibri"/>
-                <a:cs typeface="Calibri"/>
-              </a:rPr>
-              <a:t>werden</a:t>
-            </a:r>
-            <a:r>
-              <a:rPr lang="en-US">
-                <a:latin typeface="Calibri"/>
-                <a:ea typeface="Calibri"/>
-                <a:cs typeface="Calibri"/>
-              </a:rPr>
-              <a:t> </a:t>
-            </a:r>
-            <a:r>
-              <a:rPr lang="en-US" err="1">
-                <a:latin typeface="Calibri"/>
-                <a:ea typeface="Calibri"/>
-                <a:cs typeface="Calibri"/>
-              </a:rPr>
-              <a:t>noch</a:t>
-            </a:r>
-            <a:r>
-              <a:rPr lang="en-US">
-                <a:latin typeface="Calibri"/>
-                <a:ea typeface="Calibri"/>
-                <a:cs typeface="Calibri"/>
-              </a:rPr>
-              <a:t> </a:t>
-            </a:r>
-            <a:r>
-              <a:rPr lang="en-US" err="1">
-                <a:latin typeface="Calibri"/>
-                <a:ea typeface="Calibri"/>
-                <a:cs typeface="Calibri"/>
-              </a:rPr>
-              <a:t>zusätzlich</a:t>
-            </a:r>
-            <a:r>
-              <a:rPr lang="en-US">
-                <a:latin typeface="Calibri"/>
-                <a:ea typeface="Calibri"/>
-                <a:cs typeface="Calibri"/>
-              </a:rPr>
-              <a:t> die dependencies von spring </a:t>
-            </a:r>
-            <a:r>
-              <a:rPr lang="en-US" err="1">
-                <a:latin typeface="Calibri"/>
-                <a:ea typeface="Calibri"/>
-                <a:cs typeface="Calibri"/>
-              </a:rPr>
-              <a:t>gehandled</a:t>
-            </a:r>
-            <a:r>
-              <a:rPr lang="en-US">
-                <a:latin typeface="Calibri"/>
-                <a:ea typeface="Calibri"/>
-                <a:cs typeface="Calibri"/>
-              </a:rPr>
-              <a:t> also </a:t>
-            </a:r>
-            <a:r>
-              <a:rPr lang="en-US" err="1">
-                <a:latin typeface="Calibri"/>
-                <a:ea typeface="Calibri"/>
-                <a:cs typeface="Calibri"/>
-              </a:rPr>
-              <a:t>nur</a:t>
-            </a:r>
-            <a:r>
-              <a:rPr lang="en-US">
-                <a:latin typeface="Calibri"/>
-                <a:ea typeface="Calibri"/>
-                <a:cs typeface="Calibri"/>
-              </a:rPr>
-              <a:t> lose </a:t>
-            </a:r>
-            <a:r>
-              <a:rPr lang="en-US" err="1">
-                <a:latin typeface="Calibri"/>
-                <a:ea typeface="Calibri"/>
-                <a:cs typeface="Calibri"/>
-              </a:rPr>
-              <a:t>definiert</a:t>
-            </a:r>
-            <a:r>
-              <a:rPr lang="en-US">
-                <a:latin typeface="Calibri"/>
-                <a:ea typeface="Calibri"/>
-                <a:cs typeface="Calibri"/>
-              </a:rPr>
-              <a:t> und </a:t>
-            </a:r>
-            <a:r>
-              <a:rPr lang="en-US" err="1">
-                <a:latin typeface="Calibri"/>
-                <a:ea typeface="Calibri"/>
-                <a:cs typeface="Calibri"/>
-              </a:rPr>
-              <a:t>dann</a:t>
-            </a:r>
-            <a:r>
-              <a:rPr lang="en-US">
-                <a:latin typeface="Calibri"/>
-                <a:ea typeface="Calibri"/>
-                <a:cs typeface="Calibri"/>
-              </a:rPr>
-              <a:t> </a:t>
-            </a:r>
-            <a:r>
-              <a:rPr lang="en-US" err="1">
-                <a:latin typeface="Calibri"/>
-                <a:ea typeface="Calibri"/>
-                <a:cs typeface="Calibri"/>
-              </a:rPr>
-              <a:t>vom</a:t>
-            </a:r>
-            <a:r>
-              <a:rPr lang="en-US">
-                <a:latin typeface="Calibri"/>
-                <a:ea typeface="Calibri"/>
-                <a:cs typeface="Calibri"/>
-              </a:rPr>
-              <a:t> container </a:t>
-            </a:r>
-            <a:r>
-              <a:rPr lang="en-US" err="1">
-                <a:latin typeface="Calibri"/>
-                <a:ea typeface="Calibri"/>
-                <a:cs typeface="Calibri"/>
-              </a:rPr>
-              <a:t>bei</a:t>
-            </a:r>
-            <a:r>
-              <a:rPr lang="en-US">
-                <a:latin typeface="Calibri"/>
-                <a:ea typeface="Calibri"/>
-                <a:cs typeface="Calibri"/>
-              </a:rPr>
-              <a:t> </a:t>
-            </a:r>
-            <a:r>
-              <a:rPr lang="en-US" err="1">
-                <a:latin typeface="Calibri"/>
-                <a:ea typeface="Calibri"/>
-                <a:cs typeface="Calibri"/>
-              </a:rPr>
-              <a:t>bedarf</a:t>
-            </a:r>
-            <a:r>
-              <a:rPr lang="en-US">
-                <a:latin typeface="Calibri"/>
-                <a:ea typeface="Calibri"/>
-                <a:cs typeface="Calibri"/>
-              </a:rPr>
-              <a:t> </a:t>
-            </a:r>
-            <a:r>
-              <a:rPr lang="en-US" err="1">
-                <a:latin typeface="Calibri"/>
-                <a:ea typeface="Calibri"/>
-                <a:cs typeface="Calibri"/>
-              </a:rPr>
-              <a:t>erstellt</a:t>
-            </a:r>
-            <a:r>
-              <a:rPr lang="en-US">
-                <a:latin typeface="Calibri"/>
-                <a:ea typeface="Calibri"/>
-                <a:cs typeface="Calibri"/>
-              </a:rPr>
-              <a:t>/</a:t>
-            </a:r>
-            <a:r>
-              <a:rPr lang="en-US" err="1">
-                <a:latin typeface="Calibri"/>
-                <a:ea typeface="Calibri"/>
-                <a:cs typeface="Calibri"/>
-              </a:rPr>
-              <a:t>angebunden</a:t>
-            </a:r>
-            <a:endParaRPr lang="en-US">
-              <a:latin typeface="Calibri"/>
-              <a:ea typeface="Calibri"/>
-              <a:cs typeface="Calibri"/>
-            </a:endParaRPr>
-          </a:p>
-          <a:p>
-            <a:endParaRPr lang="en-US">
-              <a:latin typeface="Calibri"/>
-              <a:ea typeface="Calibri"/>
-              <a:cs typeface="Calibri"/>
-            </a:endParaRPr>
-          </a:p>
-          <a:p>
-            <a:pPr>
-              <a:buNone/>
+            <a:pPr marL="171450" indent="-171450">
+              <a:buFontTx/>
+              <a:buChar char="-"/>
             </a:pPr>
             <a:r>
-              <a:rPr lang="de-DE"/>
-              <a:t>Ein "Bean" ist einfach ein Objekt, das von Spring verwaltet wird. Sie markieren Klassen mit </a:t>
-            </a:r>
-            <a:r>
-              <a:rPr lang="de-DE" err="1"/>
-              <a:t>Annotations</a:t>
-            </a:r>
-            <a:r>
-              <a:rPr lang="de-DE"/>
-              <a:t>:</a:t>
-            </a:r>
-          </a:p>
-          <a:p>
-            <a:pPr>
-              <a:buFont typeface="Arial" panose="020B0604020202020204" pitchFamily="34" charset="0"/>
-              <a:buChar char="•"/>
+              <a:rPr lang="de-DE" dirty="0"/>
+              <a:t>Crawler, extrahiert daten aus Seiten und speichert diese in </a:t>
+            </a:r>
+            <a:r>
+              <a:rPr lang="de-DE" dirty="0" err="1"/>
+              <a:t>json</a:t>
+            </a:r>
+            <a:r>
+              <a:rPr lang="de-DE" dirty="0"/>
+              <a:t> Dateien</a:t>
+            </a:r>
+          </a:p>
+          <a:p>
+            <a:pPr marL="171450" indent="-171450">
+              <a:buFontTx/>
+              <a:buChar char="-"/>
             </a:pPr>
-            <a:r>
-              <a:rPr lang="de-DE"/>
-              <a:t>@Service - für Business-Logik (wie Ihr </a:t>
-            </a:r>
-            <a:r>
-              <a:rPr lang="de-DE" err="1"/>
-              <a:t>ChatService</a:t>
-            </a:r>
-            <a:r>
-              <a:rPr lang="de-DE"/>
-              <a:t>)</a:t>
-            </a:r>
-          </a:p>
-          <a:p>
-            <a:pPr>
-              <a:buFont typeface="Arial" panose="020B0604020202020204" pitchFamily="34" charset="0"/>
-              <a:buChar char="•"/>
-            </a:pPr>
-            <a:r>
-              <a:rPr lang="de-DE"/>
-              <a:t>@Controller / @RestController - für Web-Endpoints</a:t>
-            </a:r>
-          </a:p>
-          <a:p>
-            <a:pPr>
-              <a:buFont typeface="Arial" panose="020B0604020202020204" pitchFamily="34" charset="0"/>
-              <a:buChar char="•"/>
-            </a:pPr>
-            <a:r>
-              <a:rPr lang="de-DE"/>
-              <a:t>@Repository - für Datenbankzugriff</a:t>
-            </a:r>
-          </a:p>
-          <a:p>
-            <a:pPr>
-              <a:buFont typeface="Arial" panose="020B0604020202020204" pitchFamily="34" charset="0"/>
-              <a:buChar char="•"/>
-            </a:pPr>
-            <a:r>
-              <a:rPr lang="de-DE"/>
-              <a:t>@Component - allgemeine Komponente</a:t>
-            </a:r>
-          </a:p>
-          <a:p>
-            <a:endParaRPr lang="de-DE"/>
+            <a:endParaRPr lang="de-DE" dirty="0"/>
+          </a:p>
+          <a:p>
+            <a:endParaRPr lang="de-DE" dirty="0"/>
           </a:p>
         </p:txBody>
       </p:sp>
@@ -10412,7 +10241,7 @@
           <a:p>
             <a:fld id="{9B1C6027-2443-4A49-A1FF-69A5017AD78C}" type="slidenum">
               <a:rPr lang="de-DE" smtClean="0"/>
-              <a:t>5</a:t>
+              <a:t>3</a:t>
             </a:fld>
             <a:endParaRPr lang="de-DE"/>
           </a:p>
@@ -10421,7 +10250,7 @@
     </p:spTree>
     <p:extLst>
       <p:ext uri="{BB962C8B-B14F-4D97-AF65-F5344CB8AC3E}">
-        <p14:creationId xmlns:p14="http://schemas.microsoft.com/office/powerpoint/2010/main" val="2719017962"/>
+        <p14:creationId xmlns:p14="http://schemas.microsoft.com/office/powerpoint/2010/main" val="3297636060"/>
       </p:ext>
     </p:extLst>
   </p:cSld>
@@ -10432,6 +10261,139 @@
 </file>
 
 <file path=ppt/notesSlides/notesSlide3.xml><?xml version="1.0" encoding="utf-8"?>
+<p:notes xmlns:a="http://schemas.openxmlformats.org/drawingml/2006/main" xmlns:r="http://schemas.openxmlformats.org/officeDocument/2006/relationships" xmlns:p="http://schemas.openxmlformats.org/presentationml/2006/main">
+  <p:cSld>
+    <p:spTree>
+      <p:nvGrpSpPr>
+        <p:cNvPr id="1" name="">
+          <a:extLst>
+            <a:ext uri="{FF2B5EF4-FFF2-40B4-BE49-F238E27FC236}">
+              <a16:creationId xmlns:a16="http://schemas.microsoft.com/office/drawing/2014/main" id="{F8FCBE06-62B8-1464-726F-945F0005526A}"/>
+            </a:ext>
+          </a:extLst>
+        </p:cNvPr>
+        <p:cNvGrpSpPr/>
+        <p:nvPr/>
+      </p:nvGrpSpPr>
+      <p:grpSpPr>
+        <a:xfrm>
+          <a:off x="0" y="0"/>
+          <a:ext cx="0" cy="0"/>
+          <a:chOff x="0" y="0"/>
+          <a:chExt cx="0" cy="0"/>
+        </a:xfrm>
+      </p:grpSpPr>
+      <p:sp>
+        <p:nvSpPr>
+          <p:cNvPr id="2" name="Folienbildplatzhalter 1">
+            <a:extLst>
+              <a:ext uri="{FF2B5EF4-FFF2-40B4-BE49-F238E27FC236}">
+                <a16:creationId xmlns:a16="http://schemas.microsoft.com/office/drawing/2014/main" id="{94717899-C8FF-3470-5135-68899BE25583}"/>
+              </a:ext>
+            </a:extLst>
+          </p:cNvPr>
+          <p:cNvSpPr>
+            <a:spLocks noGrp="1" noRot="1" noChangeAspect="1"/>
+          </p:cNvSpPr>
+          <p:nvPr>
+            <p:ph type="sldImg"/>
+          </p:nvPr>
+        </p:nvSpPr>
+        <p:spPr/>
+      </p:sp>
+      <p:sp>
+        <p:nvSpPr>
+          <p:cNvPr id="3" name="Notizenplatzhalter 2">
+            <a:extLst>
+              <a:ext uri="{FF2B5EF4-FFF2-40B4-BE49-F238E27FC236}">
+                <a16:creationId xmlns:a16="http://schemas.microsoft.com/office/drawing/2014/main" id="{8FA9039C-0FA0-1FD0-A0CF-D8F1F1AC2A13}"/>
+              </a:ext>
+            </a:extLst>
+          </p:cNvPr>
+          <p:cNvSpPr>
+            <a:spLocks noGrp="1"/>
+          </p:cNvSpPr>
+          <p:nvPr>
+            <p:ph type="body" idx="1"/>
+          </p:nvPr>
+        </p:nvSpPr>
+        <p:spPr/>
+        <p:txBody>
+          <a:bodyPr/>
+          <a:lstStyle/>
+          <a:p>
+            <a:pPr marL="171450" indent="-171450">
+              <a:buFontTx/>
+              <a:buChar char="-"/>
+            </a:pPr>
+            <a:r>
+              <a:rPr lang="de-DE" dirty="0"/>
+              <a:t>Crawler, extrahiert daten aus Seiten und speichert diese in </a:t>
+            </a:r>
+            <a:r>
+              <a:rPr lang="de-DE" dirty="0" err="1"/>
+              <a:t>json</a:t>
+            </a:r>
+            <a:r>
+              <a:rPr lang="de-DE" dirty="0"/>
+              <a:t> Dateien</a:t>
+            </a:r>
+          </a:p>
+          <a:p>
+            <a:pPr marL="171450" indent="-171450">
+              <a:buFontTx/>
+              <a:buChar char="-"/>
+            </a:pPr>
+            <a:endParaRPr lang="de-DE" dirty="0"/>
+          </a:p>
+          <a:p>
+            <a:endParaRPr lang="de-DE" dirty="0"/>
+          </a:p>
+        </p:txBody>
+      </p:sp>
+      <p:sp>
+        <p:nvSpPr>
+          <p:cNvPr id="4" name="Foliennummernplatzhalter 3">
+            <a:extLst>
+              <a:ext uri="{FF2B5EF4-FFF2-40B4-BE49-F238E27FC236}">
+                <a16:creationId xmlns:a16="http://schemas.microsoft.com/office/drawing/2014/main" id="{F397FD85-198A-38A5-807B-FE2673D8A6BC}"/>
+              </a:ext>
+            </a:extLst>
+          </p:cNvPr>
+          <p:cNvSpPr>
+            <a:spLocks noGrp="1"/>
+          </p:cNvSpPr>
+          <p:nvPr>
+            <p:ph type="sldNum" sz="quarter" idx="5"/>
+          </p:nvPr>
+        </p:nvSpPr>
+        <p:spPr/>
+        <p:txBody>
+          <a:bodyPr/>
+          <a:lstStyle/>
+          <a:p>
+            <a:fld id="{9B1C6027-2443-4A49-A1FF-69A5017AD78C}" type="slidenum">
+              <a:rPr lang="de-DE" smtClean="0"/>
+              <a:t>4</a:t>
+            </a:fld>
+            <a:endParaRPr lang="de-DE"/>
+          </a:p>
+        </p:txBody>
+      </p:sp>
+    </p:spTree>
+    <p:extLst>
+      <p:ext uri="{BB962C8B-B14F-4D97-AF65-F5344CB8AC3E}">
+        <p14:creationId xmlns:p14="http://schemas.microsoft.com/office/powerpoint/2010/main" val="4089446977"/>
+      </p:ext>
+    </p:extLst>
+  </p:cSld>
+  <p:clrMapOvr>
+    <a:masterClrMapping/>
+  </p:clrMapOvr>
+</p:notes>
+</file>
+
+<file path=ppt/notesSlides/notesSlide4.xml><?xml version="1.0" encoding="utf-8"?>
 <p:notes xmlns:a="http://schemas.openxmlformats.org/drawingml/2006/main" xmlns:r="http://schemas.openxmlformats.org/officeDocument/2006/relationships" xmlns:p="http://schemas.openxmlformats.org/presentationml/2006/main">
   <p:cSld>
     <p:spTree>
@@ -10624,7 +10586,7 @@
 </p:notes>
 </file>
 
-<file path=ppt/notesSlides/notesSlide4.xml><?xml version="1.0" encoding="utf-8"?>
+<file path=ppt/notesSlides/notesSlide5.xml><?xml version="1.0" encoding="utf-8"?>
 <p:notes xmlns:a="http://schemas.openxmlformats.org/drawingml/2006/main" xmlns:r="http://schemas.openxmlformats.org/officeDocument/2006/relationships" xmlns:p="http://schemas.openxmlformats.org/presentationml/2006/main">
   <p:cSld>
     <p:spTree>
@@ -16817,7 +16779,7 @@
           <a:lstStyle/>
           <a:p>
             <a:r>
-              <a:rPr lang="de-DE"/>
+              <a:rPr lang="de-DE" dirty="0"/>
               <a:t>CHATBOT</a:t>
             </a:r>
           </a:p>
@@ -16847,8 +16809,8 @@
           <a:lstStyle/>
           <a:p>
             <a:r>
-              <a:rPr lang="de-DE"/>
-              <a:t>Zwischenstand und nächste Schritte</a:t>
+              <a:rPr lang="de-DE" dirty="0"/>
+              <a:t>Abschlusspräsentation</a:t>
             </a:r>
           </a:p>
         </p:txBody>
@@ -16910,13 +16872,13 @@
         <p:spPr/>
         <p:txBody>
           <a:bodyPr vert="horz" lIns="91440" tIns="45720" rIns="91440" bIns="45720" rtlCol="0" anchor="t">
-            <a:normAutofit fontScale="92500" lnSpcReduction="20000"/>
+            <a:normAutofit fontScale="92500" lnSpcReduction="10000"/>
           </a:bodyPr>
           <a:lstStyle/>
           <a:p>
             <a:r>
-              <a:rPr lang="de-DE"/>
-              <a:t>Yakob Lahdo | Lennard Schuh </a:t>
+              <a:rPr lang="de-DE" dirty="0"/>
+              <a:t>Robin Jung | Lucas Rosales Knuth</a:t>
             </a:r>
           </a:p>
         </p:txBody>
@@ -18618,51 +18580,59 @@
           <a:lstStyle/>
           <a:p>
             <a:r>
-              <a:rPr lang="de-DE" sz="4000" err="1">
+              <a:rPr lang="de-DE" sz="4000" dirty="0" err="1">
                 <a:solidFill>
                   <a:srgbClr val="FFFFFF"/>
                 </a:solidFill>
               </a:rPr>
-              <a:t>Überblick</a:t>
-            </a:r>
-            <a:r>
-              <a:rPr lang="de-DE" sz="4000">
-                <a:solidFill>
-                  <a:srgbClr val="FFFFFF"/>
-                </a:solidFill>
-              </a:rPr>
-              <a:t> Anwendung</a:t>
-            </a:r>
+              <a:t>Recap</a:t>
+            </a:r>
+            <a:endParaRPr lang="de-DE" sz="4000" dirty="0">
+              <a:solidFill>
+                <a:srgbClr val="FFFFFF"/>
+              </a:solidFill>
+            </a:endParaRPr>
           </a:p>
         </p:txBody>
       </p:sp>
       <p:pic>
         <p:nvPicPr>
-          <p:cNvPr id="4" name="Inhaltsplatzhalter 3" descr="Ein Bild, das Text, Screenshot, Software, Webseite enthält.&#10;&#10;KI-generierte Inhalte können fehlerhaft sein.">
+          <p:cNvPr id="13" name="Grafik 12">
             <a:extLst>
               <a:ext uri="{FF2B5EF4-FFF2-40B4-BE49-F238E27FC236}">
-                <a16:creationId xmlns:a16="http://schemas.microsoft.com/office/drawing/2014/main" id="{B4CA10B8-23F9-D1EA-64DB-4B4114E48003}"/>
+                <a16:creationId xmlns:a16="http://schemas.microsoft.com/office/drawing/2014/main" id="{D1F848A5-82F0-53A2-AD33-B1FA95BEC858}"/>
               </a:ext>
             </a:extLst>
           </p:cNvPr>
           <p:cNvPicPr>
-            <a:picLocks noGrp="1" noChangeAspect="1"/>
+            <a:picLocks noChangeAspect="1"/>
           </p:cNvPicPr>
-          <p:nvPr>
-            <p:ph idx="1"/>
-          </p:nvPr>
+          <p:nvPr/>
         </p:nvPicPr>
         <p:blipFill>
-          <a:blip r:embed="rId2"/>
+          <a:blip r:embed="rId3"/>
           <a:stretch>
             <a:fillRect/>
           </a:stretch>
         </p:blipFill>
         <p:spPr>
           <a:xfrm>
-            <a:off x="464658" y="1720171"/>
-            <a:ext cx="10930239" cy="4590042"/>
+            <a:off x="1586387" y="1891970"/>
+            <a:ext cx="9491188" cy="4389165"/>
           </a:xfrm>
+          <a:prstGeom prst="rect">
+            <a:avLst/>
+          </a:prstGeom>
+          <a:ln>
+            <a:noFill/>
+          </a:ln>
+          <a:effectLst>
+            <a:outerShdw blurRad="292100" dist="139700" dir="2700000" algn="tl" rotWithShape="0">
+              <a:srgbClr val="333333">
+                <a:alpha val="65000"/>
+              </a:srgbClr>
+            </a:outerShdw>
+          </a:effectLst>
         </p:spPr>
       </p:pic>
     </p:spTree>
@@ -19035,36 +19005,54 @@
           <a:lstStyle/>
           <a:p>
             <a:r>
-              <a:rPr lang="en-US" sz="4000" kern="1200" err="1">
+              <a:rPr lang="en-US" sz="4000" dirty="0" err="1">
                 <a:solidFill>
                   <a:srgbClr val="FFFFFF"/>
                 </a:solidFill>
-                <a:latin typeface="+mj-lt"/>
-                <a:ea typeface="+mj-ea"/>
-                <a:cs typeface="+mj-cs"/>
               </a:rPr>
-              <a:t>Ablauf</a:t>
-            </a:r>
-            <a:r>
-              <a:rPr lang="en-US" sz="4000" kern="1200">
+              <a:t>Funktionsweise</a:t>
+            </a:r>
+            <a:r>
+              <a:rPr lang="en-US" sz="4000" dirty="0">
                 <a:solidFill>
                   <a:srgbClr val="FFFFFF"/>
                 </a:solidFill>
-                <a:latin typeface="+mj-lt"/>
-                <a:ea typeface="+mj-ea"/>
-                <a:cs typeface="+mj-cs"/>
               </a:rPr>
-              <a:t>-Crawler</a:t>
-            </a:r>
+              <a:t> (</a:t>
+            </a:r>
+            <a:r>
+              <a:rPr lang="en-US" sz="4000" dirty="0" err="1">
+                <a:solidFill>
+                  <a:srgbClr val="FFFFFF"/>
+                </a:solidFill>
+              </a:rPr>
+              <a:t>Speichern</a:t>
+            </a:r>
+            <a:r>
+              <a:rPr lang="en-US" sz="4000" dirty="0">
+                <a:solidFill>
+                  <a:srgbClr val="FFFFFF"/>
+                </a:solidFill>
+              </a:rPr>
+              <a:t>)</a:t>
+            </a:r>
+            <a:endParaRPr lang="en-US" sz="4000" kern="1200" dirty="0">
+              <a:solidFill>
+                <a:srgbClr val="FFFFFF"/>
+              </a:solidFill>
+              <a:latin typeface="+mj-lt"/>
+              <a:ea typeface="+mj-ea"/>
+              <a:cs typeface="+mj-cs"/>
+            </a:endParaRPr>
           </a:p>
         </p:txBody>
       </p:sp>
       <p:pic>
         <p:nvPicPr>
-          <p:cNvPr id="3" name="Grafik 2" descr="Ein Bild, das Text, Diagramm, Screenshot, Zahl enthält.&#10;&#10;KI-generierte Inhalte können fehlerhaft sein.">
+          <p:cNvPr id="5" name="Grafik 4">
             <a:extLst>
               <a:ext uri="{FF2B5EF4-FFF2-40B4-BE49-F238E27FC236}">
-                <a16:creationId xmlns:a16="http://schemas.microsoft.com/office/drawing/2014/main" id="{C0FD0F03-A255-5840-5327-F6F4636E57DC}"/>
+                <a16:creationId xmlns:a16="http://schemas.microsoft.com/office/drawing/2014/main" id="{402AB997-89AD-B508-3333-99E8C7C0E910}"/>
               </a:ext>
             </a:extLst>
           </p:cNvPr>
@@ -19074,15 +19062,21 @@
           <p:nvPr/>
         </p:nvPicPr>
         <p:blipFill>
-          <a:blip r:embed="rId3"/>
+          <a:blip r:embed="rId3">
+            <a:extLst>
+              <a:ext uri="{28A0092B-C50C-407E-A947-70E740481C1C}">
+                <a14:useLocalDpi xmlns:a14="http://schemas.microsoft.com/office/drawing/2010/main" val="0"/>
+              </a:ext>
+            </a:extLst>
+          </a:blip>
           <a:stretch>
             <a:fillRect/>
           </a:stretch>
         </p:blipFill>
         <p:spPr>
           <a:xfrm>
-            <a:off x="2077404" y="1574310"/>
-            <a:ext cx="8037192" cy="4361276"/>
+            <a:off x="2350940" y="1600866"/>
+            <a:ext cx="7490115" cy="5229426"/>
           </a:xfrm>
           <a:prstGeom prst="rect">
             <a:avLst/>
@@ -19099,76 +19093,428 @@
   <p:clrMapOvr>
     <a:masterClrMapping/>
   </p:clrMapOvr>
-  <p:timing>
-    <p:tnLst>
-      <p:par>
-        <p:cTn id="1" dur="indefinite" restart="never" nodeType="tmRoot">
-          <p:childTnLst>
-            <p:seq concurrent="1" nextAc="seek">
-              <p:cTn id="2" dur="indefinite" nodeType="mainSeq">
-                <p:childTnLst>
-                  <p:par>
-                    <p:cTn id="3" fill="hold">
-                      <p:stCondLst>
-                        <p:cond delay="indefinite"/>
-                      </p:stCondLst>
-                      <p:childTnLst>
-                        <p:par>
-                          <p:cTn id="4" fill="hold">
-                            <p:stCondLst>
-                              <p:cond delay="0"/>
-                            </p:stCondLst>
-                            <p:childTnLst>
-                              <p:par>
-                                <p:cTn id="5" presetID="6" presetClass="emph" presetSubtype="0" fill="hold" nodeType="clickEffect">
-                                  <p:stCondLst>
-                                    <p:cond delay="0"/>
-                                  </p:stCondLst>
-                                  <p:childTnLst>
-                                    <p:animScale>
-                                      <p:cBhvr>
-                                        <p:cTn id="6" dur="2000" fill="hold"/>
-                                        <p:tgtEl>
-                                          <p:spTgt spid="3"/>
-                                        </p:tgtEl>
-                                      </p:cBhvr>
-                                      <p:by x="150000" y="150000"/>
-                                    </p:animScale>
-                                  </p:childTnLst>
-                                </p:cTn>
-                              </p:par>
-                            </p:childTnLst>
-                          </p:cTn>
-                        </p:par>
-                      </p:childTnLst>
-                    </p:cTn>
-                  </p:par>
-                </p:childTnLst>
-              </p:cTn>
-              <p:prevCondLst>
-                <p:cond evt="onPrev" delay="0">
-                  <p:tgtEl>
-                    <p:sldTgt/>
-                  </p:tgtEl>
-                </p:cond>
-              </p:prevCondLst>
-              <p:nextCondLst>
-                <p:cond evt="onNext" delay="0">
-                  <p:tgtEl>
-                    <p:sldTgt/>
-                  </p:tgtEl>
-                </p:cond>
-              </p:nextCondLst>
-            </p:seq>
-          </p:childTnLst>
-        </p:cTn>
-      </p:par>
-    </p:tnLst>
-  </p:timing>
 </p:sld>
 </file>
 
 <file path=ppt/slides/slide4.xml><?xml version="1.0" encoding="utf-8"?>
+<p:sld xmlns:a="http://schemas.openxmlformats.org/drawingml/2006/main" xmlns:r="http://schemas.openxmlformats.org/officeDocument/2006/relationships" xmlns:p="http://schemas.openxmlformats.org/presentationml/2006/main">
+  <p:cSld>
+    <p:bg>
+      <p:bgPr>
+        <a:solidFill>
+          <a:schemeClr val="bg1"/>
+        </a:solidFill>
+        <a:effectLst/>
+      </p:bgPr>
+    </p:bg>
+    <p:spTree>
+      <p:nvGrpSpPr>
+        <p:cNvPr id="1" name="">
+          <a:extLst>
+            <a:ext uri="{FF2B5EF4-FFF2-40B4-BE49-F238E27FC236}">
+              <a16:creationId xmlns:a16="http://schemas.microsoft.com/office/drawing/2014/main" id="{A73B7D4A-E3DA-49A5-102D-918740F4AEDC}"/>
+            </a:ext>
+          </a:extLst>
+        </p:cNvPr>
+        <p:cNvGrpSpPr/>
+        <p:nvPr/>
+      </p:nvGrpSpPr>
+      <p:grpSpPr>
+        <a:xfrm>
+          <a:off x="0" y="0"/>
+          <a:ext cx="0" cy="0"/>
+          <a:chOff x="0" y="0"/>
+          <a:chExt cx="0" cy="0"/>
+        </a:xfrm>
+      </p:grpSpPr>
+      <p:sp useBgFill="1">
+        <p:nvSpPr>
+          <p:cNvPr id="1036" name="Rectangle 1036">
+            <a:extLst>
+              <a:ext uri="{FF2B5EF4-FFF2-40B4-BE49-F238E27FC236}">
+                <a16:creationId xmlns:a16="http://schemas.microsoft.com/office/drawing/2014/main" id="{84109AD0-FC4C-EAAC-386A-D1318F5ED30D}"/>
+              </a:ext>
+              <a:ext uri="{C183D7F6-B498-43B3-948B-1728B52AA6E4}">
+                <adec:decorative xmlns:adec="http://schemas.microsoft.com/office/drawing/2017/decorative" val="1"/>
+              </a:ext>
+            </a:extLst>
+          </p:cNvPr>
+          <p:cNvSpPr>
+            <a:spLocks noGrp="1" noRot="1" noChangeAspect="1" noMove="1" noResize="1" noEditPoints="1" noAdjustHandles="1" noChangeArrowheads="1" noChangeShapeType="1" noTextEdit="1"/>
+          </p:cNvSpPr>
+          <p:nvPr>
+            <p:extLst>
+              <p:ext uri="{386F3935-93C4-4BCD-93E2-E3B085C9AB24}">
+                <p16:designElem xmlns:p16="http://schemas.microsoft.com/office/powerpoint/2015/main" val="1"/>
+              </p:ext>
+            </p:extLst>
+          </p:nvPr>
+        </p:nvSpPr>
+        <p:spPr>
+          <a:xfrm>
+            <a:off x="0" y="0"/>
+            <a:ext cx="12192000" cy="6858000"/>
+          </a:xfrm>
+          <a:prstGeom prst="rect">
+            <a:avLst/>
+          </a:prstGeom>
+          <a:ln w="12700" cap="flat" cmpd="sng" algn="ctr">
+            <a:noFill/>
+            <a:prstDash val="solid"/>
+            <a:miter lim="800000"/>
+          </a:ln>
+          <a:effectLst/>
+          <a:extLst>
+            <a:ext uri="{91240B29-F687-4F45-9708-019B960494DF}">
+              <a14:hiddenLine xmlns:a14="http://schemas.microsoft.com/office/drawing/2010/main" w="12700" cap="flat" cmpd="sng" algn="ctr">
+                <a:solidFill>
+                  <a:schemeClr val="accent1">
+                    <a:shade val="50000"/>
+                  </a:schemeClr>
+                </a:solidFill>
+                <a:prstDash val="solid"/>
+                <a:miter lim="800000"/>
+              </a14:hiddenLine>
+            </a:ext>
+          </a:extLst>
+        </p:spPr>
+        <p:style>
+          <a:lnRef idx="2">
+            <a:schemeClr val="accent1">
+              <a:shade val="50000"/>
+            </a:schemeClr>
+          </a:lnRef>
+          <a:fillRef idx="1">
+            <a:schemeClr val="accent1"/>
+          </a:fillRef>
+          <a:effectRef idx="0">
+            <a:schemeClr val="accent1"/>
+          </a:effectRef>
+          <a:fontRef idx="minor">
+            <a:schemeClr val="lt1"/>
+          </a:fontRef>
+        </p:style>
+        <p:txBody>
+          <a:bodyPr rtlCol="0" anchor="ctr"/>
+          <a:lstStyle/>
+          <a:p>
+            <a:pPr algn="ctr"/>
+            <a:endParaRPr lang="en-US"/>
+          </a:p>
+        </p:txBody>
+      </p:sp>
+      <p:sp>
+        <p:nvSpPr>
+          <p:cNvPr id="1045" name="Rectangle 1038">
+            <a:extLst>
+              <a:ext uri="{FF2B5EF4-FFF2-40B4-BE49-F238E27FC236}">
+                <a16:creationId xmlns:a16="http://schemas.microsoft.com/office/drawing/2014/main" id="{21C05A73-069C-D565-1780-7428F1093AA2}"/>
+              </a:ext>
+              <a:ext uri="{C183D7F6-B498-43B3-948B-1728B52AA6E4}">
+                <adec:decorative xmlns:adec="http://schemas.microsoft.com/office/drawing/2017/decorative" val="1"/>
+              </a:ext>
+            </a:extLst>
+          </p:cNvPr>
+          <p:cNvSpPr>
+            <a:spLocks noGrp="1" noRot="1" noChangeAspect="1" noMove="1" noResize="1" noEditPoints="1" noAdjustHandles="1" noChangeArrowheads="1" noChangeShapeType="1" noTextEdit="1"/>
+          </p:cNvSpPr>
+          <p:nvPr>
+            <p:extLst>
+              <p:ext uri="{386F3935-93C4-4BCD-93E2-E3B085C9AB24}">
+                <p16:designElem xmlns:p16="http://schemas.microsoft.com/office/powerpoint/2015/main" val="1"/>
+              </p:ext>
+            </p:extLst>
+          </p:nvPr>
+        </p:nvSpPr>
+        <p:spPr>
+          <a:xfrm rot="10800000" flipH="1">
+            <a:off x="2" y="0"/>
+            <a:ext cx="12191998" cy="1575955"/>
+          </a:xfrm>
+          <a:prstGeom prst="rect">
+            <a:avLst/>
+          </a:prstGeom>
+          <a:gradFill>
+            <a:gsLst>
+              <a:gs pos="0">
+                <a:srgbClr val="000000">
+                  <a:alpha val="96000"/>
+                </a:srgbClr>
+              </a:gs>
+              <a:gs pos="100000">
+                <a:schemeClr val="accent1">
+                  <a:lumMod val="75000"/>
+                </a:schemeClr>
+              </a:gs>
+            </a:gsLst>
+            <a:lin ang="6000000" scaled="0"/>
+          </a:gradFill>
+          <a:ln>
+            <a:noFill/>
+          </a:ln>
+        </p:spPr>
+        <p:style>
+          <a:lnRef idx="2">
+            <a:schemeClr val="accent1">
+              <a:shade val="50000"/>
+            </a:schemeClr>
+          </a:lnRef>
+          <a:fillRef idx="1">
+            <a:schemeClr val="accent1"/>
+          </a:fillRef>
+          <a:effectRef idx="0">
+            <a:schemeClr val="accent1"/>
+          </a:effectRef>
+          <a:fontRef idx="minor">
+            <a:schemeClr val="lt1"/>
+          </a:fontRef>
+        </p:style>
+        <p:txBody>
+          <a:bodyPr rtlCol="0" anchor="ctr"/>
+          <a:lstStyle/>
+          <a:p>
+            <a:pPr algn="ctr"/>
+            <a:endParaRPr lang="en-US"/>
+          </a:p>
+        </p:txBody>
+      </p:sp>
+      <p:sp>
+        <p:nvSpPr>
+          <p:cNvPr id="1041" name="Rectangle 1040">
+            <a:extLst>
+              <a:ext uri="{FF2B5EF4-FFF2-40B4-BE49-F238E27FC236}">
+                <a16:creationId xmlns:a16="http://schemas.microsoft.com/office/drawing/2014/main" id="{131983BC-3069-E04B-75B8-324868F09F82}"/>
+              </a:ext>
+              <a:ext uri="{C183D7F6-B498-43B3-948B-1728B52AA6E4}">
+                <adec:decorative xmlns:adec="http://schemas.microsoft.com/office/drawing/2017/decorative" val="1"/>
+              </a:ext>
+            </a:extLst>
+          </p:cNvPr>
+          <p:cNvSpPr>
+            <a:spLocks noGrp="1" noRot="1" noChangeAspect="1" noMove="1" noResize="1" noEditPoints="1" noAdjustHandles="1" noChangeArrowheads="1" noChangeShapeType="1" noTextEdit="1"/>
+          </p:cNvSpPr>
+          <p:nvPr>
+            <p:extLst>
+              <p:ext uri="{386F3935-93C4-4BCD-93E2-E3B085C9AB24}">
+                <p16:designElem xmlns:p16="http://schemas.microsoft.com/office/powerpoint/2015/main" val="1"/>
+              </p:ext>
+            </p:extLst>
+          </p:nvPr>
+        </p:nvSpPr>
+        <p:spPr>
+          <a:xfrm>
+            <a:off x="0" y="0"/>
+            <a:ext cx="8128856" cy="1575461"/>
+          </a:xfrm>
+          <a:prstGeom prst="rect">
+            <a:avLst/>
+          </a:prstGeom>
+          <a:gradFill>
+            <a:gsLst>
+              <a:gs pos="0">
+                <a:schemeClr val="accent1">
+                  <a:alpha val="41000"/>
+                </a:schemeClr>
+              </a:gs>
+              <a:gs pos="74000">
+                <a:schemeClr val="accent1">
+                  <a:lumMod val="60000"/>
+                  <a:lumOff val="40000"/>
+                  <a:alpha val="0"/>
+                </a:schemeClr>
+              </a:gs>
+            </a:gsLst>
+            <a:lin ang="8400000" scaled="0"/>
+          </a:gradFill>
+          <a:ln>
+            <a:noFill/>
+          </a:ln>
+        </p:spPr>
+        <p:style>
+          <a:lnRef idx="2">
+            <a:schemeClr val="accent1">
+              <a:shade val="50000"/>
+            </a:schemeClr>
+          </a:lnRef>
+          <a:fillRef idx="1">
+            <a:schemeClr val="accent1"/>
+          </a:fillRef>
+          <a:effectRef idx="0">
+            <a:schemeClr val="accent1"/>
+          </a:effectRef>
+          <a:fontRef idx="minor">
+            <a:schemeClr val="lt1"/>
+          </a:fontRef>
+        </p:style>
+        <p:txBody>
+          <a:bodyPr rtlCol="0" anchor="ctr"/>
+          <a:lstStyle/>
+          <a:p>
+            <a:pPr algn="ctr"/>
+            <a:endParaRPr lang="en-US"/>
+          </a:p>
+        </p:txBody>
+      </p:sp>
+      <p:sp>
+        <p:nvSpPr>
+          <p:cNvPr id="1048" name="Rectangle 1042">
+            <a:extLst>
+              <a:ext uri="{FF2B5EF4-FFF2-40B4-BE49-F238E27FC236}">
+                <a16:creationId xmlns:a16="http://schemas.microsoft.com/office/drawing/2014/main" id="{2FBB8A54-B7DB-B779-B589-08E2BEB78EA1}"/>
+              </a:ext>
+              <a:ext uri="{C183D7F6-B498-43B3-948B-1728B52AA6E4}">
+                <adec:decorative xmlns:adec="http://schemas.microsoft.com/office/drawing/2017/decorative" val="1"/>
+              </a:ext>
+            </a:extLst>
+          </p:cNvPr>
+          <p:cNvSpPr>
+            <a:spLocks noGrp="1" noRot="1" noChangeAspect="1" noMove="1" noResize="1" noEditPoints="1" noAdjustHandles="1" noChangeArrowheads="1" noChangeShapeType="1" noTextEdit="1"/>
+          </p:cNvSpPr>
+          <p:nvPr>
+            <p:extLst>
+              <p:ext uri="{386F3935-93C4-4BCD-93E2-E3B085C9AB24}">
+                <p16:designElem xmlns:p16="http://schemas.microsoft.com/office/powerpoint/2015/main" val="1"/>
+              </p:ext>
+            </p:extLst>
+          </p:nvPr>
+        </p:nvSpPr>
+        <p:spPr>
+          <a:xfrm flipH="1">
+            <a:off x="-3" y="-1"/>
+            <a:ext cx="12192002" cy="1574311"/>
+          </a:xfrm>
+          <a:prstGeom prst="rect">
+            <a:avLst/>
+          </a:prstGeom>
+          <a:gradFill>
+            <a:gsLst>
+              <a:gs pos="0">
+                <a:srgbClr val="000000">
+                  <a:alpha val="63000"/>
+                </a:srgbClr>
+              </a:gs>
+              <a:gs pos="78000">
+                <a:schemeClr val="accent1">
+                  <a:alpha val="15000"/>
+                </a:schemeClr>
+              </a:gs>
+            </a:gsLst>
+            <a:lin ang="15600000" scaled="0"/>
+          </a:gradFill>
+          <a:ln>
+            <a:noFill/>
+          </a:ln>
+        </p:spPr>
+        <p:style>
+          <a:lnRef idx="2">
+            <a:schemeClr val="accent1">
+              <a:shade val="50000"/>
+            </a:schemeClr>
+          </a:lnRef>
+          <a:fillRef idx="1">
+            <a:schemeClr val="accent1"/>
+          </a:fillRef>
+          <a:effectRef idx="0">
+            <a:schemeClr val="accent1"/>
+          </a:effectRef>
+          <a:fontRef idx="minor">
+            <a:schemeClr val="lt1"/>
+          </a:fontRef>
+        </p:style>
+        <p:txBody>
+          <a:bodyPr rtlCol="0" anchor="ctr"/>
+          <a:lstStyle/>
+          <a:p>
+            <a:pPr algn="ctr"/>
+            <a:endParaRPr lang="en-US"/>
+          </a:p>
+        </p:txBody>
+      </p:sp>
+      <p:sp>
+        <p:nvSpPr>
+          <p:cNvPr id="2" name="Titel 1">
+            <a:extLst>
+              <a:ext uri="{FF2B5EF4-FFF2-40B4-BE49-F238E27FC236}">
+                <a16:creationId xmlns:a16="http://schemas.microsoft.com/office/drawing/2014/main" id="{7F06E29D-D719-A074-82D4-B94A61861819}"/>
+              </a:ext>
+            </a:extLst>
+          </p:cNvPr>
+          <p:cNvSpPr>
+            <a:spLocks noGrp="1"/>
+          </p:cNvSpPr>
+          <p:nvPr>
+            <p:ph type="title"/>
+          </p:nvPr>
+        </p:nvSpPr>
+        <p:spPr>
+          <a:xfrm>
+            <a:off x="699713" y="248038"/>
+            <a:ext cx="7063721" cy="1159200"/>
+          </a:xfrm>
+        </p:spPr>
+        <p:txBody>
+          <a:bodyPr vert="horz" lIns="91440" tIns="45720" rIns="91440" bIns="45720" rtlCol="0" anchor="ctr">
+            <a:normAutofit/>
+          </a:bodyPr>
+          <a:lstStyle/>
+          <a:p>
+            <a:r>
+              <a:rPr lang="en-US" sz="4000" dirty="0" err="1">
+                <a:solidFill>
+                  <a:srgbClr val="FFFFFF"/>
+                </a:solidFill>
+              </a:rPr>
+              <a:t>Funktionsweise</a:t>
+            </a:r>
+            <a:r>
+              <a:rPr lang="en-US" sz="4000" dirty="0">
+                <a:solidFill>
+                  <a:srgbClr val="FFFFFF"/>
+                </a:solidFill>
+              </a:rPr>
+              <a:t> (</a:t>
+            </a:r>
+            <a:r>
+              <a:rPr lang="en-US" sz="4000" dirty="0" err="1">
+                <a:solidFill>
+                  <a:srgbClr val="FFFFFF"/>
+                </a:solidFill>
+              </a:rPr>
+              <a:t>Anfragen</a:t>
+            </a:r>
+            <a:r>
+              <a:rPr lang="en-US" sz="4000" dirty="0">
+                <a:solidFill>
+                  <a:srgbClr val="FFFFFF"/>
+                </a:solidFill>
+              </a:rPr>
+              <a:t>)</a:t>
+            </a:r>
+            <a:endParaRPr lang="en-US" sz="4000" kern="1200" dirty="0">
+              <a:solidFill>
+                <a:srgbClr val="FFFFFF"/>
+              </a:solidFill>
+              <a:latin typeface="+mj-lt"/>
+              <a:ea typeface="+mj-ea"/>
+              <a:cs typeface="+mj-cs"/>
+            </a:endParaRPr>
+          </a:p>
+        </p:txBody>
+      </p:sp>
+    </p:spTree>
+    <p:extLst>
+      <p:ext uri="{BB962C8B-B14F-4D97-AF65-F5344CB8AC3E}">
+        <p14:creationId xmlns:p14="http://schemas.microsoft.com/office/powerpoint/2010/main" val="1328721232"/>
+      </p:ext>
+    </p:extLst>
+  </p:cSld>
+  <p:clrMapOvr>
+    <a:masterClrMapping/>
+  </p:clrMapOvr>
+</p:sld>
+</file>
+
+<file path=ppt/slides/slide5.xml><?xml version="1.0" encoding="utf-8"?>
 <p:sld xmlns:a="http://schemas.openxmlformats.org/drawingml/2006/main" xmlns:r="http://schemas.openxmlformats.org/officeDocument/2006/relationships" xmlns:p="http://schemas.openxmlformats.org/presentationml/2006/main">
   <p:cSld>
     <p:bg>
@@ -19525,516 +19871,30 @@
           <a:lstStyle/>
           <a:p>
             <a:r>
-              <a:rPr lang="en-US" sz="4000" kern="1200">
+              <a:rPr lang="en-US" sz="4000" dirty="0">
                 <a:solidFill>
                   <a:srgbClr val="FFFFFF"/>
                 </a:solidFill>
-                <a:latin typeface="+mj-lt"/>
-                <a:ea typeface="+mj-ea"/>
-                <a:cs typeface="+mj-cs"/>
               </a:rPr>
-              <a:t>Ablauf-Chatbot</a:t>
-            </a:r>
+              <a:t>Scrum</a:t>
+            </a:r>
+            <a:endParaRPr lang="en-US" sz="4000" kern="1200" dirty="0">
+              <a:solidFill>
+                <a:srgbClr val="FFFFFF"/>
+              </a:solidFill>
+              <a:latin typeface="+mj-lt"/>
+              <a:ea typeface="+mj-ea"/>
+              <a:cs typeface="+mj-cs"/>
+            </a:endParaRPr>
           </a:p>
         </p:txBody>
       </p:sp>
-      <p:pic>
-        <p:nvPicPr>
-          <p:cNvPr id="4" name="Inhaltsplatzhalter 3" descr="Ein Bild, das Text, Diagramm, Screenshot, Plan enthält.&#10;&#10;KI-generierte Inhalte können fehlerhaft sein.">
-            <a:extLst>
-              <a:ext uri="{FF2B5EF4-FFF2-40B4-BE49-F238E27FC236}">
-                <a16:creationId xmlns:a16="http://schemas.microsoft.com/office/drawing/2014/main" id="{EB84FB8F-E869-ECA2-EADF-FDD67B64C6D8}"/>
-              </a:ext>
-            </a:extLst>
-          </p:cNvPr>
-          <p:cNvPicPr>
-            <a:picLocks noGrp="1" noChangeAspect="1"/>
-          </p:cNvPicPr>
-          <p:nvPr>
-            <p:ph idx="1"/>
-          </p:nvPr>
-        </p:nvPicPr>
-        <p:blipFill>
-          <a:blip r:embed="rId2"/>
-          <a:stretch>
-            <a:fillRect/>
-          </a:stretch>
-        </p:blipFill>
-        <p:spPr>
-          <a:xfrm>
-            <a:off x="1007817" y="1966293"/>
-            <a:ext cx="10176364" cy="4452160"/>
-          </a:xfrm>
-          <a:prstGeom prst="rect">
-            <a:avLst/>
-          </a:prstGeom>
-        </p:spPr>
-      </p:pic>
     </p:spTree>
     <p:extLst>
       <p:ext uri="{BB962C8B-B14F-4D97-AF65-F5344CB8AC3E}">
         <p14:creationId xmlns:p14="http://schemas.microsoft.com/office/powerpoint/2010/main" val="2376071095"/>
       </p:ext>
     </p:extLst>
-  </p:cSld>
-  <p:clrMapOvr>
-    <a:masterClrMapping/>
-  </p:clrMapOvr>
-</p:sld>
-</file>
-
-<file path=ppt/slides/slide5.xml><?xml version="1.0" encoding="utf-8"?>
-<p:sld xmlns:a="http://schemas.openxmlformats.org/drawingml/2006/main" xmlns:r="http://schemas.openxmlformats.org/officeDocument/2006/relationships" xmlns:p="http://schemas.openxmlformats.org/presentationml/2006/main">
-  <p:cSld>
-    <p:spTree>
-      <p:nvGrpSpPr>
-        <p:cNvPr id="1" name=""/>
-        <p:cNvGrpSpPr/>
-        <p:nvPr/>
-      </p:nvGrpSpPr>
-      <p:grpSpPr>
-        <a:xfrm>
-          <a:off x="0" y="0"/>
-          <a:ext cx="0" cy="0"/>
-          <a:chOff x="0" y="0"/>
-          <a:chExt cx="0" cy="0"/>
-        </a:xfrm>
-      </p:grpSpPr>
-      <p:sp>
-        <p:nvSpPr>
-          <p:cNvPr id="2" name="Rectangle 1"/>
-          <p:cNvSpPr/>
-          <p:nvPr/>
-        </p:nvSpPr>
-        <p:spPr>
-          <a:xfrm>
-            <a:off x="1588" y="0"/>
-            <a:ext cx="12188952" cy="1097280"/>
-          </a:xfrm>
-          <a:prstGeom prst="rect">
-            <a:avLst/>
-          </a:prstGeom>
-          <a:solidFill>
-            <a:srgbClr val="1F4E79"/>
-          </a:solidFill>
-        </p:spPr>
-        <p:style>
-          <a:lnRef idx="1">
-            <a:schemeClr val="accent1"/>
-          </a:lnRef>
-          <a:fillRef idx="3">
-            <a:schemeClr val="accent1"/>
-          </a:fillRef>
-          <a:effectRef idx="2">
-            <a:schemeClr val="accent1"/>
-          </a:effectRef>
-          <a:fontRef idx="minor">
-            <a:schemeClr val="lt1"/>
-          </a:fontRef>
-        </p:style>
-        <p:txBody>
-          <a:bodyPr rtlCol="0" anchor="ctr"/>
-          <a:lstStyle/>
-          <a:p>
-            <a:pPr algn="ctr">
-              <a:defRPr sz="4800" b="1">
-                <a:solidFill>
-                  <a:srgbClr val="FFFFFF"/>
-                </a:solidFill>
-              </a:defRPr>
-            </a:pPr>
-            <a:r>
-              <a:rPr lang="de-DE" sz="4800"/>
-              <a:t>Spring Boot</a:t>
-            </a:r>
-          </a:p>
-        </p:txBody>
-      </p:sp>
-      <p:sp>
-        <p:nvSpPr>
-          <p:cNvPr id="3" name="Rectangle 2"/>
-          <p:cNvSpPr/>
-          <p:nvPr/>
-        </p:nvSpPr>
-        <p:spPr>
-          <a:xfrm>
-            <a:off x="458788" y="1280160"/>
-            <a:ext cx="11274552" cy="548640"/>
-          </a:xfrm>
-          <a:prstGeom prst="rect">
-            <a:avLst/>
-          </a:prstGeom>
-          <a:solidFill>
-            <a:srgbClr val="4472C4"/>
-          </a:solidFill>
-        </p:spPr>
-        <p:style>
-          <a:lnRef idx="1">
-            <a:schemeClr val="accent1"/>
-          </a:lnRef>
-          <a:fillRef idx="3">
-            <a:schemeClr val="accent1"/>
-          </a:fillRef>
-          <a:effectRef idx="2">
-            <a:schemeClr val="accent1"/>
-          </a:effectRef>
-          <a:fontRef idx="minor">
-            <a:schemeClr val="lt1"/>
-          </a:fontRef>
-        </p:style>
-        <p:txBody>
-          <a:bodyPr rtlCol="0" anchor="ctr"/>
-          <a:lstStyle/>
-          <a:p>
-            <a:pPr>
-              <a:defRPr sz="2000" b="1">
-                <a:solidFill>
-                  <a:srgbClr val="FFFFFF"/>
-                </a:solidFill>
-              </a:defRPr>
-            </a:pPr>
-            <a:r>
-              <a:rPr lang="de-DE" sz="2000"/>
-              <a:t> </a:t>
-            </a:r>
-            <a:r>
-              <a:rPr lang="de-DE" sz="2000" err="1"/>
-              <a:t>Komponentisierung</a:t>
-            </a:r>
-            <a:r>
-              <a:rPr lang="de-DE" sz="2000"/>
-              <a:t> der Anwendung</a:t>
-            </a:r>
-          </a:p>
-        </p:txBody>
-      </p:sp>
-      <p:sp>
-        <p:nvSpPr>
-          <p:cNvPr id="4" name="TextBox 3"/>
-          <p:cNvSpPr txBox="1"/>
-          <p:nvPr/>
-        </p:nvSpPr>
-        <p:spPr>
-          <a:xfrm>
-            <a:off x="458788" y="1920240"/>
-            <a:ext cx="5408676" cy="1600438"/>
-          </a:xfrm>
-          <a:prstGeom prst="rect">
-            <a:avLst/>
-          </a:prstGeom>
-          <a:noFill/>
-        </p:spPr>
-        <p:txBody>
-          <a:bodyPr wrap="square">
-            <a:spAutoFit/>
-          </a:bodyPr>
-          <a:lstStyle/>
-          <a:p>
-            <a:pPr>
-              <a:defRPr sz="1800" b="1"/>
-            </a:pPr>
-            <a:r>
-              <a:rPr lang="de-DE" sz="1800"/>
-              <a:t>🔄 Inversion of Control (IoC)</a:t>
-            </a:r>
-          </a:p>
-          <a:p>
-            <a:pPr lvl="1">
-              <a:defRPr sz="1600"/>
-            </a:pPr>
-            <a:r>
-              <a:rPr lang="de-DE" sz="1600"/>
-              <a:t>Framework übernimmt die Objekterstellung und -verwaltung statt dem Entwickler</a:t>
-            </a:r>
-          </a:p>
-          <a:p>
-            <a:pPr lvl="1">
-              <a:defRPr sz="1600"/>
-            </a:pPr>
-            <a:r>
-              <a:rPr lang="de-DE" sz="1600"/>
-              <a:t>▪ Automatische Instanziierung</a:t>
-            </a:r>
-          </a:p>
-          <a:p>
-            <a:pPr lvl="1">
-              <a:defRPr sz="1600"/>
-            </a:pPr>
-            <a:r>
-              <a:rPr lang="de-DE" sz="1600"/>
-              <a:t>▪ Lifecycle-Management</a:t>
-            </a:r>
-          </a:p>
-          <a:p>
-            <a:pPr lvl="1">
-              <a:defRPr sz="1600"/>
-            </a:pPr>
-            <a:r>
-              <a:rPr lang="de-DE" sz="1600"/>
-              <a:t>▪ Konfiguration durch </a:t>
-            </a:r>
-            <a:r>
-              <a:rPr lang="de-DE" sz="1600" err="1"/>
-              <a:t>Annotations</a:t>
-            </a:r>
-          </a:p>
-        </p:txBody>
-      </p:sp>
-      <p:sp>
-        <p:nvSpPr>
-          <p:cNvPr id="5" name="TextBox 4"/>
-          <p:cNvSpPr txBox="1"/>
-          <p:nvPr/>
-        </p:nvSpPr>
-        <p:spPr>
-          <a:xfrm>
-            <a:off x="6324664" y="1920240"/>
-            <a:ext cx="5408676" cy="1600438"/>
-          </a:xfrm>
-          <a:prstGeom prst="rect">
-            <a:avLst/>
-          </a:prstGeom>
-          <a:noFill/>
-        </p:spPr>
-        <p:txBody>
-          <a:bodyPr wrap="square">
-            <a:spAutoFit/>
-          </a:bodyPr>
-          <a:lstStyle/>
-          <a:p>
-            <a:pPr>
-              <a:defRPr sz="1800" b="1"/>
-            </a:pPr>
-            <a:r>
-              <a:rPr lang="de-DE" sz="1800"/>
-              <a:t>💉 </a:t>
-            </a:r>
-            <a:r>
-              <a:rPr lang="de-DE" sz="1800" err="1"/>
-              <a:t>Dependency</a:t>
-            </a:r>
-            <a:r>
-              <a:rPr lang="de-DE" sz="1800"/>
-              <a:t> </a:t>
-            </a:r>
-            <a:r>
-              <a:rPr lang="de-DE" sz="1800" err="1"/>
-              <a:t>Injection</a:t>
-            </a:r>
-          </a:p>
-          <a:p>
-            <a:pPr lvl="1">
-              <a:defRPr sz="1600"/>
-            </a:pPr>
-            <a:r>
-              <a:rPr lang="de-DE" sz="1600"/>
-              <a:t>Abhängigkeiten werden automatisch zur Laufzeit eingefügt (injiziert)</a:t>
-            </a:r>
-          </a:p>
-          <a:p>
-            <a:pPr lvl="1">
-              <a:defRPr sz="1600"/>
-            </a:pPr>
-            <a:r>
-              <a:rPr lang="de-DE" sz="1600"/>
-              <a:t>▪ @Autowired für automatische </a:t>
-            </a:r>
-            <a:r>
-              <a:rPr lang="de-DE" sz="1600" err="1"/>
-              <a:t>Injection</a:t>
-            </a:r>
-          </a:p>
-          <a:p>
-            <a:pPr lvl="1">
-              <a:defRPr sz="1600"/>
-            </a:pPr>
-            <a:r>
-              <a:rPr lang="de-DE" sz="1600"/>
-              <a:t>▪ Lose Kopplung zwischen Komponenten</a:t>
-            </a:r>
-          </a:p>
-          <a:p>
-            <a:pPr lvl="1">
-              <a:defRPr sz="1600"/>
-            </a:pPr>
-            <a:r>
-              <a:rPr lang="de-DE" sz="1600"/>
-              <a:t>▪ Einfache Testbarkeit</a:t>
-            </a:r>
-          </a:p>
-        </p:txBody>
-      </p:sp>
-      <p:sp>
-        <p:nvSpPr>
-          <p:cNvPr id="6" name="TextBox 5"/>
-          <p:cNvSpPr txBox="1"/>
-          <p:nvPr/>
-        </p:nvSpPr>
-        <p:spPr>
-          <a:xfrm>
-            <a:off x="458788" y="4663440"/>
-            <a:ext cx="11274552" cy="584775"/>
-          </a:xfrm>
-          <a:prstGeom prst="rect">
-            <a:avLst/>
-          </a:prstGeom>
-          <a:noFill/>
-        </p:spPr>
-        <p:txBody>
-          <a:bodyPr wrap="square">
-            <a:spAutoFit/>
-          </a:bodyPr>
-          <a:lstStyle/>
-          <a:p>
-            <a:pPr>
-              <a:defRPr sz="1600" b="1">
-                <a:solidFill>
-                  <a:srgbClr val="1F4E79"/>
-                </a:solidFill>
-              </a:defRPr>
-            </a:pPr>
-            <a:r>
-              <a:rPr lang="de-DE" sz="1600"/>
-              <a:t>💡 </a:t>
-            </a:r>
-            <a:r>
-              <a:rPr lang="de-DE" sz="1600" err="1"/>
-              <a:t>Beans</a:t>
-            </a:r>
-            <a:r>
-              <a:rPr lang="de-DE" sz="1600"/>
-              <a:t>: "Interfaces" für einzelne Objekte, auf denen das Projekt aufbaut → </a:t>
-            </a:r>
-            <a:r>
-              <a:rPr lang="de-DE" sz="1600" err="1"/>
-              <a:t>IoC</a:t>
-            </a:r>
-            <a:r>
-              <a:rPr lang="de-DE" sz="1600"/>
-              <a:t> Container erstellt und </a:t>
-            </a:r>
-            <a:r>
-              <a:rPr lang="de-DE" sz="1600" err="1"/>
-              <a:t>managed</a:t>
-            </a:r>
-            <a:r>
-              <a:rPr lang="de-DE" sz="1600"/>
-              <a:t> die Komponenten</a:t>
-            </a:r>
-          </a:p>
-        </p:txBody>
-      </p:sp>
-      <p:sp>
-        <p:nvSpPr>
-          <p:cNvPr id="7" name="Rectangle 6"/>
-          <p:cNvSpPr/>
-          <p:nvPr/>
-        </p:nvSpPr>
-        <p:spPr>
-          <a:xfrm>
-            <a:off x="458788" y="5577840"/>
-            <a:ext cx="11274552" cy="548640"/>
-          </a:xfrm>
-          <a:prstGeom prst="rect">
-            <a:avLst/>
-          </a:prstGeom>
-          <a:solidFill>
-            <a:srgbClr val="70AD47"/>
-          </a:solidFill>
-        </p:spPr>
-        <p:style>
-          <a:lnRef idx="1">
-            <a:schemeClr val="accent1"/>
-          </a:lnRef>
-          <a:fillRef idx="3">
-            <a:schemeClr val="accent1"/>
-          </a:fillRef>
-          <a:effectRef idx="2">
-            <a:schemeClr val="accent1"/>
-          </a:effectRef>
-          <a:fontRef idx="minor">
-            <a:schemeClr val="lt1"/>
-          </a:fontRef>
-        </p:style>
-        <p:txBody>
-          <a:bodyPr rtlCol="0" anchor="ctr"/>
-          <a:lstStyle/>
-          <a:p>
-            <a:pPr>
-              <a:defRPr sz="2000" b="1">
-                <a:solidFill>
-                  <a:srgbClr val="FFFFFF"/>
-                </a:solidFill>
-              </a:defRPr>
-            </a:pPr>
-            <a:r>
-              <a:rPr lang="de-DE" sz="2000"/>
-              <a:t>⚙️ Unsere Implementierung</a:t>
-            </a:r>
-          </a:p>
-        </p:txBody>
-      </p:sp>
-      <p:sp>
-        <p:nvSpPr>
-          <p:cNvPr id="8" name="TextBox 7"/>
-          <p:cNvSpPr txBox="1"/>
-          <p:nvPr/>
-        </p:nvSpPr>
-        <p:spPr>
-          <a:xfrm>
-            <a:off x="458788" y="6217920"/>
-            <a:ext cx="11274552" cy="338554"/>
-          </a:xfrm>
-          <a:prstGeom prst="rect">
-            <a:avLst/>
-          </a:prstGeom>
-          <a:noFill/>
-        </p:spPr>
-        <p:txBody>
-          <a:bodyPr wrap="square">
-            <a:spAutoFit/>
-          </a:bodyPr>
-          <a:lstStyle/>
-          <a:p>
-            <a:pPr>
-              <a:defRPr sz="1600" b="1">
-                <a:solidFill>
-                  <a:srgbClr val="2C2C2C"/>
-                </a:solidFill>
-              </a:defRPr>
-            </a:pPr>
-            <a:r>
-              <a:rPr lang="de-DE" sz="1600"/>
-              <a:t>Zwei zentrale </a:t>
-            </a:r>
-            <a:r>
-              <a:rPr lang="de-DE" sz="1600" err="1"/>
-              <a:t>Beans</a:t>
-            </a:r>
-            <a:r>
-              <a:rPr lang="de-DE" sz="1600"/>
-              <a:t>: </a:t>
-            </a:r>
-            <a:r>
-              <a:rPr lang="de-DE" sz="1600" err="1"/>
-              <a:t>ChatService</a:t>
-            </a:r>
-            <a:r>
-              <a:rPr lang="de-DE" sz="1600"/>
-              <a:t> und </a:t>
-            </a:r>
-            <a:r>
-              <a:rPr lang="de-DE" sz="1600" err="1"/>
-              <a:t>RagService</a:t>
-            </a:r>
-            <a:r>
-              <a:rPr lang="de-DE" sz="1600"/>
-              <a:t> als verwaltete Spring Boot Komponenten</a:t>
-            </a:r>
-          </a:p>
-        </p:txBody>
-      </p:sp>
-    </p:spTree>
   </p:cSld>
   <p:clrMapOvr>
     <a:masterClrMapping/>

--- a/Endergebnis.pptx
+++ b/Endergebnis.pptx
@@ -5,20 +5,22 @@
     <p:sldMasterId id="2147483648" r:id="rId1"/>
   </p:sldMasterIdLst>
   <p:notesMasterIdLst>
-    <p:notesMasterId r:id="rId13"/>
+    <p:notesMasterId r:id="rId15"/>
   </p:notesMasterIdLst>
   <p:sldIdLst>
     <p:sldId id="276" r:id="rId2"/>
     <p:sldId id="286" r:id="rId3"/>
     <p:sldId id="291" r:id="rId4"/>
     <p:sldId id="302" r:id="rId5"/>
-    <p:sldId id="292" r:id="rId6"/>
-    <p:sldId id="296" r:id="rId7"/>
-    <p:sldId id="297" r:id="rId8"/>
-    <p:sldId id="299" r:id="rId9"/>
-    <p:sldId id="287" r:id="rId10"/>
-    <p:sldId id="290" r:id="rId11"/>
-    <p:sldId id="295" r:id="rId12"/>
+    <p:sldId id="304" r:id="rId6"/>
+    <p:sldId id="303" r:id="rId7"/>
+    <p:sldId id="292" r:id="rId8"/>
+    <p:sldId id="296" r:id="rId9"/>
+    <p:sldId id="297" r:id="rId10"/>
+    <p:sldId id="299" r:id="rId11"/>
+    <p:sldId id="287" r:id="rId12"/>
+    <p:sldId id="290" r:id="rId13"/>
+    <p:sldId id="295" r:id="rId14"/>
   </p:sldIdLst>
   <p:sldSz cx="12192000" cy="6858000"/>
   <p:notesSz cx="6858000" cy="9144000"/>
@@ -10209,7 +10211,7 @@
             </a:r>
             <a:r>
               <a:rPr lang="de-DE" dirty="0"/>
-              <a:t> Dateien</a:t>
+              <a:t> Dateien (pro URL eine Datei)</a:t>
             </a:r>
           </a:p>
           <a:p>
@@ -10217,9 +10219,148 @@
               <a:buFontTx/>
               <a:buChar char="-"/>
             </a:pPr>
-            <a:endParaRPr lang="de-DE" dirty="0"/>
-          </a:p>
-          <a:p>
+            <a:r>
+              <a:rPr lang="de-DE" dirty="0"/>
+              <a:t>Wenn der Crawl Job fertig ist dann wird das RAG gestartet, die </a:t>
+            </a:r>
+            <a:r>
+              <a:rPr lang="de-DE" dirty="0" err="1"/>
+              <a:t>Json</a:t>
+            </a:r>
+            <a:r>
+              <a:rPr lang="de-DE" dirty="0"/>
+              <a:t> Dateien werden geladen und in </a:t>
+            </a:r>
+            <a:r>
+              <a:rPr lang="de-DE" dirty="0" err="1"/>
+              <a:t>RAGDocument</a:t>
+            </a:r>
+            <a:r>
+              <a:rPr lang="de-DE" dirty="0"/>
+              <a:t>-Objekt umgewandelt</a:t>
+            </a:r>
+          </a:p>
+          <a:p>
+            <a:pPr marL="171450" indent="-171450">
+              <a:buFontTx/>
+              <a:buChar char="-"/>
+            </a:pPr>
+            <a:r>
+              <a:rPr lang="de-DE" dirty="0"/>
+              <a:t>Jedes Dokument wird dann in kleineren Blöcke unterteilt (Chunks) und das lokal Laufenden </a:t>
+            </a:r>
+            <a:r>
+              <a:rPr lang="de-DE" dirty="0" err="1"/>
+              <a:t>embedding</a:t>
+            </a:r>
+            <a:r>
+              <a:rPr lang="de-DE" dirty="0"/>
+              <a:t> Modell (</a:t>
+            </a:r>
+            <a:r>
+              <a:rPr lang="de-DE" dirty="0" err="1"/>
+              <a:t>AllMiniLmL</a:t>
+            </a:r>
+            <a:r>
+              <a:rPr lang="de-DE" dirty="0"/>
+              <a:t> 80mb) erzeugt für jeden Text-Chunk einen Vektor</a:t>
+            </a:r>
+          </a:p>
+          <a:p>
+            <a:pPr marL="171450" indent="-171450">
+              <a:buFontTx/>
+              <a:buChar char="-"/>
+            </a:pPr>
+            <a:r>
+              <a:rPr lang="de-DE" dirty="0"/>
+              <a:t>Für jeden Job wird eine separate </a:t>
+            </a:r>
+            <a:r>
+              <a:rPr lang="de-DE" dirty="0" err="1"/>
+              <a:t>Qdrant</a:t>
+            </a:r>
+            <a:r>
+              <a:rPr lang="de-DE" dirty="0"/>
+              <a:t>-Collection erstellt, die mehrere Vektoren enthält</a:t>
+            </a:r>
+          </a:p>
+          <a:p>
+            <a:pPr marL="628650" lvl="1" indent="-171450">
+              <a:buFontTx/>
+              <a:buChar char="-"/>
+            </a:pPr>
+            <a:r>
+              <a:rPr lang="de-DE" dirty="0"/>
+              <a:t>Die Vektoren werden mit ihren Textsegmente inklusiv der Metadaten in der </a:t>
+            </a:r>
+            <a:r>
+              <a:rPr lang="de-DE" dirty="0" err="1"/>
+              <a:t>Vektordatenbak</a:t>
+            </a:r>
+            <a:r>
+              <a:rPr lang="de-DE" dirty="0"/>
+              <a:t> gespeichert (über </a:t>
+            </a:r>
+            <a:r>
+              <a:rPr lang="de-DE" dirty="0" err="1"/>
+              <a:t>QdrantEmbeddingStore</a:t>
+            </a:r>
+            <a:r>
+              <a:rPr lang="de-DE" dirty="0"/>
+              <a:t> </a:t>
+            </a:r>
+            <a:r>
+              <a:rPr lang="de-DE" dirty="0">
+                <a:sym typeface="Wingdings" panose="05000000000000000000" pitchFamily="2" charset="2"/>
+              </a:rPr>
+              <a:t> </a:t>
+            </a:r>
+            <a:r>
+              <a:rPr lang="de-DE" dirty="0" err="1">
+                <a:sym typeface="Wingdings" panose="05000000000000000000" pitchFamily="2" charset="2"/>
+              </a:rPr>
+              <a:t>embeddingStore.add</a:t>
+            </a:r>
+            <a:r>
+              <a:rPr lang="de-DE" dirty="0">
+                <a:sym typeface="Wingdings" panose="05000000000000000000" pitchFamily="2" charset="2"/>
+              </a:rPr>
+              <a:t>(</a:t>
+            </a:r>
+            <a:r>
+              <a:rPr lang="de-DE" dirty="0" err="1">
+                <a:sym typeface="Wingdings" panose="05000000000000000000" pitchFamily="2" charset="2"/>
+              </a:rPr>
+              <a:t>embedding</a:t>
+            </a:r>
+            <a:r>
+              <a:rPr lang="de-DE" dirty="0">
+                <a:sym typeface="Wingdings" panose="05000000000000000000" pitchFamily="2" charset="2"/>
+              </a:rPr>
+              <a:t>, </a:t>
+            </a:r>
+            <a:r>
+              <a:rPr lang="de-DE" dirty="0" err="1">
+                <a:sym typeface="Wingdings" panose="05000000000000000000" pitchFamily="2" charset="2"/>
+              </a:rPr>
+              <a:t>segment</a:t>
+            </a:r>
+            <a:r>
+              <a:rPr lang="de-DE" dirty="0">
+                <a:sym typeface="Wingdings" panose="05000000000000000000" pitchFamily="2" charset="2"/>
+              </a:rPr>
+              <a:t>) schreibt die Datei rein</a:t>
+            </a:r>
+            <a:r>
+              <a:rPr lang="de-DE" dirty="0"/>
+              <a:t>)</a:t>
+            </a:r>
+          </a:p>
+          <a:p>
+            <a:pPr marL="171450" lvl="0" indent="-171450">
+              <a:buFontTx/>
+              <a:buChar char="-"/>
+            </a:pPr>
             <a:endParaRPr lang="de-DE" dirty="0"/>
           </a:p>
         </p:txBody>
@@ -10322,31 +10463,147 @@
           <a:bodyPr/>
           <a:lstStyle/>
           <a:p>
-            <a:pPr marL="171450" indent="-171450">
+            <a:pPr marL="171450" marR="0" lvl="0" indent="-171450" algn="l" defTabSz="914400" rtl="0" eaLnBrk="1" fontAlgn="auto" latinLnBrk="0" hangingPunct="1">
+              <a:lnSpc>
+                <a:spcPct val="100000"/>
+              </a:lnSpc>
+              <a:spcBef>
+                <a:spcPts val="0"/>
+              </a:spcBef>
+              <a:spcAft>
+                <a:spcPts val="0"/>
+              </a:spcAft>
+              <a:buClrTx/>
+              <a:buSzTx/>
               <a:buFontTx/>
               <a:buChar char="-"/>
+              <a:tabLst/>
+              <a:defRPr/>
             </a:pPr>
             <a:r>
               <a:rPr lang="de-DE" dirty="0"/>
-              <a:t>Crawler, extrahiert daten aus Seiten und speichert diese in </a:t>
-            </a:r>
-            <a:r>
-              <a:rPr lang="de-DE" dirty="0" err="1"/>
-              <a:t>json</a:t>
-            </a:r>
-            <a:r>
-              <a:rPr lang="de-DE" dirty="0"/>
-              <a:t> Dateien</a:t>
-            </a:r>
-          </a:p>
-          <a:p>
-            <a:pPr marL="171450" indent="-171450">
+              <a:t>Benutzer erstellt eine Query als eine Anfrage</a:t>
+            </a:r>
+          </a:p>
+          <a:p>
+            <a:pPr marL="171450" marR="0" lvl="0" indent="-171450" algn="l" defTabSz="914400" rtl="0" eaLnBrk="1" fontAlgn="auto" latinLnBrk="0" hangingPunct="1">
+              <a:lnSpc>
+                <a:spcPct val="100000"/>
+              </a:lnSpc>
+              <a:spcBef>
+                <a:spcPts val="0"/>
+              </a:spcBef>
+              <a:spcAft>
+                <a:spcPts val="0"/>
+              </a:spcAft>
+              <a:buClrTx/>
+              <a:buSzTx/>
               <a:buFontTx/>
               <a:buChar char="-"/>
+              <a:tabLst/>
+              <a:defRPr/>
             </a:pPr>
-            <a:endParaRPr lang="de-DE" dirty="0"/>
-          </a:p>
-          <a:p>
+            <a:r>
+              <a:rPr lang="de-DE" dirty="0"/>
+              <a:t>Die Anfrage wird dann auch vom lokalem </a:t>
+            </a:r>
+            <a:r>
+              <a:rPr lang="de-DE" dirty="0" err="1"/>
+              <a:t>embedding</a:t>
+            </a:r>
+            <a:r>
+              <a:rPr lang="de-DE" dirty="0"/>
+              <a:t> Modell </a:t>
+            </a:r>
+            <a:r>
+              <a:rPr lang="de-DE" dirty="0" err="1"/>
+              <a:t>vektroisiert</a:t>
+            </a:r>
+            <a:r>
+              <a:rPr lang="de-DE" dirty="0"/>
+              <a:t> (das gleiche, dass die Dokumente verarbeitet hat) mit Länge 384</a:t>
+            </a:r>
+          </a:p>
+          <a:p>
+            <a:pPr marL="171450" marR="0" lvl="0" indent="-171450" algn="l" defTabSz="914400" rtl="0" eaLnBrk="1" fontAlgn="auto" latinLnBrk="0" hangingPunct="1">
+              <a:lnSpc>
+                <a:spcPct val="100000"/>
+              </a:lnSpc>
+              <a:spcBef>
+                <a:spcPts val="0"/>
+              </a:spcBef>
+              <a:spcAft>
+                <a:spcPts val="0"/>
+              </a:spcAft>
+              <a:buClrTx/>
+              <a:buSzTx/>
+              <a:buFontTx/>
+              <a:buChar char="-"/>
+              <a:tabLst/>
+              <a:defRPr/>
+            </a:pPr>
+            <a:r>
+              <a:rPr lang="de-DE" dirty="0"/>
+              <a:t>Dabei vergleicht </a:t>
+            </a:r>
+            <a:r>
+              <a:rPr lang="de-DE" dirty="0" err="1"/>
+              <a:t>qdrant</a:t>
+            </a:r>
+            <a:r>
+              <a:rPr lang="de-DE" dirty="0"/>
+              <a:t> den Anfrage-Vektor mit den Vektoren aus der Datenbank</a:t>
+            </a:r>
+          </a:p>
+          <a:p>
+            <a:pPr marL="171450" marR="0" lvl="0" indent="-171450" algn="l" defTabSz="914400" rtl="0" eaLnBrk="1" fontAlgn="auto" latinLnBrk="0" hangingPunct="1">
+              <a:lnSpc>
+                <a:spcPct val="100000"/>
+              </a:lnSpc>
+              <a:spcBef>
+                <a:spcPts val="0"/>
+              </a:spcBef>
+              <a:spcAft>
+                <a:spcPts val="0"/>
+              </a:spcAft>
+              <a:buClrTx/>
+              <a:buSzTx/>
+              <a:buFontTx/>
+              <a:buChar char="-"/>
+              <a:tabLst/>
+              <a:defRPr/>
+            </a:pPr>
+            <a:r>
+              <a:rPr lang="de-DE" dirty="0"/>
+              <a:t>Eine Liste von passenden </a:t>
+            </a:r>
+            <a:r>
+              <a:rPr lang="de-DE" dirty="0" err="1"/>
+              <a:t>Embeddings</a:t>
+            </a:r>
+            <a:r>
+              <a:rPr lang="de-DE" dirty="0"/>
+              <a:t> werden sortiert nach Score ausgegeben</a:t>
+            </a:r>
+          </a:p>
+          <a:p>
+            <a:pPr marL="171450" marR="0" lvl="0" indent="-171450" algn="l" defTabSz="914400" rtl="0" eaLnBrk="1" fontAlgn="auto" latinLnBrk="0" hangingPunct="1">
+              <a:lnSpc>
+                <a:spcPct val="100000"/>
+              </a:lnSpc>
+              <a:spcBef>
+                <a:spcPts val="0"/>
+              </a:spcBef>
+              <a:spcAft>
+                <a:spcPts val="0"/>
+              </a:spcAft>
+              <a:buClrTx/>
+              <a:buSzTx/>
+              <a:buFontTx/>
+              <a:buChar char="-"/>
+              <a:tabLst/>
+              <a:defRPr/>
+            </a:pPr>
             <a:endParaRPr lang="de-DE" dirty="0"/>
           </a:p>
         </p:txBody>
@@ -10394,6 +10651,376 @@
 </file>
 
 <file path=ppt/notesSlides/notesSlide4.xml><?xml version="1.0" encoding="utf-8"?>
+<p:notes xmlns:a="http://schemas.openxmlformats.org/drawingml/2006/main" xmlns:r="http://schemas.openxmlformats.org/officeDocument/2006/relationships" xmlns:p="http://schemas.openxmlformats.org/presentationml/2006/main">
+  <p:cSld>
+    <p:spTree>
+      <p:nvGrpSpPr>
+        <p:cNvPr id="1" name="">
+          <a:extLst>
+            <a:ext uri="{FF2B5EF4-FFF2-40B4-BE49-F238E27FC236}">
+              <a16:creationId xmlns:a16="http://schemas.microsoft.com/office/drawing/2014/main" id="{ED52E532-FCDF-96FC-1C9D-08F749187ED0}"/>
+            </a:ext>
+          </a:extLst>
+        </p:cNvPr>
+        <p:cNvGrpSpPr/>
+        <p:nvPr/>
+      </p:nvGrpSpPr>
+      <p:grpSpPr>
+        <a:xfrm>
+          <a:off x="0" y="0"/>
+          <a:ext cx="0" cy="0"/>
+          <a:chOff x="0" y="0"/>
+          <a:chExt cx="0" cy="0"/>
+        </a:xfrm>
+      </p:grpSpPr>
+      <p:sp>
+        <p:nvSpPr>
+          <p:cNvPr id="2" name="Folienbildplatzhalter 1">
+            <a:extLst>
+              <a:ext uri="{FF2B5EF4-FFF2-40B4-BE49-F238E27FC236}">
+                <a16:creationId xmlns:a16="http://schemas.microsoft.com/office/drawing/2014/main" id="{F1DD2D81-159B-06D0-1542-015C83640D2B}"/>
+              </a:ext>
+            </a:extLst>
+          </p:cNvPr>
+          <p:cNvSpPr>
+            <a:spLocks noGrp="1" noRot="1" noChangeAspect="1"/>
+          </p:cNvSpPr>
+          <p:nvPr>
+            <p:ph type="sldImg"/>
+          </p:nvPr>
+        </p:nvSpPr>
+        <p:spPr/>
+      </p:sp>
+      <p:sp>
+        <p:nvSpPr>
+          <p:cNvPr id="3" name="Notizenplatzhalter 2">
+            <a:extLst>
+              <a:ext uri="{FF2B5EF4-FFF2-40B4-BE49-F238E27FC236}">
+                <a16:creationId xmlns:a16="http://schemas.microsoft.com/office/drawing/2014/main" id="{E2F0E959-65C2-F80B-2283-5659614F59ED}"/>
+              </a:ext>
+            </a:extLst>
+          </p:cNvPr>
+          <p:cNvSpPr>
+            <a:spLocks noGrp="1"/>
+          </p:cNvSpPr>
+          <p:nvPr>
+            <p:ph type="body" idx="1"/>
+          </p:nvPr>
+        </p:nvSpPr>
+        <p:spPr/>
+        <p:txBody>
+          <a:bodyPr/>
+          <a:lstStyle/>
+          <a:p>
+            <a:pPr marL="171450" marR="0" lvl="0" indent="-171450" algn="l" defTabSz="914400" rtl="0" eaLnBrk="1" fontAlgn="auto" latinLnBrk="0" hangingPunct="1">
+              <a:lnSpc>
+                <a:spcPct val="100000"/>
+              </a:lnSpc>
+              <a:spcBef>
+                <a:spcPts val="0"/>
+              </a:spcBef>
+              <a:spcAft>
+                <a:spcPts val="0"/>
+              </a:spcAft>
+              <a:buClrTx/>
+              <a:buSzTx/>
+              <a:buFontTx/>
+              <a:buChar char="-"/>
+              <a:tabLst/>
+              <a:defRPr/>
+            </a:pPr>
+            <a:r>
+              <a:rPr lang="de-DE" dirty="0" err="1"/>
+              <a:t>Qdrant</a:t>
+            </a:r>
+            <a:r>
+              <a:rPr lang="de-DE" dirty="0"/>
+              <a:t> sucht nach den x ähnlichsten Textsegmente, in unserem Fall 5</a:t>
+            </a:r>
+          </a:p>
+          <a:p>
+            <a:pPr marL="171450" marR="0" lvl="0" indent="-171450" algn="l" defTabSz="914400" rtl="0" eaLnBrk="1" fontAlgn="auto" latinLnBrk="0" hangingPunct="1">
+              <a:lnSpc>
+                <a:spcPct val="100000"/>
+              </a:lnSpc>
+              <a:spcBef>
+                <a:spcPts val="0"/>
+              </a:spcBef>
+              <a:spcAft>
+                <a:spcPts val="0"/>
+              </a:spcAft>
+              <a:buClrTx/>
+              <a:buSzTx/>
+              <a:buFontTx/>
+              <a:buChar char="-"/>
+              <a:tabLst/>
+              <a:defRPr/>
+            </a:pPr>
+            <a:r>
+              <a:rPr lang="de-DE" dirty="0"/>
+              <a:t>Die Suche erfolgt durch </a:t>
+            </a:r>
+            <a:r>
+              <a:rPr lang="de-DE" dirty="0" err="1"/>
+              <a:t>Cosine</a:t>
+            </a:r>
+            <a:r>
+              <a:rPr lang="de-DE" dirty="0"/>
+              <a:t> </a:t>
+            </a:r>
+            <a:r>
+              <a:rPr lang="de-DE" dirty="0" err="1"/>
+              <a:t>Similarity</a:t>
+            </a:r>
+            <a:endParaRPr lang="de-DE" dirty="0"/>
+          </a:p>
+          <a:p>
+            <a:pPr marL="171450" marR="0" lvl="0" indent="-171450" algn="l" defTabSz="914400" rtl="0" eaLnBrk="1" fontAlgn="auto" latinLnBrk="0" hangingPunct="1">
+              <a:lnSpc>
+                <a:spcPct val="100000"/>
+              </a:lnSpc>
+              <a:spcBef>
+                <a:spcPts val="0"/>
+              </a:spcBef>
+              <a:spcAft>
+                <a:spcPts val="0"/>
+              </a:spcAft>
+              <a:buClrTx/>
+              <a:buSzTx/>
+              <a:buFontTx/>
+              <a:buChar char="-"/>
+              <a:tabLst/>
+              <a:defRPr/>
+            </a:pPr>
+            <a:r>
+              <a:rPr lang="de-DE" dirty="0"/>
+              <a:t>Eine Liste von passenden </a:t>
+            </a:r>
+            <a:r>
+              <a:rPr lang="de-DE" dirty="0" err="1"/>
+              <a:t>Embeddings</a:t>
+            </a:r>
+            <a:r>
+              <a:rPr lang="de-DE" dirty="0"/>
+              <a:t> werden sortiert nach Score ausgegeben</a:t>
+            </a:r>
+          </a:p>
+          <a:p>
+            <a:pPr marL="171450" marR="0" lvl="0" indent="-171450" algn="l" defTabSz="914400" rtl="0" eaLnBrk="1" fontAlgn="auto" latinLnBrk="0" hangingPunct="1">
+              <a:lnSpc>
+                <a:spcPct val="100000"/>
+              </a:lnSpc>
+              <a:spcBef>
+                <a:spcPts val="0"/>
+              </a:spcBef>
+              <a:spcAft>
+                <a:spcPts val="0"/>
+              </a:spcAft>
+              <a:buClrTx/>
+              <a:buSzTx/>
+              <a:buFontTx/>
+              <a:buChar char="-"/>
+              <a:tabLst/>
+              <a:defRPr/>
+            </a:pPr>
+            <a:r>
+              <a:rPr lang="de-DE" dirty="0"/>
+              <a:t>Die gefundenen Textsegmente werden zu einem zusammenhängenden Kontext kombiniert</a:t>
+            </a:r>
+          </a:p>
+          <a:p>
+            <a:pPr marL="171450" marR="0" lvl="0" indent="-171450" algn="l" defTabSz="914400" rtl="0" eaLnBrk="1" fontAlgn="auto" latinLnBrk="0" hangingPunct="1">
+              <a:lnSpc>
+                <a:spcPct val="100000"/>
+              </a:lnSpc>
+              <a:spcBef>
+                <a:spcPts val="0"/>
+              </a:spcBef>
+              <a:spcAft>
+                <a:spcPts val="0"/>
+              </a:spcAft>
+              <a:buClrTx/>
+              <a:buSzTx/>
+              <a:buFontTx/>
+              <a:buChar char="-"/>
+              <a:tabLst/>
+              <a:defRPr/>
+            </a:pPr>
+            <a:r>
+              <a:rPr lang="de-DE" dirty="0"/>
+              <a:t>Dieser Kontext wird dann mit einem optimierten Prompt an das LLM von der Hochschule gesendet</a:t>
+            </a:r>
+          </a:p>
+        </p:txBody>
+      </p:sp>
+      <p:sp>
+        <p:nvSpPr>
+          <p:cNvPr id="4" name="Foliennummernplatzhalter 3">
+            <a:extLst>
+              <a:ext uri="{FF2B5EF4-FFF2-40B4-BE49-F238E27FC236}">
+                <a16:creationId xmlns:a16="http://schemas.microsoft.com/office/drawing/2014/main" id="{D1162269-F7F5-609D-CDB0-0D1692AC717D}"/>
+              </a:ext>
+            </a:extLst>
+          </p:cNvPr>
+          <p:cNvSpPr>
+            <a:spLocks noGrp="1"/>
+          </p:cNvSpPr>
+          <p:nvPr>
+            <p:ph type="sldNum" sz="quarter" idx="5"/>
+          </p:nvPr>
+        </p:nvSpPr>
+        <p:spPr/>
+        <p:txBody>
+          <a:bodyPr/>
+          <a:lstStyle/>
+          <a:p>
+            <a:fld id="{9B1C6027-2443-4A49-A1FF-69A5017AD78C}" type="slidenum">
+              <a:rPr lang="de-DE" smtClean="0"/>
+              <a:t>5</a:t>
+            </a:fld>
+            <a:endParaRPr lang="de-DE"/>
+          </a:p>
+        </p:txBody>
+      </p:sp>
+    </p:spTree>
+    <p:extLst>
+      <p:ext uri="{BB962C8B-B14F-4D97-AF65-F5344CB8AC3E}">
+        <p14:creationId xmlns:p14="http://schemas.microsoft.com/office/powerpoint/2010/main" val="4083280264"/>
+      </p:ext>
+    </p:extLst>
+  </p:cSld>
+  <p:clrMapOvr>
+    <a:masterClrMapping/>
+  </p:clrMapOvr>
+</p:notes>
+</file>
+
+<file path=ppt/notesSlides/notesSlide5.xml><?xml version="1.0" encoding="utf-8"?>
+<p:notes xmlns:a="http://schemas.openxmlformats.org/drawingml/2006/main" xmlns:r="http://schemas.openxmlformats.org/officeDocument/2006/relationships" xmlns:p="http://schemas.openxmlformats.org/presentationml/2006/main">
+  <p:cSld>
+    <p:spTree>
+      <p:nvGrpSpPr>
+        <p:cNvPr id="1" name="">
+          <a:extLst>
+            <a:ext uri="{FF2B5EF4-FFF2-40B4-BE49-F238E27FC236}">
+              <a16:creationId xmlns:a16="http://schemas.microsoft.com/office/drawing/2014/main" id="{294F72F5-C833-41DB-5088-407980805EEB}"/>
+            </a:ext>
+          </a:extLst>
+        </p:cNvPr>
+        <p:cNvGrpSpPr/>
+        <p:nvPr/>
+      </p:nvGrpSpPr>
+      <p:grpSpPr>
+        <a:xfrm>
+          <a:off x="0" y="0"/>
+          <a:ext cx="0" cy="0"/>
+          <a:chOff x="0" y="0"/>
+          <a:chExt cx="0" cy="0"/>
+        </a:xfrm>
+      </p:grpSpPr>
+      <p:sp>
+        <p:nvSpPr>
+          <p:cNvPr id="2" name="Folienbildplatzhalter 1">
+            <a:extLst>
+              <a:ext uri="{FF2B5EF4-FFF2-40B4-BE49-F238E27FC236}">
+                <a16:creationId xmlns:a16="http://schemas.microsoft.com/office/drawing/2014/main" id="{EE5866B7-0D85-C85F-DC59-F091430A8853}"/>
+              </a:ext>
+            </a:extLst>
+          </p:cNvPr>
+          <p:cNvSpPr>
+            <a:spLocks noGrp="1" noRot="1" noChangeAspect="1"/>
+          </p:cNvSpPr>
+          <p:nvPr>
+            <p:ph type="sldImg"/>
+          </p:nvPr>
+        </p:nvSpPr>
+        <p:spPr/>
+      </p:sp>
+      <p:sp>
+        <p:nvSpPr>
+          <p:cNvPr id="3" name="Notizenplatzhalter 2">
+            <a:extLst>
+              <a:ext uri="{FF2B5EF4-FFF2-40B4-BE49-F238E27FC236}">
+                <a16:creationId xmlns:a16="http://schemas.microsoft.com/office/drawing/2014/main" id="{9882E536-2CEB-242D-EFF8-ECF0349298C8}"/>
+              </a:ext>
+            </a:extLst>
+          </p:cNvPr>
+          <p:cNvSpPr>
+            <a:spLocks noGrp="1"/>
+          </p:cNvSpPr>
+          <p:nvPr>
+            <p:ph type="body" idx="1"/>
+          </p:nvPr>
+        </p:nvSpPr>
+        <p:spPr/>
+        <p:txBody>
+          <a:bodyPr/>
+          <a:lstStyle/>
+          <a:p>
+            <a:pPr marL="171450" indent="-171450">
+              <a:buFontTx/>
+              <a:buChar char="-"/>
+            </a:pPr>
+            <a:r>
+              <a:rPr lang="de-DE" dirty="0"/>
+              <a:t>Das LLM verarbeitet den Prompt und generiert eine natürliche Antwort</a:t>
+            </a:r>
+          </a:p>
+          <a:p>
+            <a:pPr marL="171450" indent="-171450">
+              <a:buFontTx/>
+              <a:buChar char="-"/>
+            </a:pPr>
+            <a:endParaRPr lang="de-DE" dirty="0"/>
+          </a:p>
+          <a:p>
+            <a:endParaRPr lang="de-DE" dirty="0"/>
+          </a:p>
+        </p:txBody>
+      </p:sp>
+      <p:sp>
+        <p:nvSpPr>
+          <p:cNvPr id="4" name="Foliennummernplatzhalter 3">
+            <a:extLst>
+              <a:ext uri="{FF2B5EF4-FFF2-40B4-BE49-F238E27FC236}">
+                <a16:creationId xmlns:a16="http://schemas.microsoft.com/office/drawing/2014/main" id="{A10FA1CE-AA81-7706-39D8-A18DE33A9F0C}"/>
+              </a:ext>
+            </a:extLst>
+          </p:cNvPr>
+          <p:cNvSpPr>
+            <a:spLocks noGrp="1"/>
+          </p:cNvSpPr>
+          <p:nvPr>
+            <p:ph type="sldNum" sz="quarter" idx="5"/>
+          </p:nvPr>
+        </p:nvSpPr>
+        <p:spPr/>
+        <p:txBody>
+          <a:bodyPr/>
+          <a:lstStyle/>
+          <a:p>
+            <a:fld id="{9B1C6027-2443-4A49-A1FF-69A5017AD78C}" type="slidenum">
+              <a:rPr lang="de-DE" smtClean="0"/>
+              <a:t>6</a:t>
+            </a:fld>
+            <a:endParaRPr lang="de-DE"/>
+          </a:p>
+        </p:txBody>
+      </p:sp>
+    </p:spTree>
+    <p:extLst>
+      <p:ext uri="{BB962C8B-B14F-4D97-AF65-F5344CB8AC3E}">
+        <p14:creationId xmlns:p14="http://schemas.microsoft.com/office/powerpoint/2010/main" val="4180371409"/>
+      </p:ext>
+    </p:extLst>
+  </p:cSld>
+  <p:clrMapOvr>
+    <a:masterClrMapping/>
+  </p:clrMapOvr>
+</p:notes>
+</file>
+
+<file path=ppt/notesSlides/notesSlide6.xml><?xml version="1.0" encoding="utf-8"?>
 <p:notes xmlns:a="http://schemas.openxmlformats.org/drawingml/2006/main" xmlns:r="http://schemas.openxmlformats.org/officeDocument/2006/relationships" xmlns:p="http://schemas.openxmlformats.org/presentationml/2006/main">
   <p:cSld>
     <p:spTree>
@@ -10567,7 +11194,7 @@
           <a:p>
             <a:fld id="{9B1C6027-2443-4A49-A1FF-69A5017AD78C}" type="slidenum">
               <a:rPr lang="de-DE" smtClean="0"/>
-              <a:t>6</a:t>
+              <a:t>8</a:t>
             </a:fld>
             <a:endParaRPr lang="de-DE"/>
           </a:p>
@@ -10586,7 +11213,7 @@
 </p:notes>
 </file>
 
-<file path=ppt/notesSlides/notesSlide5.xml><?xml version="1.0" encoding="utf-8"?>
+<file path=ppt/notesSlides/notesSlide7.xml><?xml version="1.0" encoding="utf-8"?>
 <p:notes xmlns:a="http://schemas.openxmlformats.org/drawingml/2006/main" xmlns:r="http://schemas.openxmlformats.org/officeDocument/2006/relationships" xmlns:p="http://schemas.openxmlformats.org/presentationml/2006/main">
   <p:cSld>
     <p:spTree>
@@ -11361,7 +11988,7 @@
                 <a:tabLst/>
                 <a:defRPr/>
               </a:pPr>
-              <a:t>7</a:t>
+              <a:t>9</a:t>
             </a:fld>
             <a:endParaRPr kumimoji="0" lang="de-DE" sz="1200" b="0" i="0" u="none" strike="noStrike" kern="1200" cap="none" spc="0" normalizeH="0" baseline="0" noProof="0">
               <a:ln>
@@ -17094,6 +17721,993 @@
         <p:cNvPr id="1" name="">
           <a:extLst>
             <a:ext uri="{FF2B5EF4-FFF2-40B4-BE49-F238E27FC236}">
+              <a16:creationId xmlns:a16="http://schemas.microsoft.com/office/drawing/2014/main" id="{FDA1917D-2573-D824-806D-617D6D68582E}"/>
+            </a:ext>
+          </a:extLst>
+        </p:cNvPr>
+        <p:cNvGrpSpPr/>
+        <p:nvPr/>
+      </p:nvGrpSpPr>
+      <p:grpSpPr>
+        <a:xfrm>
+          <a:off x="0" y="0"/>
+          <a:ext cx="0" cy="0"/>
+          <a:chOff x="0" y="0"/>
+          <a:chExt cx="0" cy="0"/>
+        </a:xfrm>
+      </p:grpSpPr>
+      <p:sp useBgFill="1">
+        <p:nvSpPr>
+          <p:cNvPr id="19" name="Rectangle 21">
+            <a:extLst>
+              <a:ext uri="{FF2B5EF4-FFF2-40B4-BE49-F238E27FC236}">
+                <a16:creationId xmlns:a16="http://schemas.microsoft.com/office/drawing/2014/main" id="{36808D3F-9F07-234C-8446-778EED32715D}"/>
+              </a:ext>
+              <a:ext uri="{C183D7F6-B498-43B3-948B-1728B52AA6E4}">
+                <adec:decorative xmlns:adec="http://schemas.microsoft.com/office/drawing/2017/decorative" val="1"/>
+              </a:ext>
+            </a:extLst>
+          </p:cNvPr>
+          <p:cNvSpPr>
+            <a:spLocks noGrp="1" noRot="1" noChangeAspect="1" noMove="1" noResize="1" noEditPoints="1" noAdjustHandles="1" noChangeArrowheads="1" noChangeShapeType="1" noTextEdit="1"/>
+          </p:cNvSpPr>
+          <p:nvPr>
+            <p:extLst>
+              <p:ext uri="{386F3935-93C4-4BCD-93E2-E3B085C9AB24}">
+                <p16:designElem xmlns:p16="http://schemas.microsoft.com/office/powerpoint/2015/main" val="1"/>
+              </p:ext>
+            </p:extLst>
+          </p:nvPr>
+        </p:nvSpPr>
+        <p:spPr>
+          <a:xfrm>
+            <a:off x="0" y="0"/>
+            <a:ext cx="12192000" cy="6858000"/>
+          </a:xfrm>
+          <a:prstGeom prst="rect">
+            <a:avLst/>
+          </a:prstGeom>
+          <a:ln w="12700" cap="flat" cmpd="sng" algn="ctr">
+            <a:noFill/>
+            <a:prstDash val="solid"/>
+            <a:miter lim="800000"/>
+          </a:ln>
+          <a:effectLst/>
+          <a:extLst>
+            <a:ext uri="{91240B29-F687-4F45-9708-019B960494DF}">
+              <a14:hiddenLine xmlns:a14="http://schemas.microsoft.com/office/drawing/2010/main" w="12700" cap="flat" cmpd="sng" algn="ctr">
+                <a:solidFill>
+                  <a:schemeClr val="accent1">
+                    <a:shade val="50000"/>
+                  </a:schemeClr>
+                </a:solidFill>
+                <a:prstDash val="solid"/>
+                <a:miter lim="800000"/>
+              </a14:hiddenLine>
+            </a:ext>
+          </a:extLst>
+        </p:spPr>
+        <p:style>
+          <a:lnRef idx="2">
+            <a:schemeClr val="accent1">
+              <a:shade val="50000"/>
+            </a:schemeClr>
+          </a:lnRef>
+          <a:fillRef idx="1">
+            <a:schemeClr val="accent1"/>
+          </a:fillRef>
+          <a:effectRef idx="0">
+            <a:schemeClr val="accent1"/>
+          </a:effectRef>
+          <a:fontRef idx="minor">
+            <a:schemeClr val="lt1"/>
+          </a:fontRef>
+        </p:style>
+        <p:txBody>
+          <a:bodyPr rtlCol="0" anchor="ctr"/>
+          <a:lstStyle/>
+          <a:p>
+            <a:pPr algn="ctr"/>
+            <a:endParaRPr lang="en-US"/>
+          </a:p>
+        </p:txBody>
+      </p:sp>
+      <p:sp>
+        <p:nvSpPr>
+          <p:cNvPr id="20" name="Rectangle 23">
+            <a:extLst>
+              <a:ext uri="{FF2B5EF4-FFF2-40B4-BE49-F238E27FC236}">
+                <a16:creationId xmlns:a16="http://schemas.microsoft.com/office/drawing/2014/main" id="{51FCB8FF-B6A3-A517-EC2D-F79F2355571F}"/>
+              </a:ext>
+              <a:ext uri="{C183D7F6-B498-43B3-948B-1728B52AA6E4}">
+                <adec:decorative xmlns:adec="http://schemas.microsoft.com/office/drawing/2017/decorative" val="1"/>
+              </a:ext>
+            </a:extLst>
+          </p:cNvPr>
+          <p:cNvSpPr>
+            <a:spLocks noGrp="1" noRot="1" noChangeAspect="1" noMove="1" noResize="1" noEditPoints="1" noAdjustHandles="1" noChangeArrowheads="1" noChangeShapeType="1" noTextEdit="1"/>
+          </p:cNvSpPr>
+          <p:nvPr>
+            <p:extLst>
+              <p:ext uri="{386F3935-93C4-4BCD-93E2-E3B085C9AB24}">
+                <p16:designElem xmlns:p16="http://schemas.microsoft.com/office/powerpoint/2015/main" val="1"/>
+              </p:ext>
+            </p:extLst>
+          </p:nvPr>
+        </p:nvSpPr>
+        <p:spPr>
+          <a:xfrm rot="10800000" flipH="1">
+            <a:off x="2" y="0"/>
+            <a:ext cx="12191998" cy="1575955"/>
+          </a:xfrm>
+          <a:prstGeom prst="rect">
+            <a:avLst/>
+          </a:prstGeom>
+          <a:gradFill>
+            <a:gsLst>
+              <a:gs pos="0">
+                <a:srgbClr val="000000">
+                  <a:alpha val="96000"/>
+                </a:srgbClr>
+              </a:gs>
+              <a:gs pos="100000">
+                <a:schemeClr val="accent1">
+                  <a:lumMod val="75000"/>
+                </a:schemeClr>
+              </a:gs>
+            </a:gsLst>
+            <a:lin ang="6000000" scaled="0"/>
+          </a:gradFill>
+          <a:ln>
+            <a:noFill/>
+          </a:ln>
+        </p:spPr>
+        <p:style>
+          <a:lnRef idx="2">
+            <a:schemeClr val="accent1">
+              <a:shade val="50000"/>
+            </a:schemeClr>
+          </a:lnRef>
+          <a:fillRef idx="1">
+            <a:schemeClr val="accent1"/>
+          </a:fillRef>
+          <a:effectRef idx="0">
+            <a:schemeClr val="accent1"/>
+          </a:effectRef>
+          <a:fontRef idx="minor">
+            <a:schemeClr val="lt1"/>
+          </a:fontRef>
+        </p:style>
+        <p:txBody>
+          <a:bodyPr rtlCol="0" anchor="ctr"/>
+          <a:lstStyle/>
+          <a:p>
+            <a:pPr algn="ctr"/>
+            <a:endParaRPr lang="en-US"/>
+          </a:p>
+        </p:txBody>
+      </p:sp>
+      <p:sp>
+        <p:nvSpPr>
+          <p:cNvPr id="21" name="Rectangle 25">
+            <a:extLst>
+              <a:ext uri="{FF2B5EF4-FFF2-40B4-BE49-F238E27FC236}">
+                <a16:creationId xmlns:a16="http://schemas.microsoft.com/office/drawing/2014/main" id="{B3134226-C052-9FDA-65B8-DA5181D1CA54}"/>
+              </a:ext>
+              <a:ext uri="{C183D7F6-B498-43B3-948B-1728B52AA6E4}">
+                <adec:decorative xmlns:adec="http://schemas.microsoft.com/office/drawing/2017/decorative" val="1"/>
+              </a:ext>
+            </a:extLst>
+          </p:cNvPr>
+          <p:cNvSpPr>
+            <a:spLocks noGrp="1" noRot="1" noChangeAspect="1" noMove="1" noResize="1" noEditPoints="1" noAdjustHandles="1" noChangeArrowheads="1" noChangeShapeType="1" noTextEdit="1"/>
+          </p:cNvSpPr>
+          <p:nvPr>
+            <p:extLst>
+              <p:ext uri="{386F3935-93C4-4BCD-93E2-E3B085C9AB24}">
+                <p16:designElem xmlns:p16="http://schemas.microsoft.com/office/powerpoint/2015/main" val="1"/>
+              </p:ext>
+            </p:extLst>
+          </p:nvPr>
+        </p:nvSpPr>
+        <p:spPr>
+          <a:xfrm>
+            <a:off x="0" y="0"/>
+            <a:ext cx="8128856" cy="1575461"/>
+          </a:xfrm>
+          <a:prstGeom prst="rect">
+            <a:avLst/>
+          </a:prstGeom>
+          <a:gradFill>
+            <a:gsLst>
+              <a:gs pos="0">
+                <a:schemeClr val="accent1">
+                  <a:alpha val="41000"/>
+                </a:schemeClr>
+              </a:gs>
+              <a:gs pos="74000">
+                <a:schemeClr val="accent1">
+                  <a:lumMod val="60000"/>
+                  <a:lumOff val="40000"/>
+                  <a:alpha val="0"/>
+                </a:schemeClr>
+              </a:gs>
+            </a:gsLst>
+            <a:lin ang="8400000" scaled="0"/>
+          </a:gradFill>
+          <a:ln>
+            <a:noFill/>
+          </a:ln>
+        </p:spPr>
+        <p:style>
+          <a:lnRef idx="2">
+            <a:schemeClr val="accent1">
+              <a:shade val="50000"/>
+            </a:schemeClr>
+          </a:lnRef>
+          <a:fillRef idx="1">
+            <a:schemeClr val="accent1"/>
+          </a:fillRef>
+          <a:effectRef idx="0">
+            <a:schemeClr val="accent1"/>
+          </a:effectRef>
+          <a:fontRef idx="minor">
+            <a:schemeClr val="lt1"/>
+          </a:fontRef>
+        </p:style>
+        <p:txBody>
+          <a:bodyPr rtlCol="0" anchor="ctr"/>
+          <a:lstStyle/>
+          <a:p>
+            <a:pPr algn="ctr"/>
+            <a:endParaRPr lang="en-US"/>
+          </a:p>
+        </p:txBody>
+      </p:sp>
+      <p:sp>
+        <p:nvSpPr>
+          <p:cNvPr id="23" name="Rectangle 27">
+            <a:extLst>
+              <a:ext uri="{FF2B5EF4-FFF2-40B4-BE49-F238E27FC236}">
+                <a16:creationId xmlns:a16="http://schemas.microsoft.com/office/drawing/2014/main" id="{1CC40CB6-CBCA-1DDD-6D5E-A2B9548FFCB2}"/>
+              </a:ext>
+              <a:ext uri="{C183D7F6-B498-43B3-948B-1728B52AA6E4}">
+                <adec:decorative xmlns:adec="http://schemas.microsoft.com/office/drawing/2017/decorative" val="1"/>
+              </a:ext>
+            </a:extLst>
+          </p:cNvPr>
+          <p:cNvSpPr>
+            <a:spLocks noGrp="1" noRot="1" noChangeAspect="1" noMove="1" noResize="1" noEditPoints="1" noAdjustHandles="1" noChangeArrowheads="1" noChangeShapeType="1" noTextEdit="1"/>
+          </p:cNvSpPr>
+          <p:nvPr>
+            <p:extLst>
+              <p:ext uri="{386F3935-93C4-4BCD-93E2-E3B085C9AB24}">
+                <p16:designElem xmlns:p16="http://schemas.microsoft.com/office/powerpoint/2015/main" val="1"/>
+              </p:ext>
+            </p:extLst>
+          </p:nvPr>
+        </p:nvSpPr>
+        <p:spPr>
+          <a:xfrm flipH="1">
+            <a:off x="-3" y="-1"/>
+            <a:ext cx="12192002" cy="1574311"/>
+          </a:xfrm>
+          <a:prstGeom prst="rect">
+            <a:avLst/>
+          </a:prstGeom>
+          <a:gradFill>
+            <a:gsLst>
+              <a:gs pos="0">
+                <a:srgbClr val="000000">
+                  <a:alpha val="63000"/>
+                </a:srgbClr>
+              </a:gs>
+              <a:gs pos="78000">
+                <a:schemeClr val="accent1">
+                  <a:alpha val="15000"/>
+                </a:schemeClr>
+              </a:gs>
+            </a:gsLst>
+            <a:lin ang="15600000" scaled="0"/>
+          </a:gradFill>
+          <a:ln>
+            <a:noFill/>
+          </a:ln>
+        </p:spPr>
+        <p:style>
+          <a:lnRef idx="2">
+            <a:schemeClr val="accent1">
+              <a:shade val="50000"/>
+            </a:schemeClr>
+          </a:lnRef>
+          <a:fillRef idx="1">
+            <a:schemeClr val="accent1"/>
+          </a:fillRef>
+          <a:effectRef idx="0">
+            <a:schemeClr val="accent1"/>
+          </a:effectRef>
+          <a:fontRef idx="minor">
+            <a:schemeClr val="lt1"/>
+          </a:fontRef>
+        </p:style>
+        <p:txBody>
+          <a:bodyPr rtlCol="0" anchor="ctr"/>
+          <a:lstStyle/>
+          <a:p>
+            <a:pPr algn="ctr"/>
+            <a:endParaRPr lang="en-US"/>
+          </a:p>
+        </p:txBody>
+      </p:sp>
+      <p:sp>
+        <p:nvSpPr>
+          <p:cNvPr id="2" name="Titel 1">
+            <a:extLst>
+              <a:ext uri="{FF2B5EF4-FFF2-40B4-BE49-F238E27FC236}">
+                <a16:creationId xmlns:a16="http://schemas.microsoft.com/office/drawing/2014/main" id="{C1AF12AB-095D-4DBA-330A-24832008F99A}"/>
+              </a:ext>
+            </a:extLst>
+          </p:cNvPr>
+          <p:cNvSpPr>
+            <a:spLocks noGrp="1"/>
+          </p:cNvSpPr>
+          <p:nvPr>
+            <p:ph type="title"/>
+          </p:nvPr>
+        </p:nvSpPr>
+        <p:spPr>
+          <a:xfrm>
+            <a:off x="699713" y="248038"/>
+            <a:ext cx="7063721" cy="1159200"/>
+          </a:xfrm>
+        </p:spPr>
+        <p:txBody>
+          <a:bodyPr vert="horz" lIns="91440" tIns="45720" rIns="91440" bIns="45720" rtlCol="0" anchor="ctr">
+            <a:normAutofit/>
+          </a:bodyPr>
+          <a:lstStyle/>
+          <a:p>
+            <a:r>
+              <a:rPr lang="en-US" sz="4000">
+                <a:solidFill>
+                  <a:srgbClr val="FFFFFF"/>
+                </a:solidFill>
+              </a:rPr>
+              <a:t>Apache Storm Crawler</a:t>
+            </a:r>
+            <a:endParaRPr lang="en-US" sz="4000" kern="1200">
+              <a:solidFill>
+                <a:srgbClr val="FFFFFF"/>
+              </a:solidFill>
+              <a:latin typeface="+mj-lt"/>
+              <a:ea typeface="+mj-ea"/>
+              <a:cs typeface="+mj-cs"/>
+            </a:endParaRPr>
+          </a:p>
+        </p:txBody>
+      </p:sp>
+      <p:pic>
+        <p:nvPicPr>
+          <p:cNvPr id="3" name="Grafik 2" descr="Apache Storm - Wikipedia">
+            <a:extLst>
+              <a:ext uri="{FF2B5EF4-FFF2-40B4-BE49-F238E27FC236}">
+                <a16:creationId xmlns:a16="http://schemas.microsoft.com/office/drawing/2014/main" id="{5823099D-61AE-F4EE-8C3F-41361FC2D601}"/>
+              </a:ext>
+            </a:extLst>
+          </p:cNvPr>
+          <p:cNvPicPr>
+            <a:picLocks noChangeAspect="1"/>
+          </p:cNvPicPr>
+          <p:nvPr/>
+        </p:nvPicPr>
+        <p:blipFill>
+          <a:blip r:embed="rId2"/>
+          <a:stretch>
+            <a:fillRect/>
+          </a:stretch>
+        </p:blipFill>
+        <p:spPr>
+          <a:xfrm>
+            <a:off x="6538005" y="79602"/>
+            <a:ext cx="4257675" cy="1419225"/>
+          </a:xfrm>
+          <a:prstGeom prst="rect">
+            <a:avLst/>
+          </a:prstGeom>
+          <a:ln>
+            <a:noFill/>
+          </a:ln>
+        </p:spPr>
+      </p:pic>
+      <p:graphicFrame>
+        <p:nvGraphicFramePr>
+          <p:cNvPr id="7" name="Inhaltsplatzhalter 3">
+            <a:extLst>
+              <a:ext uri="{FF2B5EF4-FFF2-40B4-BE49-F238E27FC236}">
+                <a16:creationId xmlns:a16="http://schemas.microsoft.com/office/drawing/2014/main" id="{4FA9B1E3-AB55-BE20-0A41-D247E94D8C81}"/>
+              </a:ext>
+            </a:extLst>
+          </p:cNvPr>
+          <p:cNvGraphicFramePr>
+            <a:graphicFrameLocks/>
+          </p:cNvGraphicFramePr>
+          <p:nvPr>
+            <p:extLst>
+              <p:ext uri="{D42A27DB-BD31-4B8C-83A1-F6EECF244321}">
+                <p14:modId xmlns:p14="http://schemas.microsoft.com/office/powerpoint/2010/main" val="2749364913"/>
+              </p:ext>
+            </p:extLst>
+          </p:nvPr>
+        </p:nvGraphicFramePr>
+        <p:xfrm>
+          <a:off x="-2155760" y="2022848"/>
+          <a:ext cx="10811435" cy="4351338"/>
+        </p:xfrm>
+        <a:graphic>
+          <a:graphicData uri="http://schemas.openxmlformats.org/drawingml/2006/diagram">
+            <dgm:relIds xmlns:dgm="http://schemas.openxmlformats.org/drawingml/2006/diagram" xmlns:r="http://schemas.openxmlformats.org/officeDocument/2006/relationships" r:dm="rId3" r:lo="rId4" r:qs="rId5" r:cs="rId6"/>
+          </a:graphicData>
+        </a:graphic>
+      </p:graphicFrame>
+      <p:sp>
+        <p:nvSpPr>
+          <p:cNvPr id="37" name="Textfeld 36">
+            <a:extLst>
+              <a:ext uri="{FF2B5EF4-FFF2-40B4-BE49-F238E27FC236}">
+                <a16:creationId xmlns:a16="http://schemas.microsoft.com/office/drawing/2014/main" id="{8604FDB8-DE92-C43D-2B8F-9B22964E3B08}"/>
+              </a:ext>
+            </a:extLst>
+          </p:cNvPr>
+          <p:cNvSpPr txBox="1"/>
+          <p:nvPr/>
+        </p:nvSpPr>
+        <p:spPr>
+          <a:xfrm>
+            <a:off x="6096000" y="2026022"/>
+            <a:ext cx="6099200" cy="3647152"/>
+          </a:xfrm>
+          <a:prstGeom prst="rect">
+            <a:avLst/>
+          </a:prstGeom>
+          <a:noFill/>
+        </p:spPr>
+        <p:txBody>
+          <a:bodyPr rot="0" spcFirstLastPara="0" vertOverflow="overflow" horzOverflow="overflow" vert="horz" wrap="square" lIns="91440" tIns="45720" rIns="91440" bIns="45720" numCol="1" spcCol="0" rtlCol="0" fromWordArt="0" anchor="t" anchorCtr="0" forceAA="0" compatLnSpc="1">
+            <a:prstTxWarp prst="textNoShape">
+              <a:avLst/>
+            </a:prstTxWarp>
+            <a:spAutoFit/>
+          </a:bodyPr>
+          <a:lstStyle/>
+          <a:p>
+            <a:r>
+              <a:rPr lang="de-DE" sz="2100" b="1"/>
+              <a:t>Aktueller Stand:</a:t>
+            </a:r>
+          </a:p>
+          <a:p>
+            <a:pPr marL="285750" indent="-285750">
+              <a:buFont typeface="Arial"/>
+              <a:buChar char="•"/>
+            </a:pPr>
+            <a:r>
+              <a:rPr lang="de-DE" sz="2100" err="1">
+                <a:ea typeface="+mn-lt"/>
+                <a:cs typeface="+mn-lt"/>
+              </a:rPr>
+              <a:t>Crawling</a:t>
+            </a:r>
+            <a:r>
+              <a:rPr lang="de-DE" sz="2100">
+                <a:ea typeface="+mn-lt"/>
+                <a:cs typeface="+mn-lt"/>
+              </a:rPr>
+              <a:t> findet bisher nur für die zuerst eingegebene Seed-URL statt</a:t>
+            </a:r>
+            <a:endParaRPr lang="de-DE" sz="2100"/>
+          </a:p>
+          <a:p>
+            <a:pPr marL="285750" indent="-285750">
+              <a:buFont typeface="Arial"/>
+              <a:buChar char="•"/>
+            </a:pPr>
+            <a:r>
+              <a:rPr lang="de-DE" sz="2100"/>
+              <a:t>Alle HTML Inhalte dieser exakten URL werden als JSON Dateien für das RAG gespeichert</a:t>
+            </a:r>
+          </a:p>
+          <a:p>
+            <a:pPr marL="285750" indent="-285750">
+              <a:buFont typeface="Arial"/>
+              <a:buChar char="•"/>
+            </a:pPr>
+            <a:endParaRPr lang="de-DE" sz="2100"/>
+          </a:p>
+          <a:p>
+            <a:r>
+              <a:rPr lang="de-DE" sz="2100" b="1"/>
+              <a:t>Nächste Schritte:</a:t>
+            </a:r>
+          </a:p>
+          <a:p>
+            <a:pPr marL="285750" indent="-285750">
+              <a:buFont typeface="Arial"/>
+              <a:buChar char="•"/>
+            </a:pPr>
+            <a:r>
+              <a:rPr lang="de-DE" sz="2100"/>
+              <a:t>Kreislauf in der Topologie erschaffen</a:t>
+            </a:r>
+          </a:p>
+          <a:p>
+            <a:pPr marL="285750" indent="-285750">
+              <a:buFont typeface="Arial"/>
+              <a:buChar char="•"/>
+            </a:pPr>
+            <a:r>
+              <a:rPr lang="de-DE" sz="2100"/>
+              <a:t>Links die in HTML-Code gefunden werden im nächsten </a:t>
+            </a:r>
+            <a:r>
+              <a:rPr lang="de-DE" sz="2100" err="1"/>
+              <a:t>Topology</a:t>
+            </a:r>
+            <a:r>
+              <a:rPr lang="de-DE" sz="2100"/>
+              <a:t>-Durchlauf verarbeiten</a:t>
+            </a:r>
+          </a:p>
+          <a:p>
+            <a:pPr marL="285750" indent="-285750">
+              <a:buFont typeface="Arial"/>
+              <a:buChar char="•"/>
+            </a:pPr>
+            <a:r>
+              <a:rPr lang="de-DE" sz="2100"/>
+              <a:t>Bis zu bestimmter Tiefe rekursiv wiederholen</a:t>
+            </a:r>
+          </a:p>
+        </p:txBody>
+      </p:sp>
+    </p:spTree>
+    <p:extLst>
+      <p:ext uri="{BB962C8B-B14F-4D97-AF65-F5344CB8AC3E}">
+        <p14:creationId xmlns:p14="http://schemas.microsoft.com/office/powerpoint/2010/main" val="3163319264"/>
+      </p:ext>
+    </p:extLst>
+  </p:cSld>
+  <p:clrMapOvr>
+    <a:masterClrMapping/>
+  </p:clrMapOvr>
+</p:sld>
+</file>
+
+<file path=ppt/slides/slide11.xml><?xml version="1.0" encoding="utf-8"?>
+<p:sld xmlns:a="http://schemas.openxmlformats.org/drawingml/2006/main" xmlns:r="http://schemas.openxmlformats.org/officeDocument/2006/relationships" xmlns:p="http://schemas.openxmlformats.org/presentationml/2006/main">
+  <p:cSld>
+    <p:bg>
+      <p:bgPr>
+        <a:solidFill>
+          <a:schemeClr val="bg1"/>
+        </a:solidFill>
+        <a:effectLst/>
+      </p:bgPr>
+    </p:bg>
+    <p:spTree>
+      <p:nvGrpSpPr>
+        <p:cNvPr id="1" name=""/>
+        <p:cNvGrpSpPr/>
+        <p:nvPr/>
+      </p:nvGrpSpPr>
+      <p:grpSpPr>
+        <a:xfrm>
+          <a:off x="0" y="0"/>
+          <a:ext cx="0" cy="0"/>
+          <a:chOff x="0" y="0"/>
+          <a:chExt cx="0" cy="0"/>
+        </a:xfrm>
+      </p:grpSpPr>
+      <p:sp useBgFill="1">
+        <p:nvSpPr>
+          <p:cNvPr id="58" name="Rectangle 47">
+            <a:extLst>
+              <a:ext uri="{FF2B5EF4-FFF2-40B4-BE49-F238E27FC236}">
+                <a16:creationId xmlns:a16="http://schemas.microsoft.com/office/drawing/2014/main" id="{BACC6370-2D7E-4714-9D71-7542949D7D5D}"/>
+              </a:ext>
+              <a:ext uri="{C183D7F6-B498-43B3-948B-1728B52AA6E4}">
+                <adec:decorative xmlns:adec="http://schemas.microsoft.com/office/drawing/2017/decorative" val="1"/>
+              </a:ext>
+            </a:extLst>
+          </p:cNvPr>
+          <p:cNvSpPr>
+            <a:spLocks noGrp="1" noRot="1" noChangeAspect="1" noMove="1" noResize="1" noEditPoints="1" noAdjustHandles="1" noChangeArrowheads="1" noChangeShapeType="1" noTextEdit="1"/>
+          </p:cNvSpPr>
+          <p:nvPr>
+            <p:extLst>
+              <p:ext uri="{386F3935-93C4-4BCD-93E2-E3B085C9AB24}">
+                <p16:designElem xmlns:p16="http://schemas.microsoft.com/office/powerpoint/2015/main" val="1"/>
+              </p:ext>
+            </p:extLst>
+          </p:nvPr>
+        </p:nvSpPr>
+        <p:spPr>
+          <a:xfrm>
+            <a:off x="0" y="0"/>
+            <a:ext cx="12192000" cy="6858000"/>
+          </a:xfrm>
+          <a:prstGeom prst="rect">
+            <a:avLst/>
+          </a:prstGeom>
+          <a:ln w="12700" cap="flat" cmpd="sng" algn="ctr">
+            <a:noFill/>
+            <a:prstDash val="solid"/>
+            <a:miter lim="800000"/>
+          </a:ln>
+          <a:effectLst/>
+          <a:extLst>
+            <a:ext uri="{91240B29-F687-4F45-9708-019B960494DF}">
+              <a14:hiddenLine xmlns:a14="http://schemas.microsoft.com/office/drawing/2010/main" w="12700" cap="flat" cmpd="sng" algn="ctr">
+                <a:solidFill>
+                  <a:schemeClr val="accent1">
+                    <a:shade val="50000"/>
+                  </a:schemeClr>
+                </a:solidFill>
+                <a:prstDash val="solid"/>
+                <a:miter lim="800000"/>
+              </a14:hiddenLine>
+            </a:ext>
+          </a:extLst>
+        </p:spPr>
+        <p:style>
+          <a:lnRef idx="2">
+            <a:schemeClr val="accent1">
+              <a:shade val="50000"/>
+            </a:schemeClr>
+          </a:lnRef>
+          <a:fillRef idx="1">
+            <a:schemeClr val="accent1"/>
+          </a:fillRef>
+          <a:effectRef idx="0">
+            <a:schemeClr val="accent1"/>
+          </a:effectRef>
+          <a:fontRef idx="minor">
+            <a:schemeClr val="lt1"/>
+          </a:fontRef>
+        </p:style>
+        <p:txBody>
+          <a:bodyPr rtlCol="0" anchor="ctr"/>
+          <a:lstStyle/>
+          <a:p>
+            <a:pPr algn="ctr"/>
+            <a:endParaRPr lang="en-US"/>
+          </a:p>
+        </p:txBody>
+      </p:sp>
+      <p:sp>
+        <p:nvSpPr>
+          <p:cNvPr id="59" name="Rectangle 49">
+            <a:extLst>
+              <a:ext uri="{FF2B5EF4-FFF2-40B4-BE49-F238E27FC236}">
+                <a16:creationId xmlns:a16="http://schemas.microsoft.com/office/drawing/2014/main" id="{F68B3F68-107C-434F-AA38-110D5EA91B85}"/>
+              </a:ext>
+              <a:ext uri="{C183D7F6-B498-43B3-948B-1728B52AA6E4}">
+                <adec:decorative xmlns:adec="http://schemas.microsoft.com/office/drawing/2017/decorative" val="1"/>
+              </a:ext>
+            </a:extLst>
+          </p:cNvPr>
+          <p:cNvSpPr>
+            <a:spLocks noGrp="1" noRot="1" noChangeAspect="1" noMove="1" noResize="1" noEditPoints="1" noAdjustHandles="1" noChangeArrowheads="1" noChangeShapeType="1" noTextEdit="1"/>
+          </p:cNvSpPr>
+          <p:nvPr>
+            <p:extLst>
+              <p:ext uri="{386F3935-93C4-4BCD-93E2-E3B085C9AB24}">
+                <p16:designElem xmlns:p16="http://schemas.microsoft.com/office/powerpoint/2015/main" val="1"/>
+              </p:ext>
+            </p:extLst>
+          </p:nvPr>
+        </p:nvSpPr>
+        <p:spPr>
+          <a:xfrm flipH="1">
+            <a:off x="2" y="0"/>
+            <a:ext cx="12191998" cy="1575955"/>
+          </a:xfrm>
+          <a:prstGeom prst="rect">
+            <a:avLst/>
+          </a:prstGeom>
+          <a:gradFill>
+            <a:gsLst>
+              <a:gs pos="0">
+                <a:srgbClr val="000000">
+                  <a:alpha val="96000"/>
+                </a:srgbClr>
+              </a:gs>
+              <a:gs pos="100000">
+                <a:schemeClr val="accent1">
+                  <a:lumMod val="75000"/>
+                </a:schemeClr>
+              </a:gs>
+            </a:gsLst>
+            <a:lin ang="8400000" scaled="0"/>
+          </a:gradFill>
+          <a:ln>
+            <a:noFill/>
+          </a:ln>
+        </p:spPr>
+        <p:style>
+          <a:lnRef idx="2">
+            <a:schemeClr val="accent1">
+              <a:shade val="50000"/>
+            </a:schemeClr>
+          </a:lnRef>
+          <a:fillRef idx="1">
+            <a:schemeClr val="accent1"/>
+          </a:fillRef>
+          <a:effectRef idx="0">
+            <a:schemeClr val="accent1"/>
+          </a:effectRef>
+          <a:fontRef idx="minor">
+            <a:schemeClr val="lt1"/>
+          </a:fontRef>
+        </p:style>
+        <p:txBody>
+          <a:bodyPr rtlCol="0" anchor="ctr"/>
+          <a:lstStyle/>
+          <a:p>
+            <a:pPr algn="ctr"/>
+            <a:endParaRPr lang="en-US"/>
+          </a:p>
+        </p:txBody>
+      </p:sp>
+      <p:sp>
+        <p:nvSpPr>
+          <p:cNvPr id="60" name="Rectangle 51">
+            <a:extLst>
+              <a:ext uri="{FF2B5EF4-FFF2-40B4-BE49-F238E27FC236}">
+                <a16:creationId xmlns:a16="http://schemas.microsoft.com/office/drawing/2014/main" id="{AAD0DBB9-1A4B-4391-81D4-CB19F9AB918A}"/>
+              </a:ext>
+              <a:ext uri="{C183D7F6-B498-43B3-948B-1728B52AA6E4}">
+                <adec:decorative xmlns:adec="http://schemas.microsoft.com/office/drawing/2017/decorative" val="1"/>
+              </a:ext>
+            </a:extLst>
+          </p:cNvPr>
+          <p:cNvSpPr>
+            <a:spLocks noGrp="1" noRot="1" noChangeAspect="1" noMove="1" noResize="1" noEditPoints="1" noAdjustHandles="1" noChangeArrowheads="1" noChangeShapeType="1" noTextEdit="1"/>
+          </p:cNvSpPr>
+          <p:nvPr>
+            <p:extLst>
+              <p:ext uri="{386F3935-93C4-4BCD-93E2-E3B085C9AB24}">
+                <p16:designElem xmlns:p16="http://schemas.microsoft.com/office/powerpoint/2015/main" val="1"/>
+              </p:ext>
+            </p:extLst>
+          </p:nvPr>
+        </p:nvSpPr>
+        <p:spPr>
+          <a:xfrm rot="10800000" flipH="1">
+            <a:off x="8128857" y="0"/>
+            <a:ext cx="4063143" cy="1576412"/>
+          </a:xfrm>
+          <a:prstGeom prst="rect">
+            <a:avLst/>
+          </a:prstGeom>
+          <a:gradFill>
+            <a:gsLst>
+              <a:gs pos="19000">
+                <a:schemeClr val="accent1">
+                  <a:lumMod val="50000"/>
+                  <a:alpha val="68000"/>
+                </a:schemeClr>
+              </a:gs>
+              <a:gs pos="100000">
+                <a:schemeClr val="accent1">
+                  <a:alpha val="79000"/>
+                </a:schemeClr>
+              </a:gs>
+            </a:gsLst>
+            <a:lin ang="19200000" scaled="0"/>
+          </a:gradFill>
+          <a:ln>
+            <a:noFill/>
+          </a:ln>
+        </p:spPr>
+        <p:style>
+          <a:lnRef idx="2">
+            <a:schemeClr val="accent1">
+              <a:shade val="50000"/>
+            </a:schemeClr>
+          </a:lnRef>
+          <a:fillRef idx="1">
+            <a:schemeClr val="accent1"/>
+          </a:fillRef>
+          <a:effectRef idx="0">
+            <a:schemeClr val="accent1"/>
+          </a:effectRef>
+          <a:fontRef idx="minor">
+            <a:schemeClr val="lt1"/>
+          </a:fontRef>
+        </p:style>
+        <p:txBody>
+          <a:bodyPr rtlCol="0" anchor="ctr"/>
+          <a:lstStyle/>
+          <a:p>
+            <a:pPr algn="ctr"/>
+            <a:endParaRPr lang="en-US"/>
+          </a:p>
+        </p:txBody>
+      </p:sp>
+      <p:sp>
+        <p:nvSpPr>
+          <p:cNvPr id="61" name="Rectangle 53">
+            <a:extLst>
+              <a:ext uri="{FF2B5EF4-FFF2-40B4-BE49-F238E27FC236}">
+                <a16:creationId xmlns:a16="http://schemas.microsoft.com/office/drawing/2014/main" id="{063BBA22-50EA-4C4D-BE05-F1CE4E63AA56}"/>
+              </a:ext>
+              <a:ext uri="{C183D7F6-B498-43B3-948B-1728B52AA6E4}">
+                <adec:decorative xmlns:adec="http://schemas.microsoft.com/office/drawing/2017/decorative" val="1"/>
+              </a:ext>
+            </a:extLst>
+          </p:cNvPr>
+          <p:cNvSpPr>
+            <a:spLocks noGrp="1" noRot="1" noChangeAspect="1" noMove="1" noResize="1" noEditPoints="1" noAdjustHandles="1" noChangeArrowheads="1" noChangeShapeType="1" noTextEdit="1"/>
+          </p:cNvSpPr>
+          <p:nvPr>
+            <p:extLst>
+              <p:ext uri="{386F3935-93C4-4BCD-93E2-E3B085C9AB24}">
+                <p16:designElem xmlns:p16="http://schemas.microsoft.com/office/powerpoint/2015/main" val="1"/>
+              </p:ext>
+            </p:extLst>
+          </p:nvPr>
+        </p:nvSpPr>
+        <p:spPr>
+          <a:xfrm rot="5400000">
+            <a:off x="5307777" y="-5307778"/>
+            <a:ext cx="1576446" cy="12192002"/>
+          </a:xfrm>
+          <a:prstGeom prst="rect">
+            <a:avLst/>
+          </a:prstGeom>
+          <a:gradFill>
+            <a:gsLst>
+              <a:gs pos="23000">
+                <a:schemeClr val="accent1">
+                  <a:alpha val="0"/>
+                </a:schemeClr>
+              </a:gs>
+              <a:gs pos="99000">
+                <a:srgbClr val="000000">
+                  <a:alpha val="74000"/>
+                </a:srgbClr>
+              </a:gs>
+            </a:gsLst>
+            <a:lin ang="20400000" scaled="0"/>
+          </a:gradFill>
+          <a:ln>
+            <a:noFill/>
+          </a:ln>
+        </p:spPr>
+        <p:style>
+          <a:lnRef idx="2">
+            <a:schemeClr val="accent1">
+              <a:shade val="50000"/>
+            </a:schemeClr>
+          </a:lnRef>
+          <a:fillRef idx="1">
+            <a:schemeClr val="accent1"/>
+          </a:fillRef>
+          <a:effectRef idx="0">
+            <a:schemeClr val="accent1"/>
+          </a:effectRef>
+          <a:fontRef idx="minor">
+            <a:schemeClr val="lt1"/>
+          </a:fontRef>
+        </p:style>
+        <p:txBody>
+          <a:bodyPr rtlCol="0" anchor="ctr"/>
+          <a:lstStyle/>
+          <a:p>
+            <a:pPr algn="ctr"/>
+            <a:endParaRPr lang="en-US"/>
+          </a:p>
+        </p:txBody>
+      </p:sp>
+      <p:sp>
+        <p:nvSpPr>
+          <p:cNvPr id="2" name="Titel 1">
+            <a:extLst>
+              <a:ext uri="{FF2B5EF4-FFF2-40B4-BE49-F238E27FC236}">
+                <a16:creationId xmlns:a16="http://schemas.microsoft.com/office/drawing/2014/main" id="{F22F95B4-15B1-3329-3FBA-108702A77167}"/>
+              </a:ext>
+            </a:extLst>
+          </p:cNvPr>
+          <p:cNvSpPr>
+            <a:spLocks noGrp="1"/>
+          </p:cNvSpPr>
+          <p:nvPr>
+            <p:ph type="title"/>
+          </p:nvPr>
+        </p:nvSpPr>
+        <p:spPr>
+          <a:xfrm>
+            <a:off x="1371597" y="348865"/>
+            <a:ext cx="10044023" cy="877729"/>
+          </a:xfrm>
+        </p:spPr>
+        <p:txBody>
+          <a:bodyPr anchor="ctr">
+            <a:normAutofit/>
+          </a:bodyPr>
+          <a:lstStyle/>
+          <a:p>
+            <a:r>
+              <a:rPr lang="de-DE" sz="4000">
+                <a:solidFill>
+                  <a:srgbClr val="FFFFFF"/>
+                </a:solidFill>
+              </a:rPr>
+              <a:t>Probleme  &amp; Herausforderungen </a:t>
+            </a:r>
+          </a:p>
+        </p:txBody>
+      </p:sp>
+      <p:graphicFrame>
+        <p:nvGraphicFramePr>
+          <p:cNvPr id="27" name="Inhaltsplatzhalter 2">
+            <a:extLst>
+              <a:ext uri="{FF2B5EF4-FFF2-40B4-BE49-F238E27FC236}">
+                <a16:creationId xmlns:a16="http://schemas.microsoft.com/office/drawing/2014/main" id="{80A9EFAA-D5DE-049B-4A0F-85AA92BF4EDA}"/>
+              </a:ext>
+            </a:extLst>
+          </p:cNvPr>
+          <p:cNvGraphicFramePr>
+            <a:graphicFrameLocks noGrp="1"/>
+          </p:cNvGraphicFramePr>
+          <p:nvPr>
+            <p:ph idx="1"/>
+            <p:extLst>
+              <p:ext uri="{D42A27DB-BD31-4B8C-83A1-F6EECF244321}">
+                <p14:modId xmlns:p14="http://schemas.microsoft.com/office/powerpoint/2010/main" val="2009104381"/>
+              </p:ext>
+            </p:extLst>
+          </p:nvPr>
+        </p:nvGraphicFramePr>
+        <p:xfrm>
+          <a:off x="644056" y="2112579"/>
+          <a:ext cx="10927829" cy="4192805"/>
+        </p:xfrm>
+        <a:graphic>
+          <a:graphicData uri="http://schemas.openxmlformats.org/drawingml/2006/diagram">
+            <dgm:relIds xmlns:dgm="http://schemas.openxmlformats.org/drawingml/2006/diagram" xmlns:r="http://schemas.openxmlformats.org/officeDocument/2006/relationships" r:dm="rId2" r:lo="rId3" r:qs="rId4" r:cs="rId5"/>
+          </a:graphicData>
+        </a:graphic>
+      </p:graphicFrame>
+    </p:spTree>
+    <p:extLst>
+      <p:ext uri="{BB962C8B-B14F-4D97-AF65-F5344CB8AC3E}">
+        <p14:creationId xmlns:p14="http://schemas.microsoft.com/office/powerpoint/2010/main" val="331094301"/>
+      </p:ext>
+    </p:extLst>
+  </p:cSld>
+  <p:clrMapOvr>
+    <a:masterClrMapping/>
+  </p:clrMapOvr>
+</p:sld>
+</file>
+
+<file path=ppt/slides/slide12.xml><?xml version="1.0" encoding="utf-8"?>
+<p:sld xmlns:a="http://schemas.openxmlformats.org/drawingml/2006/main" xmlns:r="http://schemas.openxmlformats.org/officeDocument/2006/relationships" xmlns:p="http://schemas.openxmlformats.org/presentationml/2006/main">
+  <p:cSld>
+    <p:bg>
+      <p:bgPr>
+        <a:solidFill>
+          <a:schemeClr val="bg1"/>
+        </a:solidFill>
+        <a:effectLst/>
+      </p:bgPr>
+    </p:bg>
+    <p:spTree>
+      <p:nvGrpSpPr>
+        <p:cNvPr id="1" name="">
+          <a:extLst>
+            <a:ext uri="{FF2B5EF4-FFF2-40B4-BE49-F238E27FC236}">
               <a16:creationId xmlns:a16="http://schemas.microsoft.com/office/drawing/2014/main" id="{EE38CBC0-30E6-9E93-8BEC-1E619CABACAE}"/>
             </a:ext>
           </a:extLst>
@@ -17582,7 +19196,7 @@
 </p:sld>
 </file>
 
-<file path=ppt/slides/slide11.xml><?xml version="1.0" encoding="utf-8"?>
+<file path=ppt/slides/slide13.xml><?xml version="1.0" encoding="utf-8"?>
 <p:sld xmlns:a="http://schemas.openxmlformats.org/drawingml/2006/main" xmlns:r="http://schemas.openxmlformats.org/officeDocument/2006/relationships" xmlns:p="http://schemas.openxmlformats.org/presentationml/2006/main">
   <p:cSld>
     <p:bg>
@@ -19501,6 +21115,42 @@
           </a:p>
         </p:txBody>
       </p:sp>
+      <p:pic>
+        <p:nvPicPr>
+          <p:cNvPr id="4" name="Grafik 3">
+            <a:extLst>
+              <a:ext uri="{FF2B5EF4-FFF2-40B4-BE49-F238E27FC236}">
+                <a16:creationId xmlns:a16="http://schemas.microsoft.com/office/drawing/2014/main" id="{B40F4A0A-CA8C-11B2-65C8-9BA94D11F938}"/>
+              </a:ext>
+            </a:extLst>
+          </p:cNvPr>
+          <p:cNvPicPr>
+            <a:picLocks noChangeAspect="1"/>
+          </p:cNvPicPr>
+          <p:nvPr/>
+        </p:nvPicPr>
+        <p:blipFill>
+          <a:blip r:embed="rId3">
+            <a:extLst>
+              <a:ext uri="{28A0092B-C50C-407E-A947-70E740481C1C}">
+                <a14:useLocalDpi xmlns:a14="http://schemas.microsoft.com/office/drawing/2010/main" val="0"/>
+              </a:ext>
+            </a:extLst>
+          </a:blip>
+          <a:stretch>
+            <a:fillRect/>
+          </a:stretch>
+        </p:blipFill>
+        <p:spPr>
+          <a:xfrm>
+            <a:off x="2460583" y="1574310"/>
+            <a:ext cx="7270829" cy="14772477"/>
+          </a:xfrm>
+          <a:prstGeom prst="rect">
+            <a:avLst/>
+          </a:prstGeom>
+        </p:spPr>
+      </p:pic>
     </p:spTree>
     <p:extLst>
       <p:ext uri="{BB962C8B-B14F-4D97-AF65-F5344CB8AC3E}">
@@ -19515,6 +21165,1046 @@
 </file>
 
 <file path=ppt/slides/slide5.xml><?xml version="1.0" encoding="utf-8"?>
+<p:sld xmlns:a="http://schemas.openxmlformats.org/drawingml/2006/main" xmlns:r="http://schemas.openxmlformats.org/officeDocument/2006/relationships" xmlns:p="http://schemas.openxmlformats.org/presentationml/2006/main">
+  <p:cSld>
+    <p:bg>
+      <p:bgPr>
+        <a:solidFill>
+          <a:schemeClr val="bg1"/>
+        </a:solidFill>
+        <a:effectLst/>
+      </p:bgPr>
+    </p:bg>
+    <p:spTree>
+      <p:nvGrpSpPr>
+        <p:cNvPr id="1" name="">
+          <a:extLst>
+            <a:ext uri="{FF2B5EF4-FFF2-40B4-BE49-F238E27FC236}">
+              <a16:creationId xmlns:a16="http://schemas.microsoft.com/office/drawing/2014/main" id="{41810837-679B-C85D-CECB-6FFB55FB141E}"/>
+            </a:ext>
+          </a:extLst>
+        </p:cNvPr>
+        <p:cNvGrpSpPr/>
+        <p:nvPr/>
+      </p:nvGrpSpPr>
+      <p:grpSpPr>
+        <a:xfrm>
+          <a:off x="0" y="0"/>
+          <a:ext cx="0" cy="0"/>
+          <a:chOff x="0" y="0"/>
+          <a:chExt cx="0" cy="0"/>
+        </a:xfrm>
+      </p:grpSpPr>
+      <p:sp useBgFill="1">
+        <p:nvSpPr>
+          <p:cNvPr id="1036" name="Rectangle 1036">
+            <a:extLst>
+              <a:ext uri="{FF2B5EF4-FFF2-40B4-BE49-F238E27FC236}">
+                <a16:creationId xmlns:a16="http://schemas.microsoft.com/office/drawing/2014/main" id="{05497682-0D39-B358-24F7-222C44BBDCB6}"/>
+              </a:ext>
+              <a:ext uri="{C183D7F6-B498-43B3-948B-1728B52AA6E4}">
+                <adec:decorative xmlns:adec="http://schemas.microsoft.com/office/drawing/2017/decorative" val="1"/>
+              </a:ext>
+            </a:extLst>
+          </p:cNvPr>
+          <p:cNvSpPr>
+            <a:spLocks noGrp="1" noRot="1" noChangeAspect="1" noMove="1" noResize="1" noEditPoints="1" noAdjustHandles="1" noChangeArrowheads="1" noChangeShapeType="1" noTextEdit="1"/>
+          </p:cNvSpPr>
+          <p:nvPr>
+            <p:extLst>
+              <p:ext uri="{386F3935-93C4-4BCD-93E2-E3B085C9AB24}">
+                <p16:designElem xmlns:p16="http://schemas.microsoft.com/office/powerpoint/2015/main" val="1"/>
+              </p:ext>
+            </p:extLst>
+          </p:nvPr>
+        </p:nvSpPr>
+        <p:spPr>
+          <a:xfrm>
+            <a:off x="0" y="0"/>
+            <a:ext cx="12192000" cy="6858000"/>
+          </a:xfrm>
+          <a:prstGeom prst="rect">
+            <a:avLst/>
+          </a:prstGeom>
+          <a:ln w="12700" cap="flat" cmpd="sng" algn="ctr">
+            <a:noFill/>
+            <a:prstDash val="solid"/>
+            <a:miter lim="800000"/>
+          </a:ln>
+          <a:effectLst/>
+          <a:extLst>
+            <a:ext uri="{91240B29-F687-4F45-9708-019B960494DF}">
+              <a14:hiddenLine xmlns:a14="http://schemas.microsoft.com/office/drawing/2010/main" w="12700" cap="flat" cmpd="sng" algn="ctr">
+                <a:solidFill>
+                  <a:schemeClr val="accent1">
+                    <a:shade val="50000"/>
+                  </a:schemeClr>
+                </a:solidFill>
+                <a:prstDash val="solid"/>
+                <a:miter lim="800000"/>
+              </a14:hiddenLine>
+            </a:ext>
+          </a:extLst>
+        </p:spPr>
+        <p:style>
+          <a:lnRef idx="2">
+            <a:schemeClr val="accent1">
+              <a:shade val="50000"/>
+            </a:schemeClr>
+          </a:lnRef>
+          <a:fillRef idx="1">
+            <a:schemeClr val="accent1"/>
+          </a:fillRef>
+          <a:effectRef idx="0">
+            <a:schemeClr val="accent1"/>
+          </a:effectRef>
+          <a:fontRef idx="minor">
+            <a:schemeClr val="lt1"/>
+          </a:fontRef>
+        </p:style>
+        <p:txBody>
+          <a:bodyPr rtlCol="0" anchor="ctr"/>
+          <a:lstStyle/>
+          <a:p>
+            <a:pPr algn="ctr"/>
+            <a:endParaRPr lang="en-US"/>
+          </a:p>
+        </p:txBody>
+      </p:sp>
+      <p:sp>
+        <p:nvSpPr>
+          <p:cNvPr id="1045" name="Rectangle 1038">
+            <a:extLst>
+              <a:ext uri="{FF2B5EF4-FFF2-40B4-BE49-F238E27FC236}">
+                <a16:creationId xmlns:a16="http://schemas.microsoft.com/office/drawing/2014/main" id="{EDB22208-7603-D1C0-73ED-0A63A1C9661B}"/>
+              </a:ext>
+              <a:ext uri="{C183D7F6-B498-43B3-948B-1728B52AA6E4}">
+                <adec:decorative xmlns:adec="http://schemas.microsoft.com/office/drawing/2017/decorative" val="1"/>
+              </a:ext>
+            </a:extLst>
+          </p:cNvPr>
+          <p:cNvSpPr>
+            <a:spLocks noGrp="1" noRot="1" noChangeAspect="1" noMove="1" noResize="1" noEditPoints="1" noAdjustHandles="1" noChangeArrowheads="1" noChangeShapeType="1" noTextEdit="1"/>
+          </p:cNvSpPr>
+          <p:nvPr>
+            <p:extLst>
+              <p:ext uri="{386F3935-93C4-4BCD-93E2-E3B085C9AB24}">
+                <p16:designElem xmlns:p16="http://schemas.microsoft.com/office/powerpoint/2015/main" val="1"/>
+              </p:ext>
+            </p:extLst>
+          </p:nvPr>
+        </p:nvSpPr>
+        <p:spPr>
+          <a:xfrm rot="10800000" flipH="1">
+            <a:off x="2" y="0"/>
+            <a:ext cx="12191998" cy="1575955"/>
+          </a:xfrm>
+          <a:prstGeom prst="rect">
+            <a:avLst/>
+          </a:prstGeom>
+          <a:gradFill>
+            <a:gsLst>
+              <a:gs pos="0">
+                <a:srgbClr val="000000">
+                  <a:alpha val="96000"/>
+                </a:srgbClr>
+              </a:gs>
+              <a:gs pos="100000">
+                <a:schemeClr val="accent1">
+                  <a:lumMod val="75000"/>
+                </a:schemeClr>
+              </a:gs>
+            </a:gsLst>
+            <a:lin ang="6000000" scaled="0"/>
+          </a:gradFill>
+          <a:ln>
+            <a:noFill/>
+          </a:ln>
+        </p:spPr>
+        <p:style>
+          <a:lnRef idx="2">
+            <a:schemeClr val="accent1">
+              <a:shade val="50000"/>
+            </a:schemeClr>
+          </a:lnRef>
+          <a:fillRef idx="1">
+            <a:schemeClr val="accent1"/>
+          </a:fillRef>
+          <a:effectRef idx="0">
+            <a:schemeClr val="accent1"/>
+          </a:effectRef>
+          <a:fontRef idx="minor">
+            <a:schemeClr val="lt1"/>
+          </a:fontRef>
+        </p:style>
+        <p:txBody>
+          <a:bodyPr rtlCol="0" anchor="ctr"/>
+          <a:lstStyle/>
+          <a:p>
+            <a:pPr algn="ctr"/>
+            <a:endParaRPr lang="en-US"/>
+          </a:p>
+        </p:txBody>
+      </p:sp>
+      <p:sp>
+        <p:nvSpPr>
+          <p:cNvPr id="1041" name="Rectangle 1040">
+            <a:extLst>
+              <a:ext uri="{FF2B5EF4-FFF2-40B4-BE49-F238E27FC236}">
+                <a16:creationId xmlns:a16="http://schemas.microsoft.com/office/drawing/2014/main" id="{AE8DA65C-0753-36D9-6277-CF57CF1B08E6}"/>
+              </a:ext>
+              <a:ext uri="{C183D7F6-B498-43B3-948B-1728B52AA6E4}">
+                <adec:decorative xmlns:adec="http://schemas.microsoft.com/office/drawing/2017/decorative" val="1"/>
+              </a:ext>
+            </a:extLst>
+          </p:cNvPr>
+          <p:cNvSpPr>
+            <a:spLocks noGrp="1" noRot="1" noChangeAspect="1" noMove="1" noResize="1" noEditPoints="1" noAdjustHandles="1" noChangeArrowheads="1" noChangeShapeType="1" noTextEdit="1"/>
+          </p:cNvSpPr>
+          <p:nvPr>
+            <p:extLst>
+              <p:ext uri="{386F3935-93C4-4BCD-93E2-E3B085C9AB24}">
+                <p16:designElem xmlns:p16="http://schemas.microsoft.com/office/powerpoint/2015/main" val="1"/>
+              </p:ext>
+            </p:extLst>
+          </p:nvPr>
+        </p:nvSpPr>
+        <p:spPr>
+          <a:xfrm>
+            <a:off x="0" y="0"/>
+            <a:ext cx="8128856" cy="1575461"/>
+          </a:xfrm>
+          <a:prstGeom prst="rect">
+            <a:avLst/>
+          </a:prstGeom>
+          <a:gradFill>
+            <a:gsLst>
+              <a:gs pos="0">
+                <a:schemeClr val="accent1">
+                  <a:alpha val="41000"/>
+                </a:schemeClr>
+              </a:gs>
+              <a:gs pos="74000">
+                <a:schemeClr val="accent1">
+                  <a:lumMod val="60000"/>
+                  <a:lumOff val="40000"/>
+                  <a:alpha val="0"/>
+                </a:schemeClr>
+              </a:gs>
+            </a:gsLst>
+            <a:lin ang="8400000" scaled="0"/>
+          </a:gradFill>
+          <a:ln>
+            <a:noFill/>
+          </a:ln>
+        </p:spPr>
+        <p:style>
+          <a:lnRef idx="2">
+            <a:schemeClr val="accent1">
+              <a:shade val="50000"/>
+            </a:schemeClr>
+          </a:lnRef>
+          <a:fillRef idx="1">
+            <a:schemeClr val="accent1"/>
+          </a:fillRef>
+          <a:effectRef idx="0">
+            <a:schemeClr val="accent1"/>
+          </a:effectRef>
+          <a:fontRef idx="minor">
+            <a:schemeClr val="lt1"/>
+          </a:fontRef>
+        </p:style>
+        <p:txBody>
+          <a:bodyPr rtlCol="0" anchor="ctr"/>
+          <a:lstStyle/>
+          <a:p>
+            <a:pPr algn="ctr"/>
+            <a:endParaRPr lang="en-US"/>
+          </a:p>
+        </p:txBody>
+      </p:sp>
+      <p:sp>
+        <p:nvSpPr>
+          <p:cNvPr id="1048" name="Rectangle 1042">
+            <a:extLst>
+              <a:ext uri="{FF2B5EF4-FFF2-40B4-BE49-F238E27FC236}">
+                <a16:creationId xmlns:a16="http://schemas.microsoft.com/office/drawing/2014/main" id="{3BF39C0A-6538-6824-53CD-184422565E5A}"/>
+              </a:ext>
+              <a:ext uri="{C183D7F6-B498-43B3-948B-1728B52AA6E4}">
+                <adec:decorative xmlns:adec="http://schemas.microsoft.com/office/drawing/2017/decorative" val="1"/>
+              </a:ext>
+            </a:extLst>
+          </p:cNvPr>
+          <p:cNvSpPr>
+            <a:spLocks noGrp="1" noRot="1" noChangeAspect="1" noMove="1" noResize="1" noEditPoints="1" noAdjustHandles="1" noChangeArrowheads="1" noChangeShapeType="1" noTextEdit="1"/>
+          </p:cNvSpPr>
+          <p:nvPr>
+            <p:extLst>
+              <p:ext uri="{386F3935-93C4-4BCD-93E2-E3B085C9AB24}">
+                <p16:designElem xmlns:p16="http://schemas.microsoft.com/office/powerpoint/2015/main" val="1"/>
+              </p:ext>
+            </p:extLst>
+          </p:nvPr>
+        </p:nvSpPr>
+        <p:spPr>
+          <a:xfrm flipH="1">
+            <a:off x="-3" y="-1"/>
+            <a:ext cx="12192002" cy="1574311"/>
+          </a:xfrm>
+          <a:prstGeom prst="rect">
+            <a:avLst/>
+          </a:prstGeom>
+          <a:gradFill>
+            <a:gsLst>
+              <a:gs pos="0">
+                <a:srgbClr val="000000">
+                  <a:alpha val="63000"/>
+                </a:srgbClr>
+              </a:gs>
+              <a:gs pos="78000">
+                <a:schemeClr val="accent1">
+                  <a:alpha val="15000"/>
+                </a:schemeClr>
+              </a:gs>
+            </a:gsLst>
+            <a:lin ang="15600000" scaled="0"/>
+          </a:gradFill>
+          <a:ln>
+            <a:noFill/>
+          </a:ln>
+        </p:spPr>
+        <p:style>
+          <a:lnRef idx="2">
+            <a:schemeClr val="accent1">
+              <a:shade val="50000"/>
+            </a:schemeClr>
+          </a:lnRef>
+          <a:fillRef idx="1">
+            <a:schemeClr val="accent1"/>
+          </a:fillRef>
+          <a:effectRef idx="0">
+            <a:schemeClr val="accent1"/>
+          </a:effectRef>
+          <a:fontRef idx="minor">
+            <a:schemeClr val="lt1"/>
+          </a:fontRef>
+        </p:style>
+        <p:txBody>
+          <a:bodyPr rtlCol="0" anchor="ctr"/>
+          <a:lstStyle/>
+          <a:p>
+            <a:pPr algn="ctr"/>
+            <a:endParaRPr lang="en-US"/>
+          </a:p>
+        </p:txBody>
+      </p:sp>
+      <p:sp>
+        <p:nvSpPr>
+          <p:cNvPr id="2" name="Titel 1">
+            <a:extLst>
+              <a:ext uri="{FF2B5EF4-FFF2-40B4-BE49-F238E27FC236}">
+                <a16:creationId xmlns:a16="http://schemas.microsoft.com/office/drawing/2014/main" id="{6EA6D064-B342-4602-0AA7-0414D3A0EEE7}"/>
+              </a:ext>
+            </a:extLst>
+          </p:cNvPr>
+          <p:cNvSpPr>
+            <a:spLocks noGrp="1"/>
+          </p:cNvSpPr>
+          <p:nvPr>
+            <p:ph type="title"/>
+          </p:nvPr>
+        </p:nvSpPr>
+        <p:spPr>
+          <a:xfrm>
+            <a:off x="699713" y="248038"/>
+            <a:ext cx="7063721" cy="1159200"/>
+          </a:xfrm>
+        </p:spPr>
+        <p:txBody>
+          <a:bodyPr vert="horz" lIns="91440" tIns="45720" rIns="91440" bIns="45720" rtlCol="0" anchor="ctr">
+            <a:normAutofit/>
+          </a:bodyPr>
+          <a:lstStyle/>
+          <a:p>
+            <a:r>
+              <a:rPr lang="en-US" sz="4000" dirty="0" err="1">
+                <a:solidFill>
+                  <a:srgbClr val="FFFFFF"/>
+                </a:solidFill>
+              </a:rPr>
+              <a:t>Funktionsweise</a:t>
+            </a:r>
+            <a:r>
+              <a:rPr lang="en-US" sz="4000" dirty="0">
+                <a:solidFill>
+                  <a:srgbClr val="FFFFFF"/>
+                </a:solidFill>
+              </a:rPr>
+              <a:t> (</a:t>
+            </a:r>
+            <a:r>
+              <a:rPr lang="en-US" sz="4000" dirty="0" err="1">
+                <a:solidFill>
+                  <a:srgbClr val="FFFFFF"/>
+                </a:solidFill>
+              </a:rPr>
+              <a:t>Anfragen</a:t>
+            </a:r>
+            <a:r>
+              <a:rPr lang="en-US" sz="4000" dirty="0">
+                <a:solidFill>
+                  <a:srgbClr val="FFFFFF"/>
+                </a:solidFill>
+              </a:rPr>
+              <a:t>)</a:t>
+            </a:r>
+            <a:endParaRPr lang="en-US" sz="4000" kern="1200" dirty="0">
+              <a:solidFill>
+                <a:srgbClr val="FFFFFF"/>
+              </a:solidFill>
+              <a:latin typeface="+mj-lt"/>
+              <a:ea typeface="+mj-ea"/>
+              <a:cs typeface="+mj-cs"/>
+            </a:endParaRPr>
+          </a:p>
+        </p:txBody>
+      </p:sp>
+      <p:pic>
+        <p:nvPicPr>
+          <p:cNvPr id="4" name="Grafik 3">
+            <a:extLst>
+              <a:ext uri="{FF2B5EF4-FFF2-40B4-BE49-F238E27FC236}">
+                <a16:creationId xmlns:a16="http://schemas.microsoft.com/office/drawing/2014/main" id="{2463B152-594E-58CD-49A3-AC5679A909E1}"/>
+              </a:ext>
+            </a:extLst>
+          </p:cNvPr>
+          <p:cNvPicPr>
+            <a:picLocks noChangeAspect="1"/>
+          </p:cNvPicPr>
+          <p:nvPr/>
+        </p:nvPicPr>
+        <p:blipFill>
+          <a:blip r:embed="rId3">
+            <a:extLst>
+              <a:ext uri="{28A0092B-C50C-407E-A947-70E740481C1C}">
+                <a14:useLocalDpi xmlns:a14="http://schemas.microsoft.com/office/drawing/2010/main" val="0"/>
+              </a:ext>
+            </a:extLst>
+          </a:blip>
+          <a:srcRect l="-2" t="37066" r="-100" b="26521"/>
+          <a:stretch>
+            <a:fillRect/>
+          </a:stretch>
+        </p:blipFill>
+        <p:spPr>
+          <a:xfrm>
+            <a:off x="2456933" y="1574310"/>
+            <a:ext cx="7278133" cy="5378940"/>
+          </a:xfrm>
+          <a:prstGeom prst="rect">
+            <a:avLst/>
+          </a:prstGeom>
+        </p:spPr>
+      </p:pic>
+      <p:pic>
+        <p:nvPicPr>
+          <p:cNvPr id="7" name="Grafik 6">
+            <a:extLst>
+              <a:ext uri="{FF2B5EF4-FFF2-40B4-BE49-F238E27FC236}">
+                <a16:creationId xmlns:a16="http://schemas.microsoft.com/office/drawing/2014/main" id="{FDD63499-D42F-4A32-F325-E9B3B379E9EC}"/>
+              </a:ext>
+            </a:extLst>
+          </p:cNvPr>
+          <p:cNvPicPr>
+            <a:picLocks noChangeAspect="1"/>
+          </p:cNvPicPr>
+          <p:nvPr/>
+        </p:nvPicPr>
+        <p:blipFill>
+          <a:blip r:embed="rId4"/>
+          <a:stretch>
+            <a:fillRect/>
+          </a:stretch>
+        </p:blipFill>
+        <p:spPr>
+          <a:xfrm>
+            <a:off x="2147902" y="1841278"/>
+            <a:ext cx="9854825" cy="3175444"/>
+          </a:xfrm>
+          <a:prstGeom prst="roundRect">
+            <a:avLst>
+              <a:gd name="adj" fmla="val 8594"/>
+            </a:avLst>
+          </a:prstGeom>
+          <a:solidFill>
+            <a:srgbClr val="FFFFFF">
+              <a:shade val="85000"/>
+            </a:srgbClr>
+          </a:solidFill>
+          <a:ln>
+            <a:noFill/>
+          </a:ln>
+          <a:effectLst>
+            <a:outerShdw blurRad="50800" dist="38100" dir="5400000" algn="t" rotWithShape="0">
+              <a:prstClr val="black">
+                <a:alpha val="40000"/>
+              </a:prstClr>
+            </a:outerShdw>
+          </a:effectLst>
+        </p:spPr>
+      </p:pic>
+    </p:spTree>
+    <p:extLst>
+      <p:ext uri="{BB962C8B-B14F-4D97-AF65-F5344CB8AC3E}">
+        <p14:creationId xmlns:p14="http://schemas.microsoft.com/office/powerpoint/2010/main" val="3453384452"/>
+      </p:ext>
+    </p:extLst>
+  </p:cSld>
+  <p:clrMapOvr>
+    <a:masterClrMapping/>
+  </p:clrMapOvr>
+  <p:timing>
+    <p:tnLst>
+      <p:par>
+        <p:cTn id="1" dur="indefinite" restart="never" nodeType="tmRoot">
+          <p:childTnLst>
+            <p:seq concurrent="1" nextAc="seek">
+              <p:cTn id="2" dur="indefinite" nodeType="mainSeq">
+                <p:childTnLst>
+                  <p:par>
+                    <p:cTn id="3" fill="hold">
+                      <p:stCondLst>
+                        <p:cond delay="indefinite"/>
+                      </p:stCondLst>
+                      <p:childTnLst>
+                        <p:par>
+                          <p:cTn id="4" fill="hold">
+                            <p:stCondLst>
+                              <p:cond delay="0"/>
+                            </p:stCondLst>
+                            <p:childTnLst>
+                              <p:par>
+                                <p:cTn id="5" presetID="10" presetClass="entr" presetSubtype="0" fill="hold" nodeType="clickEffect">
+                                  <p:stCondLst>
+                                    <p:cond delay="0"/>
+                                  </p:stCondLst>
+                                  <p:childTnLst>
+                                    <p:set>
+                                      <p:cBhvr>
+                                        <p:cTn id="6" dur="1" fill="hold">
+                                          <p:stCondLst>
+                                            <p:cond delay="0"/>
+                                          </p:stCondLst>
+                                        </p:cTn>
+                                        <p:tgtEl>
+                                          <p:spTgt spid="7"/>
+                                        </p:tgtEl>
+                                        <p:attrNameLst>
+                                          <p:attrName>style.visibility</p:attrName>
+                                        </p:attrNameLst>
+                                      </p:cBhvr>
+                                      <p:to>
+                                        <p:strVal val="visible"/>
+                                      </p:to>
+                                    </p:set>
+                                    <p:animEffect transition="in" filter="fade">
+                                      <p:cBhvr>
+                                        <p:cTn id="7" dur="500"/>
+                                        <p:tgtEl>
+                                          <p:spTgt spid="7"/>
+                                        </p:tgtEl>
+                                      </p:cBhvr>
+                                    </p:animEffect>
+                                  </p:childTnLst>
+                                </p:cTn>
+                              </p:par>
+                            </p:childTnLst>
+                          </p:cTn>
+                        </p:par>
+                      </p:childTnLst>
+                    </p:cTn>
+                  </p:par>
+                </p:childTnLst>
+              </p:cTn>
+              <p:prevCondLst>
+                <p:cond evt="onPrev" delay="0">
+                  <p:tgtEl>
+                    <p:sldTgt/>
+                  </p:tgtEl>
+                </p:cond>
+              </p:prevCondLst>
+              <p:nextCondLst>
+                <p:cond evt="onNext" delay="0">
+                  <p:tgtEl>
+                    <p:sldTgt/>
+                  </p:tgtEl>
+                </p:cond>
+              </p:nextCondLst>
+            </p:seq>
+          </p:childTnLst>
+        </p:cTn>
+      </p:par>
+    </p:tnLst>
+  </p:timing>
+</p:sld>
+</file>
+
+<file path=ppt/slides/slide6.xml><?xml version="1.0" encoding="utf-8"?>
+<p:sld xmlns:a="http://schemas.openxmlformats.org/drawingml/2006/main" xmlns:r="http://schemas.openxmlformats.org/officeDocument/2006/relationships" xmlns:p="http://schemas.openxmlformats.org/presentationml/2006/main">
+  <p:cSld>
+    <p:bg>
+      <p:bgPr>
+        <a:solidFill>
+          <a:schemeClr val="bg1"/>
+        </a:solidFill>
+        <a:effectLst/>
+      </p:bgPr>
+    </p:bg>
+    <p:spTree>
+      <p:nvGrpSpPr>
+        <p:cNvPr id="1" name="">
+          <a:extLst>
+            <a:ext uri="{FF2B5EF4-FFF2-40B4-BE49-F238E27FC236}">
+              <a16:creationId xmlns:a16="http://schemas.microsoft.com/office/drawing/2014/main" id="{ECD06373-1075-2C25-7FAA-82164E99FAA5}"/>
+            </a:ext>
+          </a:extLst>
+        </p:cNvPr>
+        <p:cNvGrpSpPr/>
+        <p:nvPr/>
+      </p:nvGrpSpPr>
+      <p:grpSpPr>
+        <a:xfrm>
+          <a:off x="0" y="0"/>
+          <a:ext cx="0" cy="0"/>
+          <a:chOff x="0" y="0"/>
+          <a:chExt cx="0" cy="0"/>
+        </a:xfrm>
+      </p:grpSpPr>
+      <p:sp useBgFill="1">
+        <p:nvSpPr>
+          <p:cNvPr id="1036" name="Rectangle 1036">
+            <a:extLst>
+              <a:ext uri="{FF2B5EF4-FFF2-40B4-BE49-F238E27FC236}">
+                <a16:creationId xmlns:a16="http://schemas.microsoft.com/office/drawing/2014/main" id="{AFE84F98-90FB-D1BE-F907-BC7B41781F5F}"/>
+              </a:ext>
+              <a:ext uri="{C183D7F6-B498-43B3-948B-1728B52AA6E4}">
+                <adec:decorative xmlns:adec="http://schemas.microsoft.com/office/drawing/2017/decorative" val="1"/>
+              </a:ext>
+            </a:extLst>
+          </p:cNvPr>
+          <p:cNvSpPr>
+            <a:spLocks noGrp="1" noRot="1" noChangeAspect="1" noMove="1" noResize="1" noEditPoints="1" noAdjustHandles="1" noChangeArrowheads="1" noChangeShapeType="1" noTextEdit="1"/>
+          </p:cNvSpPr>
+          <p:nvPr>
+            <p:extLst>
+              <p:ext uri="{386F3935-93C4-4BCD-93E2-E3B085C9AB24}">
+                <p16:designElem xmlns:p16="http://schemas.microsoft.com/office/powerpoint/2015/main" val="1"/>
+              </p:ext>
+            </p:extLst>
+          </p:nvPr>
+        </p:nvSpPr>
+        <p:spPr>
+          <a:xfrm>
+            <a:off x="0" y="0"/>
+            <a:ext cx="12192000" cy="6858000"/>
+          </a:xfrm>
+          <a:prstGeom prst="rect">
+            <a:avLst/>
+          </a:prstGeom>
+          <a:ln w="12700" cap="flat" cmpd="sng" algn="ctr">
+            <a:noFill/>
+            <a:prstDash val="solid"/>
+            <a:miter lim="800000"/>
+          </a:ln>
+          <a:effectLst/>
+          <a:extLst>
+            <a:ext uri="{91240B29-F687-4F45-9708-019B960494DF}">
+              <a14:hiddenLine xmlns:a14="http://schemas.microsoft.com/office/drawing/2010/main" w="12700" cap="flat" cmpd="sng" algn="ctr">
+                <a:solidFill>
+                  <a:schemeClr val="accent1">
+                    <a:shade val="50000"/>
+                  </a:schemeClr>
+                </a:solidFill>
+                <a:prstDash val="solid"/>
+                <a:miter lim="800000"/>
+              </a14:hiddenLine>
+            </a:ext>
+          </a:extLst>
+        </p:spPr>
+        <p:style>
+          <a:lnRef idx="2">
+            <a:schemeClr val="accent1">
+              <a:shade val="50000"/>
+            </a:schemeClr>
+          </a:lnRef>
+          <a:fillRef idx="1">
+            <a:schemeClr val="accent1"/>
+          </a:fillRef>
+          <a:effectRef idx="0">
+            <a:schemeClr val="accent1"/>
+          </a:effectRef>
+          <a:fontRef idx="minor">
+            <a:schemeClr val="lt1"/>
+          </a:fontRef>
+        </p:style>
+        <p:txBody>
+          <a:bodyPr rtlCol="0" anchor="ctr"/>
+          <a:lstStyle/>
+          <a:p>
+            <a:pPr algn="ctr"/>
+            <a:endParaRPr lang="en-US"/>
+          </a:p>
+        </p:txBody>
+      </p:sp>
+      <p:sp>
+        <p:nvSpPr>
+          <p:cNvPr id="1045" name="Rectangle 1038">
+            <a:extLst>
+              <a:ext uri="{FF2B5EF4-FFF2-40B4-BE49-F238E27FC236}">
+                <a16:creationId xmlns:a16="http://schemas.microsoft.com/office/drawing/2014/main" id="{62C16137-F9F1-7289-CEF7-DFC5EE22112C}"/>
+              </a:ext>
+              <a:ext uri="{C183D7F6-B498-43B3-948B-1728B52AA6E4}">
+                <adec:decorative xmlns:adec="http://schemas.microsoft.com/office/drawing/2017/decorative" val="1"/>
+              </a:ext>
+            </a:extLst>
+          </p:cNvPr>
+          <p:cNvSpPr>
+            <a:spLocks noGrp="1" noRot="1" noChangeAspect="1" noMove="1" noResize="1" noEditPoints="1" noAdjustHandles="1" noChangeArrowheads="1" noChangeShapeType="1" noTextEdit="1"/>
+          </p:cNvSpPr>
+          <p:nvPr>
+            <p:extLst>
+              <p:ext uri="{386F3935-93C4-4BCD-93E2-E3B085C9AB24}">
+                <p16:designElem xmlns:p16="http://schemas.microsoft.com/office/powerpoint/2015/main" val="1"/>
+              </p:ext>
+            </p:extLst>
+          </p:nvPr>
+        </p:nvSpPr>
+        <p:spPr>
+          <a:xfrm rot="10800000" flipH="1">
+            <a:off x="2" y="0"/>
+            <a:ext cx="12191998" cy="1575955"/>
+          </a:xfrm>
+          <a:prstGeom prst="rect">
+            <a:avLst/>
+          </a:prstGeom>
+          <a:gradFill>
+            <a:gsLst>
+              <a:gs pos="0">
+                <a:srgbClr val="000000">
+                  <a:alpha val="96000"/>
+                </a:srgbClr>
+              </a:gs>
+              <a:gs pos="100000">
+                <a:schemeClr val="accent1">
+                  <a:lumMod val="75000"/>
+                </a:schemeClr>
+              </a:gs>
+            </a:gsLst>
+            <a:lin ang="6000000" scaled="0"/>
+          </a:gradFill>
+          <a:ln>
+            <a:noFill/>
+          </a:ln>
+        </p:spPr>
+        <p:style>
+          <a:lnRef idx="2">
+            <a:schemeClr val="accent1">
+              <a:shade val="50000"/>
+            </a:schemeClr>
+          </a:lnRef>
+          <a:fillRef idx="1">
+            <a:schemeClr val="accent1"/>
+          </a:fillRef>
+          <a:effectRef idx="0">
+            <a:schemeClr val="accent1"/>
+          </a:effectRef>
+          <a:fontRef idx="minor">
+            <a:schemeClr val="lt1"/>
+          </a:fontRef>
+        </p:style>
+        <p:txBody>
+          <a:bodyPr rtlCol="0" anchor="ctr"/>
+          <a:lstStyle/>
+          <a:p>
+            <a:pPr algn="ctr"/>
+            <a:endParaRPr lang="en-US"/>
+          </a:p>
+        </p:txBody>
+      </p:sp>
+      <p:sp>
+        <p:nvSpPr>
+          <p:cNvPr id="1041" name="Rectangle 1040">
+            <a:extLst>
+              <a:ext uri="{FF2B5EF4-FFF2-40B4-BE49-F238E27FC236}">
+                <a16:creationId xmlns:a16="http://schemas.microsoft.com/office/drawing/2014/main" id="{AB4732C3-6DB8-AE0E-97A1-0CA0527D1B0D}"/>
+              </a:ext>
+              <a:ext uri="{C183D7F6-B498-43B3-948B-1728B52AA6E4}">
+                <adec:decorative xmlns:adec="http://schemas.microsoft.com/office/drawing/2017/decorative" val="1"/>
+              </a:ext>
+            </a:extLst>
+          </p:cNvPr>
+          <p:cNvSpPr>
+            <a:spLocks noGrp="1" noRot="1" noChangeAspect="1" noMove="1" noResize="1" noEditPoints="1" noAdjustHandles="1" noChangeArrowheads="1" noChangeShapeType="1" noTextEdit="1"/>
+          </p:cNvSpPr>
+          <p:nvPr>
+            <p:extLst>
+              <p:ext uri="{386F3935-93C4-4BCD-93E2-E3B085C9AB24}">
+                <p16:designElem xmlns:p16="http://schemas.microsoft.com/office/powerpoint/2015/main" val="1"/>
+              </p:ext>
+            </p:extLst>
+          </p:nvPr>
+        </p:nvSpPr>
+        <p:spPr>
+          <a:xfrm>
+            <a:off x="0" y="0"/>
+            <a:ext cx="8128856" cy="1575461"/>
+          </a:xfrm>
+          <a:prstGeom prst="rect">
+            <a:avLst/>
+          </a:prstGeom>
+          <a:gradFill>
+            <a:gsLst>
+              <a:gs pos="0">
+                <a:schemeClr val="accent1">
+                  <a:alpha val="41000"/>
+                </a:schemeClr>
+              </a:gs>
+              <a:gs pos="74000">
+                <a:schemeClr val="accent1">
+                  <a:lumMod val="60000"/>
+                  <a:lumOff val="40000"/>
+                  <a:alpha val="0"/>
+                </a:schemeClr>
+              </a:gs>
+            </a:gsLst>
+            <a:lin ang="8400000" scaled="0"/>
+          </a:gradFill>
+          <a:ln>
+            <a:noFill/>
+          </a:ln>
+        </p:spPr>
+        <p:style>
+          <a:lnRef idx="2">
+            <a:schemeClr val="accent1">
+              <a:shade val="50000"/>
+            </a:schemeClr>
+          </a:lnRef>
+          <a:fillRef idx="1">
+            <a:schemeClr val="accent1"/>
+          </a:fillRef>
+          <a:effectRef idx="0">
+            <a:schemeClr val="accent1"/>
+          </a:effectRef>
+          <a:fontRef idx="minor">
+            <a:schemeClr val="lt1"/>
+          </a:fontRef>
+        </p:style>
+        <p:txBody>
+          <a:bodyPr rtlCol="0" anchor="ctr"/>
+          <a:lstStyle/>
+          <a:p>
+            <a:pPr algn="ctr"/>
+            <a:endParaRPr lang="en-US"/>
+          </a:p>
+        </p:txBody>
+      </p:sp>
+      <p:sp>
+        <p:nvSpPr>
+          <p:cNvPr id="1048" name="Rectangle 1042">
+            <a:extLst>
+              <a:ext uri="{FF2B5EF4-FFF2-40B4-BE49-F238E27FC236}">
+                <a16:creationId xmlns:a16="http://schemas.microsoft.com/office/drawing/2014/main" id="{6D5B2172-04B1-0076-A8FE-7DFC57EBDCCD}"/>
+              </a:ext>
+              <a:ext uri="{C183D7F6-B498-43B3-948B-1728B52AA6E4}">
+                <adec:decorative xmlns:adec="http://schemas.microsoft.com/office/drawing/2017/decorative" val="1"/>
+              </a:ext>
+            </a:extLst>
+          </p:cNvPr>
+          <p:cNvSpPr>
+            <a:spLocks noGrp="1" noRot="1" noChangeAspect="1" noMove="1" noResize="1" noEditPoints="1" noAdjustHandles="1" noChangeArrowheads="1" noChangeShapeType="1" noTextEdit="1"/>
+          </p:cNvSpPr>
+          <p:nvPr>
+            <p:extLst>
+              <p:ext uri="{386F3935-93C4-4BCD-93E2-E3B085C9AB24}">
+                <p16:designElem xmlns:p16="http://schemas.microsoft.com/office/powerpoint/2015/main" val="1"/>
+              </p:ext>
+            </p:extLst>
+          </p:nvPr>
+        </p:nvSpPr>
+        <p:spPr>
+          <a:xfrm flipH="1">
+            <a:off x="-3" y="-1"/>
+            <a:ext cx="12192002" cy="1574311"/>
+          </a:xfrm>
+          <a:prstGeom prst="rect">
+            <a:avLst/>
+          </a:prstGeom>
+          <a:gradFill>
+            <a:gsLst>
+              <a:gs pos="0">
+                <a:srgbClr val="000000">
+                  <a:alpha val="63000"/>
+                </a:srgbClr>
+              </a:gs>
+              <a:gs pos="78000">
+                <a:schemeClr val="accent1">
+                  <a:alpha val="15000"/>
+                </a:schemeClr>
+              </a:gs>
+            </a:gsLst>
+            <a:lin ang="15600000" scaled="0"/>
+          </a:gradFill>
+          <a:ln>
+            <a:noFill/>
+          </a:ln>
+        </p:spPr>
+        <p:style>
+          <a:lnRef idx="2">
+            <a:schemeClr val="accent1">
+              <a:shade val="50000"/>
+            </a:schemeClr>
+          </a:lnRef>
+          <a:fillRef idx="1">
+            <a:schemeClr val="accent1"/>
+          </a:fillRef>
+          <a:effectRef idx="0">
+            <a:schemeClr val="accent1"/>
+          </a:effectRef>
+          <a:fontRef idx="minor">
+            <a:schemeClr val="lt1"/>
+          </a:fontRef>
+        </p:style>
+        <p:txBody>
+          <a:bodyPr rtlCol="0" anchor="ctr"/>
+          <a:lstStyle/>
+          <a:p>
+            <a:pPr algn="ctr"/>
+            <a:endParaRPr lang="en-US"/>
+          </a:p>
+        </p:txBody>
+      </p:sp>
+      <p:sp>
+        <p:nvSpPr>
+          <p:cNvPr id="2" name="Titel 1">
+            <a:extLst>
+              <a:ext uri="{FF2B5EF4-FFF2-40B4-BE49-F238E27FC236}">
+                <a16:creationId xmlns:a16="http://schemas.microsoft.com/office/drawing/2014/main" id="{EC2FFBD0-17C3-E0F5-C0FC-69A9BA4BF868}"/>
+              </a:ext>
+            </a:extLst>
+          </p:cNvPr>
+          <p:cNvSpPr>
+            <a:spLocks noGrp="1"/>
+          </p:cNvSpPr>
+          <p:nvPr>
+            <p:ph type="title"/>
+          </p:nvPr>
+        </p:nvSpPr>
+        <p:spPr>
+          <a:xfrm>
+            <a:off x="699713" y="248038"/>
+            <a:ext cx="7063721" cy="1159200"/>
+          </a:xfrm>
+        </p:spPr>
+        <p:txBody>
+          <a:bodyPr vert="horz" lIns="91440" tIns="45720" rIns="91440" bIns="45720" rtlCol="0" anchor="ctr">
+            <a:normAutofit/>
+          </a:bodyPr>
+          <a:lstStyle/>
+          <a:p>
+            <a:r>
+              <a:rPr lang="en-US" sz="4000" dirty="0" err="1">
+                <a:solidFill>
+                  <a:srgbClr val="FFFFFF"/>
+                </a:solidFill>
+              </a:rPr>
+              <a:t>Funktionsweise</a:t>
+            </a:r>
+            <a:r>
+              <a:rPr lang="en-US" sz="4000" dirty="0">
+                <a:solidFill>
+                  <a:srgbClr val="FFFFFF"/>
+                </a:solidFill>
+              </a:rPr>
+              <a:t> (</a:t>
+            </a:r>
+            <a:r>
+              <a:rPr lang="en-US" sz="4000" dirty="0" err="1">
+                <a:solidFill>
+                  <a:srgbClr val="FFFFFF"/>
+                </a:solidFill>
+              </a:rPr>
+              <a:t>Anfragen</a:t>
+            </a:r>
+            <a:r>
+              <a:rPr lang="en-US" sz="4000" dirty="0">
+                <a:solidFill>
+                  <a:srgbClr val="FFFFFF"/>
+                </a:solidFill>
+              </a:rPr>
+              <a:t>)</a:t>
+            </a:r>
+            <a:endParaRPr lang="en-US" sz="4000" kern="1200" dirty="0">
+              <a:solidFill>
+                <a:srgbClr val="FFFFFF"/>
+              </a:solidFill>
+              <a:latin typeface="+mj-lt"/>
+              <a:ea typeface="+mj-ea"/>
+              <a:cs typeface="+mj-cs"/>
+            </a:endParaRPr>
+          </a:p>
+        </p:txBody>
+      </p:sp>
+      <p:pic>
+        <p:nvPicPr>
+          <p:cNvPr id="3" name="Grafik 2">
+            <a:extLst>
+              <a:ext uri="{FF2B5EF4-FFF2-40B4-BE49-F238E27FC236}">
+                <a16:creationId xmlns:a16="http://schemas.microsoft.com/office/drawing/2014/main" id="{A15F585D-9D02-86A3-C19C-15EA2E398C66}"/>
+              </a:ext>
+            </a:extLst>
+          </p:cNvPr>
+          <p:cNvPicPr>
+            <a:picLocks noChangeAspect="1"/>
+          </p:cNvPicPr>
+          <p:nvPr/>
+        </p:nvPicPr>
+        <p:blipFill>
+          <a:blip r:embed="rId3">
+            <a:extLst>
+              <a:ext uri="{28A0092B-C50C-407E-A947-70E740481C1C}">
+                <a14:useLocalDpi xmlns:a14="http://schemas.microsoft.com/office/drawing/2010/main" val="0"/>
+              </a:ext>
+            </a:extLst>
+          </a:blip>
+          <a:srcRect l="-2" t="72267" r="-100" b="-431"/>
+          <a:stretch>
+            <a:fillRect/>
+          </a:stretch>
+        </p:blipFill>
+        <p:spPr>
+          <a:xfrm>
+            <a:off x="2456931" y="1574310"/>
+            <a:ext cx="7278133" cy="4160352"/>
+          </a:xfrm>
+          <a:prstGeom prst="rect">
+            <a:avLst/>
+          </a:prstGeom>
+        </p:spPr>
+      </p:pic>
+    </p:spTree>
+    <p:extLst>
+      <p:ext uri="{BB962C8B-B14F-4D97-AF65-F5344CB8AC3E}">
+        <p14:creationId xmlns:p14="http://schemas.microsoft.com/office/powerpoint/2010/main" val="732126230"/>
+      </p:ext>
+    </p:extLst>
+  </p:cSld>
+  <p:clrMapOvr>
+    <a:masterClrMapping/>
+  </p:clrMapOvr>
+</p:sld>
+</file>
+
+<file path=ppt/slides/slide7.xml><?xml version="1.0" encoding="utf-8"?>
 <p:sld xmlns:a="http://schemas.openxmlformats.org/drawingml/2006/main" xmlns:r="http://schemas.openxmlformats.org/officeDocument/2006/relationships" xmlns:p="http://schemas.openxmlformats.org/presentationml/2006/main">
   <p:cSld>
     <p:bg>
@@ -19902,7 +22592,7 @@
 </p:sld>
 </file>
 
-<file path=ppt/slides/slide6.xml><?xml version="1.0" encoding="utf-8"?>
+<file path=ppt/slides/slide8.xml><?xml version="1.0" encoding="utf-8"?>
 <p:sld xmlns:a="http://schemas.openxmlformats.org/drawingml/2006/main" xmlns:r="http://schemas.openxmlformats.org/officeDocument/2006/relationships" xmlns:p="http://schemas.openxmlformats.org/presentationml/2006/main">
   <p:cSld>
     <p:bg>
@@ -20657,7 +23347,7 @@
 </p:sld>
 </file>
 
-<file path=ppt/slides/slide7.xml><?xml version="1.0" encoding="utf-8"?>
+<file path=ppt/slides/slide9.xml><?xml version="1.0" encoding="utf-8"?>
 <p:sld xmlns:a="http://schemas.openxmlformats.org/drawingml/2006/main" xmlns:r="http://schemas.openxmlformats.org/officeDocument/2006/relationships" xmlns:p="http://schemas.openxmlformats.org/presentationml/2006/main">
   <p:cSld>
     <p:bg>
@@ -21516,993 +24206,6 @@
     <p:extLst>
       <p:ext uri="{BB962C8B-B14F-4D97-AF65-F5344CB8AC3E}">
         <p14:creationId xmlns:p14="http://schemas.microsoft.com/office/powerpoint/2010/main" val="2460430242"/>
-      </p:ext>
-    </p:extLst>
-  </p:cSld>
-  <p:clrMapOvr>
-    <a:masterClrMapping/>
-  </p:clrMapOvr>
-</p:sld>
-</file>
-
-<file path=ppt/slides/slide8.xml><?xml version="1.0" encoding="utf-8"?>
-<p:sld xmlns:a="http://schemas.openxmlformats.org/drawingml/2006/main" xmlns:r="http://schemas.openxmlformats.org/officeDocument/2006/relationships" xmlns:p="http://schemas.openxmlformats.org/presentationml/2006/main">
-  <p:cSld>
-    <p:bg>
-      <p:bgPr>
-        <a:solidFill>
-          <a:schemeClr val="bg1"/>
-        </a:solidFill>
-        <a:effectLst/>
-      </p:bgPr>
-    </p:bg>
-    <p:spTree>
-      <p:nvGrpSpPr>
-        <p:cNvPr id="1" name="">
-          <a:extLst>
-            <a:ext uri="{FF2B5EF4-FFF2-40B4-BE49-F238E27FC236}">
-              <a16:creationId xmlns:a16="http://schemas.microsoft.com/office/drawing/2014/main" id="{FDA1917D-2573-D824-806D-617D6D68582E}"/>
-            </a:ext>
-          </a:extLst>
-        </p:cNvPr>
-        <p:cNvGrpSpPr/>
-        <p:nvPr/>
-      </p:nvGrpSpPr>
-      <p:grpSpPr>
-        <a:xfrm>
-          <a:off x="0" y="0"/>
-          <a:ext cx="0" cy="0"/>
-          <a:chOff x="0" y="0"/>
-          <a:chExt cx="0" cy="0"/>
-        </a:xfrm>
-      </p:grpSpPr>
-      <p:sp useBgFill="1">
-        <p:nvSpPr>
-          <p:cNvPr id="19" name="Rectangle 21">
-            <a:extLst>
-              <a:ext uri="{FF2B5EF4-FFF2-40B4-BE49-F238E27FC236}">
-                <a16:creationId xmlns:a16="http://schemas.microsoft.com/office/drawing/2014/main" id="{36808D3F-9F07-234C-8446-778EED32715D}"/>
-              </a:ext>
-              <a:ext uri="{C183D7F6-B498-43B3-948B-1728B52AA6E4}">
-                <adec:decorative xmlns:adec="http://schemas.microsoft.com/office/drawing/2017/decorative" val="1"/>
-              </a:ext>
-            </a:extLst>
-          </p:cNvPr>
-          <p:cNvSpPr>
-            <a:spLocks noGrp="1" noRot="1" noChangeAspect="1" noMove="1" noResize="1" noEditPoints="1" noAdjustHandles="1" noChangeArrowheads="1" noChangeShapeType="1" noTextEdit="1"/>
-          </p:cNvSpPr>
-          <p:nvPr>
-            <p:extLst>
-              <p:ext uri="{386F3935-93C4-4BCD-93E2-E3B085C9AB24}">
-                <p16:designElem xmlns:p16="http://schemas.microsoft.com/office/powerpoint/2015/main" val="1"/>
-              </p:ext>
-            </p:extLst>
-          </p:nvPr>
-        </p:nvSpPr>
-        <p:spPr>
-          <a:xfrm>
-            <a:off x="0" y="0"/>
-            <a:ext cx="12192000" cy="6858000"/>
-          </a:xfrm>
-          <a:prstGeom prst="rect">
-            <a:avLst/>
-          </a:prstGeom>
-          <a:ln w="12700" cap="flat" cmpd="sng" algn="ctr">
-            <a:noFill/>
-            <a:prstDash val="solid"/>
-            <a:miter lim="800000"/>
-          </a:ln>
-          <a:effectLst/>
-          <a:extLst>
-            <a:ext uri="{91240B29-F687-4F45-9708-019B960494DF}">
-              <a14:hiddenLine xmlns:a14="http://schemas.microsoft.com/office/drawing/2010/main" w="12700" cap="flat" cmpd="sng" algn="ctr">
-                <a:solidFill>
-                  <a:schemeClr val="accent1">
-                    <a:shade val="50000"/>
-                  </a:schemeClr>
-                </a:solidFill>
-                <a:prstDash val="solid"/>
-                <a:miter lim="800000"/>
-              </a14:hiddenLine>
-            </a:ext>
-          </a:extLst>
-        </p:spPr>
-        <p:style>
-          <a:lnRef idx="2">
-            <a:schemeClr val="accent1">
-              <a:shade val="50000"/>
-            </a:schemeClr>
-          </a:lnRef>
-          <a:fillRef idx="1">
-            <a:schemeClr val="accent1"/>
-          </a:fillRef>
-          <a:effectRef idx="0">
-            <a:schemeClr val="accent1"/>
-          </a:effectRef>
-          <a:fontRef idx="minor">
-            <a:schemeClr val="lt1"/>
-          </a:fontRef>
-        </p:style>
-        <p:txBody>
-          <a:bodyPr rtlCol="0" anchor="ctr"/>
-          <a:lstStyle/>
-          <a:p>
-            <a:pPr algn="ctr"/>
-            <a:endParaRPr lang="en-US"/>
-          </a:p>
-        </p:txBody>
-      </p:sp>
-      <p:sp>
-        <p:nvSpPr>
-          <p:cNvPr id="20" name="Rectangle 23">
-            <a:extLst>
-              <a:ext uri="{FF2B5EF4-FFF2-40B4-BE49-F238E27FC236}">
-                <a16:creationId xmlns:a16="http://schemas.microsoft.com/office/drawing/2014/main" id="{51FCB8FF-B6A3-A517-EC2D-F79F2355571F}"/>
-              </a:ext>
-              <a:ext uri="{C183D7F6-B498-43B3-948B-1728B52AA6E4}">
-                <adec:decorative xmlns:adec="http://schemas.microsoft.com/office/drawing/2017/decorative" val="1"/>
-              </a:ext>
-            </a:extLst>
-          </p:cNvPr>
-          <p:cNvSpPr>
-            <a:spLocks noGrp="1" noRot="1" noChangeAspect="1" noMove="1" noResize="1" noEditPoints="1" noAdjustHandles="1" noChangeArrowheads="1" noChangeShapeType="1" noTextEdit="1"/>
-          </p:cNvSpPr>
-          <p:nvPr>
-            <p:extLst>
-              <p:ext uri="{386F3935-93C4-4BCD-93E2-E3B085C9AB24}">
-                <p16:designElem xmlns:p16="http://schemas.microsoft.com/office/powerpoint/2015/main" val="1"/>
-              </p:ext>
-            </p:extLst>
-          </p:nvPr>
-        </p:nvSpPr>
-        <p:spPr>
-          <a:xfrm rot="10800000" flipH="1">
-            <a:off x="2" y="0"/>
-            <a:ext cx="12191998" cy="1575955"/>
-          </a:xfrm>
-          <a:prstGeom prst="rect">
-            <a:avLst/>
-          </a:prstGeom>
-          <a:gradFill>
-            <a:gsLst>
-              <a:gs pos="0">
-                <a:srgbClr val="000000">
-                  <a:alpha val="96000"/>
-                </a:srgbClr>
-              </a:gs>
-              <a:gs pos="100000">
-                <a:schemeClr val="accent1">
-                  <a:lumMod val="75000"/>
-                </a:schemeClr>
-              </a:gs>
-            </a:gsLst>
-            <a:lin ang="6000000" scaled="0"/>
-          </a:gradFill>
-          <a:ln>
-            <a:noFill/>
-          </a:ln>
-        </p:spPr>
-        <p:style>
-          <a:lnRef idx="2">
-            <a:schemeClr val="accent1">
-              <a:shade val="50000"/>
-            </a:schemeClr>
-          </a:lnRef>
-          <a:fillRef idx="1">
-            <a:schemeClr val="accent1"/>
-          </a:fillRef>
-          <a:effectRef idx="0">
-            <a:schemeClr val="accent1"/>
-          </a:effectRef>
-          <a:fontRef idx="minor">
-            <a:schemeClr val="lt1"/>
-          </a:fontRef>
-        </p:style>
-        <p:txBody>
-          <a:bodyPr rtlCol="0" anchor="ctr"/>
-          <a:lstStyle/>
-          <a:p>
-            <a:pPr algn="ctr"/>
-            <a:endParaRPr lang="en-US"/>
-          </a:p>
-        </p:txBody>
-      </p:sp>
-      <p:sp>
-        <p:nvSpPr>
-          <p:cNvPr id="21" name="Rectangle 25">
-            <a:extLst>
-              <a:ext uri="{FF2B5EF4-FFF2-40B4-BE49-F238E27FC236}">
-                <a16:creationId xmlns:a16="http://schemas.microsoft.com/office/drawing/2014/main" id="{B3134226-C052-9FDA-65B8-DA5181D1CA54}"/>
-              </a:ext>
-              <a:ext uri="{C183D7F6-B498-43B3-948B-1728B52AA6E4}">
-                <adec:decorative xmlns:adec="http://schemas.microsoft.com/office/drawing/2017/decorative" val="1"/>
-              </a:ext>
-            </a:extLst>
-          </p:cNvPr>
-          <p:cNvSpPr>
-            <a:spLocks noGrp="1" noRot="1" noChangeAspect="1" noMove="1" noResize="1" noEditPoints="1" noAdjustHandles="1" noChangeArrowheads="1" noChangeShapeType="1" noTextEdit="1"/>
-          </p:cNvSpPr>
-          <p:nvPr>
-            <p:extLst>
-              <p:ext uri="{386F3935-93C4-4BCD-93E2-E3B085C9AB24}">
-                <p16:designElem xmlns:p16="http://schemas.microsoft.com/office/powerpoint/2015/main" val="1"/>
-              </p:ext>
-            </p:extLst>
-          </p:nvPr>
-        </p:nvSpPr>
-        <p:spPr>
-          <a:xfrm>
-            <a:off x="0" y="0"/>
-            <a:ext cx="8128856" cy="1575461"/>
-          </a:xfrm>
-          <a:prstGeom prst="rect">
-            <a:avLst/>
-          </a:prstGeom>
-          <a:gradFill>
-            <a:gsLst>
-              <a:gs pos="0">
-                <a:schemeClr val="accent1">
-                  <a:alpha val="41000"/>
-                </a:schemeClr>
-              </a:gs>
-              <a:gs pos="74000">
-                <a:schemeClr val="accent1">
-                  <a:lumMod val="60000"/>
-                  <a:lumOff val="40000"/>
-                  <a:alpha val="0"/>
-                </a:schemeClr>
-              </a:gs>
-            </a:gsLst>
-            <a:lin ang="8400000" scaled="0"/>
-          </a:gradFill>
-          <a:ln>
-            <a:noFill/>
-          </a:ln>
-        </p:spPr>
-        <p:style>
-          <a:lnRef idx="2">
-            <a:schemeClr val="accent1">
-              <a:shade val="50000"/>
-            </a:schemeClr>
-          </a:lnRef>
-          <a:fillRef idx="1">
-            <a:schemeClr val="accent1"/>
-          </a:fillRef>
-          <a:effectRef idx="0">
-            <a:schemeClr val="accent1"/>
-          </a:effectRef>
-          <a:fontRef idx="minor">
-            <a:schemeClr val="lt1"/>
-          </a:fontRef>
-        </p:style>
-        <p:txBody>
-          <a:bodyPr rtlCol="0" anchor="ctr"/>
-          <a:lstStyle/>
-          <a:p>
-            <a:pPr algn="ctr"/>
-            <a:endParaRPr lang="en-US"/>
-          </a:p>
-        </p:txBody>
-      </p:sp>
-      <p:sp>
-        <p:nvSpPr>
-          <p:cNvPr id="23" name="Rectangle 27">
-            <a:extLst>
-              <a:ext uri="{FF2B5EF4-FFF2-40B4-BE49-F238E27FC236}">
-                <a16:creationId xmlns:a16="http://schemas.microsoft.com/office/drawing/2014/main" id="{1CC40CB6-CBCA-1DDD-6D5E-A2B9548FFCB2}"/>
-              </a:ext>
-              <a:ext uri="{C183D7F6-B498-43B3-948B-1728B52AA6E4}">
-                <adec:decorative xmlns:adec="http://schemas.microsoft.com/office/drawing/2017/decorative" val="1"/>
-              </a:ext>
-            </a:extLst>
-          </p:cNvPr>
-          <p:cNvSpPr>
-            <a:spLocks noGrp="1" noRot="1" noChangeAspect="1" noMove="1" noResize="1" noEditPoints="1" noAdjustHandles="1" noChangeArrowheads="1" noChangeShapeType="1" noTextEdit="1"/>
-          </p:cNvSpPr>
-          <p:nvPr>
-            <p:extLst>
-              <p:ext uri="{386F3935-93C4-4BCD-93E2-E3B085C9AB24}">
-                <p16:designElem xmlns:p16="http://schemas.microsoft.com/office/powerpoint/2015/main" val="1"/>
-              </p:ext>
-            </p:extLst>
-          </p:nvPr>
-        </p:nvSpPr>
-        <p:spPr>
-          <a:xfrm flipH="1">
-            <a:off x="-3" y="-1"/>
-            <a:ext cx="12192002" cy="1574311"/>
-          </a:xfrm>
-          <a:prstGeom prst="rect">
-            <a:avLst/>
-          </a:prstGeom>
-          <a:gradFill>
-            <a:gsLst>
-              <a:gs pos="0">
-                <a:srgbClr val="000000">
-                  <a:alpha val="63000"/>
-                </a:srgbClr>
-              </a:gs>
-              <a:gs pos="78000">
-                <a:schemeClr val="accent1">
-                  <a:alpha val="15000"/>
-                </a:schemeClr>
-              </a:gs>
-            </a:gsLst>
-            <a:lin ang="15600000" scaled="0"/>
-          </a:gradFill>
-          <a:ln>
-            <a:noFill/>
-          </a:ln>
-        </p:spPr>
-        <p:style>
-          <a:lnRef idx="2">
-            <a:schemeClr val="accent1">
-              <a:shade val="50000"/>
-            </a:schemeClr>
-          </a:lnRef>
-          <a:fillRef idx="1">
-            <a:schemeClr val="accent1"/>
-          </a:fillRef>
-          <a:effectRef idx="0">
-            <a:schemeClr val="accent1"/>
-          </a:effectRef>
-          <a:fontRef idx="minor">
-            <a:schemeClr val="lt1"/>
-          </a:fontRef>
-        </p:style>
-        <p:txBody>
-          <a:bodyPr rtlCol="0" anchor="ctr"/>
-          <a:lstStyle/>
-          <a:p>
-            <a:pPr algn="ctr"/>
-            <a:endParaRPr lang="en-US"/>
-          </a:p>
-        </p:txBody>
-      </p:sp>
-      <p:sp>
-        <p:nvSpPr>
-          <p:cNvPr id="2" name="Titel 1">
-            <a:extLst>
-              <a:ext uri="{FF2B5EF4-FFF2-40B4-BE49-F238E27FC236}">
-                <a16:creationId xmlns:a16="http://schemas.microsoft.com/office/drawing/2014/main" id="{C1AF12AB-095D-4DBA-330A-24832008F99A}"/>
-              </a:ext>
-            </a:extLst>
-          </p:cNvPr>
-          <p:cNvSpPr>
-            <a:spLocks noGrp="1"/>
-          </p:cNvSpPr>
-          <p:nvPr>
-            <p:ph type="title"/>
-          </p:nvPr>
-        </p:nvSpPr>
-        <p:spPr>
-          <a:xfrm>
-            <a:off x="699713" y="248038"/>
-            <a:ext cx="7063721" cy="1159200"/>
-          </a:xfrm>
-        </p:spPr>
-        <p:txBody>
-          <a:bodyPr vert="horz" lIns="91440" tIns="45720" rIns="91440" bIns="45720" rtlCol="0" anchor="ctr">
-            <a:normAutofit/>
-          </a:bodyPr>
-          <a:lstStyle/>
-          <a:p>
-            <a:r>
-              <a:rPr lang="en-US" sz="4000">
-                <a:solidFill>
-                  <a:srgbClr val="FFFFFF"/>
-                </a:solidFill>
-              </a:rPr>
-              <a:t>Apache Storm Crawler</a:t>
-            </a:r>
-            <a:endParaRPr lang="en-US" sz="4000" kern="1200">
-              <a:solidFill>
-                <a:srgbClr val="FFFFFF"/>
-              </a:solidFill>
-              <a:latin typeface="+mj-lt"/>
-              <a:ea typeface="+mj-ea"/>
-              <a:cs typeface="+mj-cs"/>
-            </a:endParaRPr>
-          </a:p>
-        </p:txBody>
-      </p:sp>
-      <p:pic>
-        <p:nvPicPr>
-          <p:cNvPr id="3" name="Grafik 2" descr="Apache Storm - Wikipedia">
-            <a:extLst>
-              <a:ext uri="{FF2B5EF4-FFF2-40B4-BE49-F238E27FC236}">
-                <a16:creationId xmlns:a16="http://schemas.microsoft.com/office/drawing/2014/main" id="{5823099D-61AE-F4EE-8C3F-41361FC2D601}"/>
-              </a:ext>
-            </a:extLst>
-          </p:cNvPr>
-          <p:cNvPicPr>
-            <a:picLocks noChangeAspect="1"/>
-          </p:cNvPicPr>
-          <p:nvPr/>
-        </p:nvPicPr>
-        <p:blipFill>
-          <a:blip r:embed="rId2"/>
-          <a:stretch>
-            <a:fillRect/>
-          </a:stretch>
-        </p:blipFill>
-        <p:spPr>
-          <a:xfrm>
-            <a:off x="6538005" y="79602"/>
-            <a:ext cx="4257675" cy="1419225"/>
-          </a:xfrm>
-          <a:prstGeom prst="rect">
-            <a:avLst/>
-          </a:prstGeom>
-          <a:ln>
-            <a:noFill/>
-          </a:ln>
-        </p:spPr>
-      </p:pic>
-      <p:graphicFrame>
-        <p:nvGraphicFramePr>
-          <p:cNvPr id="7" name="Inhaltsplatzhalter 3">
-            <a:extLst>
-              <a:ext uri="{FF2B5EF4-FFF2-40B4-BE49-F238E27FC236}">
-                <a16:creationId xmlns:a16="http://schemas.microsoft.com/office/drawing/2014/main" id="{4FA9B1E3-AB55-BE20-0A41-D247E94D8C81}"/>
-              </a:ext>
-            </a:extLst>
-          </p:cNvPr>
-          <p:cNvGraphicFramePr>
-            <a:graphicFrameLocks/>
-          </p:cNvGraphicFramePr>
-          <p:nvPr>
-            <p:extLst>
-              <p:ext uri="{D42A27DB-BD31-4B8C-83A1-F6EECF244321}">
-                <p14:modId xmlns:p14="http://schemas.microsoft.com/office/powerpoint/2010/main" val="2749364913"/>
-              </p:ext>
-            </p:extLst>
-          </p:nvPr>
-        </p:nvGraphicFramePr>
-        <p:xfrm>
-          <a:off x="-2155760" y="2022848"/>
-          <a:ext cx="10811435" cy="4351338"/>
-        </p:xfrm>
-        <a:graphic>
-          <a:graphicData uri="http://schemas.openxmlformats.org/drawingml/2006/diagram">
-            <dgm:relIds xmlns:dgm="http://schemas.openxmlformats.org/drawingml/2006/diagram" xmlns:r="http://schemas.openxmlformats.org/officeDocument/2006/relationships" r:dm="rId3" r:lo="rId4" r:qs="rId5" r:cs="rId6"/>
-          </a:graphicData>
-        </a:graphic>
-      </p:graphicFrame>
-      <p:sp>
-        <p:nvSpPr>
-          <p:cNvPr id="37" name="Textfeld 36">
-            <a:extLst>
-              <a:ext uri="{FF2B5EF4-FFF2-40B4-BE49-F238E27FC236}">
-                <a16:creationId xmlns:a16="http://schemas.microsoft.com/office/drawing/2014/main" id="{8604FDB8-DE92-C43D-2B8F-9B22964E3B08}"/>
-              </a:ext>
-            </a:extLst>
-          </p:cNvPr>
-          <p:cNvSpPr txBox="1"/>
-          <p:nvPr/>
-        </p:nvSpPr>
-        <p:spPr>
-          <a:xfrm>
-            <a:off x="6096000" y="2026022"/>
-            <a:ext cx="6099200" cy="3647152"/>
-          </a:xfrm>
-          <a:prstGeom prst="rect">
-            <a:avLst/>
-          </a:prstGeom>
-          <a:noFill/>
-        </p:spPr>
-        <p:txBody>
-          <a:bodyPr rot="0" spcFirstLastPara="0" vertOverflow="overflow" horzOverflow="overflow" vert="horz" wrap="square" lIns="91440" tIns="45720" rIns="91440" bIns="45720" numCol="1" spcCol="0" rtlCol="0" fromWordArt="0" anchor="t" anchorCtr="0" forceAA="0" compatLnSpc="1">
-            <a:prstTxWarp prst="textNoShape">
-              <a:avLst/>
-            </a:prstTxWarp>
-            <a:spAutoFit/>
-          </a:bodyPr>
-          <a:lstStyle/>
-          <a:p>
-            <a:r>
-              <a:rPr lang="de-DE" sz="2100" b="1"/>
-              <a:t>Aktueller Stand:</a:t>
-            </a:r>
-          </a:p>
-          <a:p>
-            <a:pPr marL="285750" indent="-285750">
-              <a:buFont typeface="Arial"/>
-              <a:buChar char="•"/>
-            </a:pPr>
-            <a:r>
-              <a:rPr lang="de-DE" sz="2100" err="1">
-                <a:ea typeface="+mn-lt"/>
-                <a:cs typeface="+mn-lt"/>
-              </a:rPr>
-              <a:t>Crawling</a:t>
-            </a:r>
-            <a:r>
-              <a:rPr lang="de-DE" sz="2100">
-                <a:ea typeface="+mn-lt"/>
-                <a:cs typeface="+mn-lt"/>
-              </a:rPr>
-              <a:t> findet bisher nur für die zuerst eingegebene Seed-URL statt</a:t>
-            </a:r>
-            <a:endParaRPr lang="de-DE" sz="2100"/>
-          </a:p>
-          <a:p>
-            <a:pPr marL="285750" indent="-285750">
-              <a:buFont typeface="Arial"/>
-              <a:buChar char="•"/>
-            </a:pPr>
-            <a:r>
-              <a:rPr lang="de-DE" sz="2100"/>
-              <a:t>Alle HTML Inhalte dieser exakten URL werden als JSON Dateien für das RAG gespeichert</a:t>
-            </a:r>
-          </a:p>
-          <a:p>
-            <a:pPr marL="285750" indent="-285750">
-              <a:buFont typeface="Arial"/>
-              <a:buChar char="•"/>
-            </a:pPr>
-            <a:endParaRPr lang="de-DE" sz="2100"/>
-          </a:p>
-          <a:p>
-            <a:r>
-              <a:rPr lang="de-DE" sz="2100" b="1"/>
-              <a:t>Nächste Schritte:</a:t>
-            </a:r>
-          </a:p>
-          <a:p>
-            <a:pPr marL="285750" indent="-285750">
-              <a:buFont typeface="Arial"/>
-              <a:buChar char="•"/>
-            </a:pPr>
-            <a:r>
-              <a:rPr lang="de-DE" sz="2100"/>
-              <a:t>Kreislauf in der Topologie erschaffen</a:t>
-            </a:r>
-          </a:p>
-          <a:p>
-            <a:pPr marL="285750" indent="-285750">
-              <a:buFont typeface="Arial"/>
-              <a:buChar char="•"/>
-            </a:pPr>
-            <a:r>
-              <a:rPr lang="de-DE" sz="2100"/>
-              <a:t>Links die in HTML-Code gefunden werden im nächsten </a:t>
-            </a:r>
-            <a:r>
-              <a:rPr lang="de-DE" sz="2100" err="1"/>
-              <a:t>Topology</a:t>
-            </a:r>
-            <a:r>
-              <a:rPr lang="de-DE" sz="2100"/>
-              <a:t>-Durchlauf verarbeiten</a:t>
-            </a:r>
-          </a:p>
-          <a:p>
-            <a:pPr marL="285750" indent="-285750">
-              <a:buFont typeface="Arial"/>
-              <a:buChar char="•"/>
-            </a:pPr>
-            <a:r>
-              <a:rPr lang="de-DE" sz="2100"/>
-              <a:t>Bis zu bestimmter Tiefe rekursiv wiederholen</a:t>
-            </a:r>
-          </a:p>
-        </p:txBody>
-      </p:sp>
-    </p:spTree>
-    <p:extLst>
-      <p:ext uri="{BB962C8B-B14F-4D97-AF65-F5344CB8AC3E}">
-        <p14:creationId xmlns:p14="http://schemas.microsoft.com/office/powerpoint/2010/main" val="3163319264"/>
-      </p:ext>
-    </p:extLst>
-  </p:cSld>
-  <p:clrMapOvr>
-    <a:masterClrMapping/>
-  </p:clrMapOvr>
-</p:sld>
-</file>
-
-<file path=ppt/slides/slide9.xml><?xml version="1.0" encoding="utf-8"?>
-<p:sld xmlns:a="http://schemas.openxmlformats.org/drawingml/2006/main" xmlns:r="http://schemas.openxmlformats.org/officeDocument/2006/relationships" xmlns:p="http://schemas.openxmlformats.org/presentationml/2006/main">
-  <p:cSld>
-    <p:bg>
-      <p:bgPr>
-        <a:solidFill>
-          <a:schemeClr val="bg1"/>
-        </a:solidFill>
-        <a:effectLst/>
-      </p:bgPr>
-    </p:bg>
-    <p:spTree>
-      <p:nvGrpSpPr>
-        <p:cNvPr id="1" name=""/>
-        <p:cNvGrpSpPr/>
-        <p:nvPr/>
-      </p:nvGrpSpPr>
-      <p:grpSpPr>
-        <a:xfrm>
-          <a:off x="0" y="0"/>
-          <a:ext cx="0" cy="0"/>
-          <a:chOff x="0" y="0"/>
-          <a:chExt cx="0" cy="0"/>
-        </a:xfrm>
-      </p:grpSpPr>
-      <p:sp useBgFill="1">
-        <p:nvSpPr>
-          <p:cNvPr id="58" name="Rectangle 47">
-            <a:extLst>
-              <a:ext uri="{FF2B5EF4-FFF2-40B4-BE49-F238E27FC236}">
-                <a16:creationId xmlns:a16="http://schemas.microsoft.com/office/drawing/2014/main" id="{BACC6370-2D7E-4714-9D71-7542949D7D5D}"/>
-              </a:ext>
-              <a:ext uri="{C183D7F6-B498-43B3-948B-1728B52AA6E4}">
-                <adec:decorative xmlns:adec="http://schemas.microsoft.com/office/drawing/2017/decorative" val="1"/>
-              </a:ext>
-            </a:extLst>
-          </p:cNvPr>
-          <p:cNvSpPr>
-            <a:spLocks noGrp="1" noRot="1" noChangeAspect="1" noMove="1" noResize="1" noEditPoints="1" noAdjustHandles="1" noChangeArrowheads="1" noChangeShapeType="1" noTextEdit="1"/>
-          </p:cNvSpPr>
-          <p:nvPr>
-            <p:extLst>
-              <p:ext uri="{386F3935-93C4-4BCD-93E2-E3B085C9AB24}">
-                <p16:designElem xmlns:p16="http://schemas.microsoft.com/office/powerpoint/2015/main" val="1"/>
-              </p:ext>
-            </p:extLst>
-          </p:nvPr>
-        </p:nvSpPr>
-        <p:spPr>
-          <a:xfrm>
-            <a:off x="0" y="0"/>
-            <a:ext cx="12192000" cy="6858000"/>
-          </a:xfrm>
-          <a:prstGeom prst="rect">
-            <a:avLst/>
-          </a:prstGeom>
-          <a:ln w="12700" cap="flat" cmpd="sng" algn="ctr">
-            <a:noFill/>
-            <a:prstDash val="solid"/>
-            <a:miter lim="800000"/>
-          </a:ln>
-          <a:effectLst/>
-          <a:extLst>
-            <a:ext uri="{91240B29-F687-4F45-9708-019B960494DF}">
-              <a14:hiddenLine xmlns:a14="http://schemas.microsoft.com/office/drawing/2010/main" w="12700" cap="flat" cmpd="sng" algn="ctr">
-                <a:solidFill>
-                  <a:schemeClr val="accent1">
-                    <a:shade val="50000"/>
-                  </a:schemeClr>
-                </a:solidFill>
-                <a:prstDash val="solid"/>
-                <a:miter lim="800000"/>
-              </a14:hiddenLine>
-            </a:ext>
-          </a:extLst>
-        </p:spPr>
-        <p:style>
-          <a:lnRef idx="2">
-            <a:schemeClr val="accent1">
-              <a:shade val="50000"/>
-            </a:schemeClr>
-          </a:lnRef>
-          <a:fillRef idx="1">
-            <a:schemeClr val="accent1"/>
-          </a:fillRef>
-          <a:effectRef idx="0">
-            <a:schemeClr val="accent1"/>
-          </a:effectRef>
-          <a:fontRef idx="minor">
-            <a:schemeClr val="lt1"/>
-          </a:fontRef>
-        </p:style>
-        <p:txBody>
-          <a:bodyPr rtlCol="0" anchor="ctr"/>
-          <a:lstStyle/>
-          <a:p>
-            <a:pPr algn="ctr"/>
-            <a:endParaRPr lang="en-US"/>
-          </a:p>
-        </p:txBody>
-      </p:sp>
-      <p:sp>
-        <p:nvSpPr>
-          <p:cNvPr id="59" name="Rectangle 49">
-            <a:extLst>
-              <a:ext uri="{FF2B5EF4-FFF2-40B4-BE49-F238E27FC236}">
-                <a16:creationId xmlns:a16="http://schemas.microsoft.com/office/drawing/2014/main" id="{F68B3F68-107C-434F-AA38-110D5EA91B85}"/>
-              </a:ext>
-              <a:ext uri="{C183D7F6-B498-43B3-948B-1728B52AA6E4}">
-                <adec:decorative xmlns:adec="http://schemas.microsoft.com/office/drawing/2017/decorative" val="1"/>
-              </a:ext>
-            </a:extLst>
-          </p:cNvPr>
-          <p:cNvSpPr>
-            <a:spLocks noGrp="1" noRot="1" noChangeAspect="1" noMove="1" noResize="1" noEditPoints="1" noAdjustHandles="1" noChangeArrowheads="1" noChangeShapeType="1" noTextEdit="1"/>
-          </p:cNvSpPr>
-          <p:nvPr>
-            <p:extLst>
-              <p:ext uri="{386F3935-93C4-4BCD-93E2-E3B085C9AB24}">
-                <p16:designElem xmlns:p16="http://schemas.microsoft.com/office/powerpoint/2015/main" val="1"/>
-              </p:ext>
-            </p:extLst>
-          </p:nvPr>
-        </p:nvSpPr>
-        <p:spPr>
-          <a:xfrm flipH="1">
-            <a:off x="2" y="0"/>
-            <a:ext cx="12191998" cy="1575955"/>
-          </a:xfrm>
-          <a:prstGeom prst="rect">
-            <a:avLst/>
-          </a:prstGeom>
-          <a:gradFill>
-            <a:gsLst>
-              <a:gs pos="0">
-                <a:srgbClr val="000000">
-                  <a:alpha val="96000"/>
-                </a:srgbClr>
-              </a:gs>
-              <a:gs pos="100000">
-                <a:schemeClr val="accent1">
-                  <a:lumMod val="75000"/>
-                </a:schemeClr>
-              </a:gs>
-            </a:gsLst>
-            <a:lin ang="8400000" scaled="0"/>
-          </a:gradFill>
-          <a:ln>
-            <a:noFill/>
-          </a:ln>
-        </p:spPr>
-        <p:style>
-          <a:lnRef idx="2">
-            <a:schemeClr val="accent1">
-              <a:shade val="50000"/>
-            </a:schemeClr>
-          </a:lnRef>
-          <a:fillRef idx="1">
-            <a:schemeClr val="accent1"/>
-          </a:fillRef>
-          <a:effectRef idx="0">
-            <a:schemeClr val="accent1"/>
-          </a:effectRef>
-          <a:fontRef idx="minor">
-            <a:schemeClr val="lt1"/>
-          </a:fontRef>
-        </p:style>
-        <p:txBody>
-          <a:bodyPr rtlCol="0" anchor="ctr"/>
-          <a:lstStyle/>
-          <a:p>
-            <a:pPr algn="ctr"/>
-            <a:endParaRPr lang="en-US"/>
-          </a:p>
-        </p:txBody>
-      </p:sp>
-      <p:sp>
-        <p:nvSpPr>
-          <p:cNvPr id="60" name="Rectangle 51">
-            <a:extLst>
-              <a:ext uri="{FF2B5EF4-FFF2-40B4-BE49-F238E27FC236}">
-                <a16:creationId xmlns:a16="http://schemas.microsoft.com/office/drawing/2014/main" id="{AAD0DBB9-1A4B-4391-81D4-CB19F9AB918A}"/>
-              </a:ext>
-              <a:ext uri="{C183D7F6-B498-43B3-948B-1728B52AA6E4}">
-                <adec:decorative xmlns:adec="http://schemas.microsoft.com/office/drawing/2017/decorative" val="1"/>
-              </a:ext>
-            </a:extLst>
-          </p:cNvPr>
-          <p:cNvSpPr>
-            <a:spLocks noGrp="1" noRot="1" noChangeAspect="1" noMove="1" noResize="1" noEditPoints="1" noAdjustHandles="1" noChangeArrowheads="1" noChangeShapeType="1" noTextEdit="1"/>
-          </p:cNvSpPr>
-          <p:nvPr>
-            <p:extLst>
-              <p:ext uri="{386F3935-93C4-4BCD-93E2-E3B085C9AB24}">
-                <p16:designElem xmlns:p16="http://schemas.microsoft.com/office/powerpoint/2015/main" val="1"/>
-              </p:ext>
-            </p:extLst>
-          </p:nvPr>
-        </p:nvSpPr>
-        <p:spPr>
-          <a:xfrm rot="10800000" flipH="1">
-            <a:off x="8128857" y="0"/>
-            <a:ext cx="4063143" cy="1576412"/>
-          </a:xfrm>
-          <a:prstGeom prst="rect">
-            <a:avLst/>
-          </a:prstGeom>
-          <a:gradFill>
-            <a:gsLst>
-              <a:gs pos="19000">
-                <a:schemeClr val="accent1">
-                  <a:lumMod val="50000"/>
-                  <a:alpha val="68000"/>
-                </a:schemeClr>
-              </a:gs>
-              <a:gs pos="100000">
-                <a:schemeClr val="accent1">
-                  <a:alpha val="79000"/>
-                </a:schemeClr>
-              </a:gs>
-            </a:gsLst>
-            <a:lin ang="19200000" scaled="0"/>
-          </a:gradFill>
-          <a:ln>
-            <a:noFill/>
-          </a:ln>
-        </p:spPr>
-        <p:style>
-          <a:lnRef idx="2">
-            <a:schemeClr val="accent1">
-              <a:shade val="50000"/>
-            </a:schemeClr>
-          </a:lnRef>
-          <a:fillRef idx="1">
-            <a:schemeClr val="accent1"/>
-          </a:fillRef>
-          <a:effectRef idx="0">
-            <a:schemeClr val="accent1"/>
-          </a:effectRef>
-          <a:fontRef idx="minor">
-            <a:schemeClr val="lt1"/>
-          </a:fontRef>
-        </p:style>
-        <p:txBody>
-          <a:bodyPr rtlCol="0" anchor="ctr"/>
-          <a:lstStyle/>
-          <a:p>
-            <a:pPr algn="ctr"/>
-            <a:endParaRPr lang="en-US"/>
-          </a:p>
-        </p:txBody>
-      </p:sp>
-      <p:sp>
-        <p:nvSpPr>
-          <p:cNvPr id="61" name="Rectangle 53">
-            <a:extLst>
-              <a:ext uri="{FF2B5EF4-FFF2-40B4-BE49-F238E27FC236}">
-                <a16:creationId xmlns:a16="http://schemas.microsoft.com/office/drawing/2014/main" id="{063BBA22-50EA-4C4D-BE05-F1CE4E63AA56}"/>
-              </a:ext>
-              <a:ext uri="{C183D7F6-B498-43B3-948B-1728B52AA6E4}">
-                <adec:decorative xmlns:adec="http://schemas.microsoft.com/office/drawing/2017/decorative" val="1"/>
-              </a:ext>
-            </a:extLst>
-          </p:cNvPr>
-          <p:cNvSpPr>
-            <a:spLocks noGrp="1" noRot="1" noChangeAspect="1" noMove="1" noResize="1" noEditPoints="1" noAdjustHandles="1" noChangeArrowheads="1" noChangeShapeType="1" noTextEdit="1"/>
-          </p:cNvSpPr>
-          <p:nvPr>
-            <p:extLst>
-              <p:ext uri="{386F3935-93C4-4BCD-93E2-E3B085C9AB24}">
-                <p16:designElem xmlns:p16="http://schemas.microsoft.com/office/powerpoint/2015/main" val="1"/>
-              </p:ext>
-            </p:extLst>
-          </p:nvPr>
-        </p:nvSpPr>
-        <p:spPr>
-          <a:xfrm rot="5400000">
-            <a:off x="5307777" y="-5307778"/>
-            <a:ext cx="1576446" cy="12192002"/>
-          </a:xfrm>
-          <a:prstGeom prst="rect">
-            <a:avLst/>
-          </a:prstGeom>
-          <a:gradFill>
-            <a:gsLst>
-              <a:gs pos="23000">
-                <a:schemeClr val="accent1">
-                  <a:alpha val="0"/>
-                </a:schemeClr>
-              </a:gs>
-              <a:gs pos="99000">
-                <a:srgbClr val="000000">
-                  <a:alpha val="74000"/>
-                </a:srgbClr>
-              </a:gs>
-            </a:gsLst>
-            <a:lin ang="20400000" scaled="0"/>
-          </a:gradFill>
-          <a:ln>
-            <a:noFill/>
-          </a:ln>
-        </p:spPr>
-        <p:style>
-          <a:lnRef idx="2">
-            <a:schemeClr val="accent1">
-              <a:shade val="50000"/>
-            </a:schemeClr>
-          </a:lnRef>
-          <a:fillRef idx="1">
-            <a:schemeClr val="accent1"/>
-          </a:fillRef>
-          <a:effectRef idx="0">
-            <a:schemeClr val="accent1"/>
-          </a:effectRef>
-          <a:fontRef idx="minor">
-            <a:schemeClr val="lt1"/>
-          </a:fontRef>
-        </p:style>
-        <p:txBody>
-          <a:bodyPr rtlCol="0" anchor="ctr"/>
-          <a:lstStyle/>
-          <a:p>
-            <a:pPr algn="ctr"/>
-            <a:endParaRPr lang="en-US"/>
-          </a:p>
-        </p:txBody>
-      </p:sp>
-      <p:sp>
-        <p:nvSpPr>
-          <p:cNvPr id="2" name="Titel 1">
-            <a:extLst>
-              <a:ext uri="{FF2B5EF4-FFF2-40B4-BE49-F238E27FC236}">
-                <a16:creationId xmlns:a16="http://schemas.microsoft.com/office/drawing/2014/main" id="{F22F95B4-15B1-3329-3FBA-108702A77167}"/>
-              </a:ext>
-            </a:extLst>
-          </p:cNvPr>
-          <p:cNvSpPr>
-            <a:spLocks noGrp="1"/>
-          </p:cNvSpPr>
-          <p:nvPr>
-            <p:ph type="title"/>
-          </p:nvPr>
-        </p:nvSpPr>
-        <p:spPr>
-          <a:xfrm>
-            <a:off x="1371597" y="348865"/>
-            <a:ext cx="10044023" cy="877729"/>
-          </a:xfrm>
-        </p:spPr>
-        <p:txBody>
-          <a:bodyPr anchor="ctr">
-            <a:normAutofit/>
-          </a:bodyPr>
-          <a:lstStyle/>
-          <a:p>
-            <a:r>
-              <a:rPr lang="de-DE" sz="4000">
-                <a:solidFill>
-                  <a:srgbClr val="FFFFFF"/>
-                </a:solidFill>
-              </a:rPr>
-              <a:t>Probleme  &amp; Herausforderungen </a:t>
-            </a:r>
-          </a:p>
-        </p:txBody>
-      </p:sp>
-      <p:graphicFrame>
-        <p:nvGraphicFramePr>
-          <p:cNvPr id="27" name="Inhaltsplatzhalter 2">
-            <a:extLst>
-              <a:ext uri="{FF2B5EF4-FFF2-40B4-BE49-F238E27FC236}">
-                <a16:creationId xmlns:a16="http://schemas.microsoft.com/office/drawing/2014/main" id="{80A9EFAA-D5DE-049B-4A0F-85AA92BF4EDA}"/>
-              </a:ext>
-            </a:extLst>
-          </p:cNvPr>
-          <p:cNvGraphicFramePr>
-            <a:graphicFrameLocks noGrp="1"/>
-          </p:cNvGraphicFramePr>
-          <p:nvPr>
-            <p:ph idx="1"/>
-            <p:extLst>
-              <p:ext uri="{D42A27DB-BD31-4B8C-83A1-F6EECF244321}">
-                <p14:modId xmlns:p14="http://schemas.microsoft.com/office/powerpoint/2010/main" val="2009104381"/>
-              </p:ext>
-            </p:extLst>
-          </p:nvPr>
-        </p:nvGraphicFramePr>
-        <p:xfrm>
-          <a:off x="644056" y="2112579"/>
-          <a:ext cx="10927829" cy="4192805"/>
-        </p:xfrm>
-        <a:graphic>
-          <a:graphicData uri="http://schemas.openxmlformats.org/drawingml/2006/diagram">
-            <dgm:relIds xmlns:dgm="http://schemas.openxmlformats.org/drawingml/2006/diagram" xmlns:r="http://schemas.openxmlformats.org/officeDocument/2006/relationships" r:dm="rId2" r:lo="rId3" r:qs="rId4" r:cs="rId5"/>
-          </a:graphicData>
-        </a:graphic>
-      </p:graphicFrame>
-    </p:spTree>
-    <p:extLst>
-      <p:ext uri="{BB962C8B-B14F-4D97-AF65-F5344CB8AC3E}">
-        <p14:creationId xmlns:p14="http://schemas.microsoft.com/office/powerpoint/2010/main" val="331094301"/>
       </p:ext>
     </p:extLst>
   </p:cSld>
